--- a/Articles/2_ShareLocalDeepSeekService/img/designDoc.pptx
+++ b/Articles/2_ShareLocalDeepSeekService/img/designDoc.pptx
@@ -109,6 +109,11 @@
       </a:defRPr>
     </a:lvl9pPr>
   </p:defaultTextStyle>
+  <p:extLst>
+    <p:ext uri="{EFAFB233-063F-42B5-8137-9DF3F51BA10A}">
+      <p15:sldGuideLst xmlns:p15="http://schemas.microsoft.com/office/powerpoint/2012/main"/>
+    </p:ext>
+  </p:extLst>
 </p:presentation>
 </file>
 
@@ -4821,7 +4826,7 @@
         <p:spPr>
           <a:xfrm>
             <a:off x="918465" y="691729"/>
-            <a:ext cx="8380793" cy="584775"/>
+            <a:ext cx="8380793" cy="400110"/>
           </a:xfrm>
           <a:prstGeom prst="rect">
             <a:avLst/>
@@ -4835,18 +4840,10 @@
           <a:lstStyle/>
           <a:p>
             <a:r>
-              <a:rPr lang="en-US" sz="1600" b="1" dirty="0"/>
-              <a:t>Use Case Scenario-01: Run Chatbot host on the same host with the Local </a:t>
-            </a:r>
-            <a:r>
-              <a:rPr lang="en-US" sz="1600" b="1" dirty="0" err="1"/>
-              <a:t>DeepSeek</a:t>
-            </a:r>
-            <a:r>
-              <a:rPr lang="en-US" sz="1600" b="1" dirty="0"/>
-              <a:t> Model and share to multiple users in the same network.</a:t>
-            </a:r>
-            <a:endParaRPr lang="en-SG" sz="1600" b="1" dirty="0"/>
+              <a:rPr lang="en-US" sz="2000" b="1" dirty="0"/>
+              <a:t>Use Case Scenario 01: Secure Sharing on a Headless GPU Server</a:t>
+            </a:r>
+            <a:endParaRPr lang="en-SG" sz="2000" b="1" dirty="0"/>
           </a:p>
         </p:txBody>
       </p:sp>
@@ -5441,7 +5438,7 @@
         </p:nvSpPr>
         <p:spPr>
           <a:xfrm>
-            <a:off x="7477821" y="1481461"/>
+            <a:off x="7968625" y="1456746"/>
             <a:ext cx="2180354" cy="830997"/>
           </a:xfrm>
           <a:prstGeom prst="rect">
@@ -5457,11 +5454,11 @@
           <a:p>
             <a:r>
               <a:rPr lang="en-US" sz="1600" b="1" dirty="0"/>
-              <a:t>Other Program want to integrated with the </a:t>
+              <a:t>Other Programs want to integrated with the </a:t>
             </a:r>
             <a:r>
               <a:rPr lang="en-US" sz="1600" b="1" dirty="0" err="1"/>
-              <a:t>Deepseek</a:t>
+              <a:t>DeepSeek</a:t>
             </a:r>
             <a:r>
               <a:rPr lang="en-US" sz="1600" b="1" dirty="0"/>
@@ -5471,6 +5468,42 @@
           </a:p>
         </p:txBody>
       </p:sp>
+      <p:pic>
+        <p:nvPicPr>
+          <p:cNvPr id="11" name="Graphic 10" descr="Vlog with solid fill">
+            <a:extLst>
+              <a:ext uri="{FF2B5EF4-FFF2-40B4-BE49-F238E27FC236}">
+                <a16:creationId xmlns:a16="http://schemas.microsoft.com/office/drawing/2014/main" id="{A6EF6AF6-409C-1E29-2581-3EE589F9B73A}"/>
+              </a:ext>
+            </a:extLst>
+          </p:cNvPr>
+          <p:cNvPicPr>
+            <a:picLocks noChangeAspect="1"/>
+          </p:cNvPicPr>
+          <p:nvPr/>
+        </p:nvPicPr>
+        <p:blipFill>
+          <a:blip r:embed="rId17">
+            <a:extLst>
+              <a:ext uri="{96DAC541-7B7A-43D3-8B79-37D633B846F1}">
+                <asvg:svgBlip xmlns:asvg="http://schemas.microsoft.com/office/drawing/2016/SVG/main" r:embed="rId18"/>
+              </a:ext>
+            </a:extLst>
+          </a:blip>
+          <a:stretch>
+            <a:fillRect/>
+          </a:stretch>
+        </p:blipFill>
+        <p:spPr>
+          <a:xfrm>
+            <a:off x="7020621" y="1284422"/>
+            <a:ext cx="914400" cy="914400"/>
+          </a:xfrm>
+          <a:prstGeom prst="rect">
+            <a:avLst/>
+          </a:prstGeom>
+        </p:spPr>
+      </p:pic>
     </p:spTree>
     <p:extLst>
       <p:ext uri="{BB962C8B-B14F-4D97-AF65-F5344CB8AC3E}">

--- a/Articles/2_ShareLocalDeepSeekService/img/designDoc.pptx
+++ b/Articles/2_ShareLocalDeepSeekService/img/designDoc.pptx
@@ -199,7 +199,7 @@
           <a:p>
             <a:fld id="{C6840B1D-3402-45D4-96EF-7C4E997A65EA}" type="datetimeFigureOut">
               <a:rPr lang="en-SG" smtClean="0"/>
-              <a:t>1/3/2025</a:t>
+              <a:t>2/3/2025</a:t>
             </a:fld>
             <a:endParaRPr lang="en-SG"/>
           </a:p>
@@ -700,7 +700,7 @@
           <a:p>
             <a:fld id="{F2C2400D-C8F7-497A-9C72-B54206FA314E}" type="datetimeFigureOut">
               <a:rPr lang="en-SG" smtClean="0"/>
-              <a:t>1/3/2025</a:t>
+              <a:t>2/3/2025</a:t>
             </a:fld>
             <a:endParaRPr lang="en-SG"/>
           </a:p>
@@ -900,7 +900,7 @@
           <a:p>
             <a:fld id="{F2C2400D-C8F7-497A-9C72-B54206FA314E}" type="datetimeFigureOut">
               <a:rPr lang="en-SG" smtClean="0"/>
-              <a:t>1/3/2025</a:t>
+              <a:t>2/3/2025</a:t>
             </a:fld>
             <a:endParaRPr lang="en-SG"/>
           </a:p>
@@ -1110,7 +1110,7 @@
           <a:p>
             <a:fld id="{F2C2400D-C8F7-497A-9C72-B54206FA314E}" type="datetimeFigureOut">
               <a:rPr lang="en-SG" smtClean="0"/>
-              <a:t>1/3/2025</a:t>
+              <a:t>2/3/2025</a:t>
             </a:fld>
             <a:endParaRPr lang="en-SG"/>
           </a:p>
@@ -1310,7 +1310,7 @@
           <a:p>
             <a:fld id="{F2C2400D-C8F7-497A-9C72-B54206FA314E}" type="datetimeFigureOut">
               <a:rPr lang="en-SG" smtClean="0"/>
-              <a:t>1/3/2025</a:t>
+              <a:t>2/3/2025</a:t>
             </a:fld>
             <a:endParaRPr lang="en-SG"/>
           </a:p>
@@ -1586,7 +1586,7 @@
           <a:p>
             <a:fld id="{F2C2400D-C8F7-497A-9C72-B54206FA314E}" type="datetimeFigureOut">
               <a:rPr lang="en-SG" smtClean="0"/>
-              <a:t>1/3/2025</a:t>
+              <a:t>2/3/2025</a:t>
             </a:fld>
             <a:endParaRPr lang="en-SG"/>
           </a:p>
@@ -1854,7 +1854,7 @@
           <a:p>
             <a:fld id="{F2C2400D-C8F7-497A-9C72-B54206FA314E}" type="datetimeFigureOut">
               <a:rPr lang="en-SG" smtClean="0"/>
-              <a:t>1/3/2025</a:t>
+              <a:t>2/3/2025</a:t>
             </a:fld>
             <a:endParaRPr lang="en-SG"/>
           </a:p>
@@ -2269,7 +2269,7 @@
           <a:p>
             <a:fld id="{F2C2400D-C8F7-497A-9C72-B54206FA314E}" type="datetimeFigureOut">
               <a:rPr lang="en-SG" smtClean="0"/>
-              <a:t>1/3/2025</a:t>
+              <a:t>2/3/2025</a:t>
             </a:fld>
             <a:endParaRPr lang="en-SG"/>
           </a:p>
@@ -2411,7 +2411,7 @@
           <a:p>
             <a:fld id="{F2C2400D-C8F7-497A-9C72-B54206FA314E}" type="datetimeFigureOut">
               <a:rPr lang="en-SG" smtClean="0"/>
-              <a:t>1/3/2025</a:t>
+              <a:t>2/3/2025</a:t>
             </a:fld>
             <a:endParaRPr lang="en-SG"/>
           </a:p>
@@ -2524,7 +2524,7 @@
           <a:p>
             <a:fld id="{F2C2400D-C8F7-497A-9C72-B54206FA314E}" type="datetimeFigureOut">
               <a:rPr lang="en-SG" smtClean="0"/>
-              <a:t>1/3/2025</a:t>
+              <a:t>2/3/2025</a:t>
             </a:fld>
             <a:endParaRPr lang="en-SG"/>
           </a:p>
@@ -2837,7 +2837,7 @@
           <a:p>
             <a:fld id="{F2C2400D-C8F7-497A-9C72-B54206FA314E}" type="datetimeFigureOut">
               <a:rPr lang="en-SG" smtClean="0"/>
-              <a:t>1/3/2025</a:t>
+              <a:t>2/3/2025</a:t>
             </a:fld>
             <a:endParaRPr lang="en-SG"/>
           </a:p>
@@ -3126,7 +3126,7 @@
           <a:p>
             <a:fld id="{F2C2400D-C8F7-497A-9C72-B54206FA314E}" type="datetimeFigureOut">
               <a:rPr lang="en-SG" smtClean="0"/>
-              <a:t>1/3/2025</a:t>
+              <a:t>2/3/2025</a:t>
             </a:fld>
             <a:endParaRPr lang="en-SG"/>
           </a:p>
@@ -3369,7 +3369,7 @@
           <a:p>
             <a:fld id="{F2C2400D-C8F7-497A-9C72-B54206FA314E}" type="datetimeFigureOut">
               <a:rPr lang="en-SG" smtClean="0"/>
-              <a:t>1/3/2025</a:t>
+              <a:t>2/3/2025</a:t>
             </a:fld>
             <a:endParaRPr lang="en-SG"/>
           </a:p>
@@ -7186,10 +7186,10 @@
       </p:sp>
       <p:sp>
         <p:nvSpPr>
-          <p:cNvPr id="73" name="TextBox 72">
-            <a:extLst>
-              <a:ext uri="{FF2B5EF4-FFF2-40B4-BE49-F238E27FC236}">
-                <a16:creationId xmlns:a16="http://schemas.microsoft.com/office/drawing/2014/main" id="{A7AD0652-BF09-10F4-A4B6-C41F64C6D3B8}"/>
+          <p:cNvPr id="2" name="TextBox 1">
+            <a:extLst>
+              <a:ext uri="{FF2B5EF4-FFF2-40B4-BE49-F238E27FC236}">
+                <a16:creationId xmlns:a16="http://schemas.microsoft.com/office/drawing/2014/main" id="{09107CCB-3ED9-EF89-B712-010C3E16614E}"/>
               </a:ext>
             </a:extLst>
           </p:cNvPr>
@@ -7198,8 +7198,8 @@
         </p:nvSpPr>
         <p:spPr>
           <a:xfrm>
-            <a:off x="782048" y="1126817"/>
-            <a:ext cx="9479406" cy="584775"/>
+            <a:off x="915386" y="1229537"/>
+            <a:ext cx="9533361" cy="400110"/>
           </a:xfrm>
           <a:prstGeom prst="rect">
             <a:avLst/>
@@ -7213,16 +7213,10 @@
           <a:lstStyle/>
           <a:p>
             <a:r>
-              <a:rPr lang="en-US" sz="1600" b="1" dirty="0"/>
-              <a:t>Use Case Scenario-02: </a:t>
-            </a:r>
-          </a:p>
-          <a:p>
-            <a:r>
-              <a:rPr lang="en-US" sz="1600" b="1" dirty="0"/>
-              <a:t>Add different prompt in user’s question to generate the customized response for different users.</a:t>
-            </a:r>
-            <a:endParaRPr lang="en-SG" sz="1600" b="1" dirty="0"/>
+              <a:rPr lang="en-US" sz="2000" b="1" dirty="0"/>
+              <a:t>Use Case Scenario 02: Customized Query Handling Based on User Expertise</a:t>
+            </a:r>
+            <a:endParaRPr lang="en-SG" sz="2000" b="1" dirty="0"/>
           </a:p>
         </p:txBody>
       </p:sp>

--- a/Articles/2_ShareLocalDeepSeekService/img/designDoc.pptx
+++ b/Articles/2_ShareLocalDeepSeekService/img/designDoc.pptx
@@ -5,12 +5,13 @@
     <p:sldMasterId id="2147483648" r:id="rId1"/>
   </p:sldMasterIdLst>
   <p:notesMasterIdLst>
-    <p:notesMasterId r:id="rId5"/>
+    <p:notesMasterId r:id="rId6"/>
   </p:notesMasterIdLst>
   <p:sldIdLst>
-    <p:sldId id="257" r:id="rId2"/>
-    <p:sldId id="258" r:id="rId3"/>
-    <p:sldId id="259" r:id="rId4"/>
+    <p:sldId id="260" r:id="rId2"/>
+    <p:sldId id="257" r:id="rId3"/>
+    <p:sldId id="258" r:id="rId4"/>
+    <p:sldId id="259" r:id="rId5"/>
   </p:sldIdLst>
   <p:sldSz cx="12192000" cy="6858000"/>
   <p:notesSz cx="6858000" cy="9144000"/>
@@ -532,7 +533,7 @@
           <a:p>
             <a:fld id="{429E0243-D85E-4602-80CD-B25B350C1F1B}" type="slidenum">
               <a:rPr lang="en-SG" smtClean="0"/>
-              <a:t>1</a:t>
+              <a:t>2</a:t>
             </a:fld>
             <a:endParaRPr lang="en-SG"/>
           </a:p>
@@ -3788,10 +3789,152 @@
       </p:grpSpPr>
       <p:sp>
         <p:nvSpPr>
-          <p:cNvPr id="8" name="Rectangle 7">
-            <a:extLst>
-              <a:ext uri="{FF2B5EF4-FFF2-40B4-BE49-F238E27FC236}">
-                <a16:creationId xmlns:a16="http://schemas.microsoft.com/office/drawing/2014/main" id="{10C141AA-1B1E-9A3E-9C85-D2931AE142A1}"/>
+          <p:cNvPr id="125" name="TextBox 124">
+            <a:extLst>
+              <a:ext uri="{FF2B5EF4-FFF2-40B4-BE49-F238E27FC236}">
+                <a16:creationId xmlns:a16="http://schemas.microsoft.com/office/drawing/2014/main" id="{4BA14C61-AF14-B3B6-C5A5-11A3D7E4C67D}"/>
+              </a:ext>
+            </a:extLst>
+          </p:cNvPr>
+          <p:cNvSpPr txBox="1"/>
+          <p:nvPr/>
+        </p:nvSpPr>
+        <p:spPr>
+          <a:xfrm>
+            <a:off x="6961362" y="1180158"/>
+            <a:ext cx="2012905" cy="338554"/>
+          </a:xfrm>
+          <a:prstGeom prst="rect">
+            <a:avLst/>
+          </a:prstGeom>
+          <a:noFill/>
+        </p:spPr>
+        <p:txBody>
+          <a:bodyPr wrap="square">
+            <a:spAutoFit/>
+          </a:bodyPr>
+          <a:lstStyle/>
+          <a:p>
+            <a:r>
+              <a:rPr lang="en-US" sz="1600" b="1" dirty="0">
+                <a:solidFill>
+                  <a:schemeClr val="bg1">
+                    <a:lumMod val="65000"/>
+                  </a:schemeClr>
+                </a:solidFill>
+              </a:rPr>
+              <a:t>Customers Subnet</a:t>
+            </a:r>
+            <a:endParaRPr lang="en-SG" sz="1600" b="1" dirty="0">
+              <a:solidFill>
+                <a:schemeClr val="bg1">
+                  <a:lumMod val="65000"/>
+                </a:schemeClr>
+              </a:solidFill>
+            </a:endParaRPr>
+          </a:p>
+        </p:txBody>
+      </p:sp>
+      <p:cxnSp>
+        <p:nvCxnSpPr>
+          <p:cNvPr id="126" name="Straight Connector 125">
+            <a:extLst>
+              <a:ext uri="{FF2B5EF4-FFF2-40B4-BE49-F238E27FC236}">
+                <a16:creationId xmlns:a16="http://schemas.microsoft.com/office/drawing/2014/main" id="{21181913-A890-964C-C27F-80CC4FD87A5D}"/>
+              </a:ext>
+            </a:extLst>
+          </p:cNvPr>
+          <p:cNvCxnSpPr>
+            <a:cxnSpLocks/>
+          </p:cNvCxnSpPr>
+          <p:nvPr/>
+        </p:nvCxnSpPr>
+        <p:spPr>
+          <a:xfrm>
+            <a:off x="6813364" y="1273482"/>
+            <a:ext cx="38586" cy="4747374"/>
+          </a:xfrm>
+          <a:prstGeom prst="line">
+            <a:avLst/>
+          </a:prstGeom>
+          <a:ln>
+            <a:solidFill>
+              <a:schemeClr val="bg1">
+                <a:lumMod val="65000"/>
+              </a:schemeClr>
+            </a:solidFill>
+            <a:prstDash val="sysDash"/>
+          </a:ln>
+        </p:spPr>
+        <p:style>
+          <a:lnRef idx="2">
+            <a:schemeClr val="accent1"/>
+          </a:lnRef>
+          <a:fillRef idx="0">
+            <a:schemeClr val="accent1"/>
+          </a:fillRef>
+          <a:effectRef idx="1">
+            <a:schemeClr val="accent1"/>
+          </a:effectRef>
+          <a:fontRef idx="minor">
+            <a:schemeClr val="tx1"/>
+          </a:fontRef>
+        </p:style>
+      </p:cxnSp>
+      <p:sp>
+        <p:nvSpPr>
+          <p:cNvPr id="127" name="TextBox 126">
+            <a:extLst>
+              <a:ext uri="{FF2B5EF4-FFF2-40B4-BE49-F238E27FC236}">
+                <a16:creationId xmlns:a16="http://schemas.microsoft.com/office/drawing/2014/main" id="{1B6B5A4A-CD91-55A0-7007-970F85E4FC23}"/>
+              </a:ext>
+            </a:extLst>
+          </p:cNvPr>
+          <p:cNvSpPr txBox="1"/>
+          <p:nvPr/>
+        </p:nvSpPr>
+        <p:spPr>
+          <a:xfrm>
+            <a:off x="4108085" y="1197274"/>
+            <a:ext cx="2557193" cy="338554"/>
+          </a:xfrm>
+          <a:prstGeom prst="rect">
+            <a:avLst/>
+          </a:prstGeom>
+          <a:noFill/>
+        </p:spPr>
+        <p:txBody>
+          <a:bodyPr wrap="square">
+            <a:spAutoFit/>
+          </a:bodyPr>
+          <a:lstStyle/>
+          <a:p>
+            <a:r>
+              <a:rPr lang="en-US" sz="1600" b="1" dirty="0">
+                <a:solidFill>
+                  <a:schemeClr val="bg1">
+                    <a:lumMod val="65000"/>
+                  </a:schemeClr>
+                </a:solidFill>
+              </a:rPr>
+              <a:t>GPU Server Local Subnet</a:t>
+            </a:r>
+            <a:endParaRPr lang="en-SG" sz="1600" b="1" dirty="0">
+              <a:solidFill>
+                <a:schemeClr val="bg1">
+                  <a:lumMod val="65000"/>
+                </a:schemeClr>
+              </a:solidFill>
+            </a:endParaRPr>
+          </a:p>
+        </p:txBody>
+      </p:sp>
+      <p:sp>
+        <p:nvSpPr>
+          <p:cNvPr id="4" name="Rectangle 3">
+            <a:extLst>
+              <a:ext uri="{FF2B5EF4-FFF2-40B4-BE49-F238E27FC236}">
+                <a16:creationId xmlns:a16="http://schemas.microsoft.com/office/drawing/2014/main" id="{48708B88-F5D6-C5F9-9FE0-BED12F0807BE}"/>
               </a:ext>
             </a:extLst>
           </p:cNvPr>
@@ -3800,8 +3943,8 @@
         </p:nvSpPr>
         <p:spPr>
           <a:xfrm>
-            <a:off x="2329131" y="4277063"/>
-            <a:ext cx="1981904" cy="1058360"/>
+            <a:off x="1847862" y="1808648"/>
+            <a:ext cx="1931701" cy="914173"/>
           </a:xfrm>
           <a:prstGeom prst="rect">
             <a:avLst/>
@@ -3834,10 +3977,10 @@
       </p:sp>
       <p:sp>
         <p:nvSpPr>
-          <p:cNvPr id="4" name="Rectangle 3">
-            <a:extLst>
-              <a:ext uri="{FF2B5EF4-FFF2-40B4-BE49-F238E27FC236}">
-                <a16:creationId xmlns:a16="http://schemas.microsoft.com/office/drawing/2014/main" id="{44245727-4B7F-CB7B-4CCF-8276CDB2BCCE}"/>
+          <p:cNvPr id="5" name="Rectangle 4">
+            <a:extLst>
+              <a:ext uri="{FF2B5EF4-FFF2-40B4-BE49-F238E27FC236}">
+                <a16:creationId xmlns:a16="http://schemas.microsoft.com/office/drawing/2014/main" id="{F7CF7EFA-F419-23A3-6B2C-4B15D9853A19}"/>
               </a:ext>
             </a:extLst>
           </p:cNvPr>
@@ -3846,8 +3989,8 @@
         </p:nvSpPr>
         <p:spPr>
           <a:xfrm>
-            <a:off x="1019908" y="1736902"/>
-            <a:ext cx="3528646" cy="3771960"/>
+            <a:off x="1732948" y="1425291"/>
+            <a:ext cx="2171111" cy="1384299"/>
           </a:xfrm>
           <a:prstGeom prst="rect">
             <a:avLst/>
@@ -3881,10 +4024,10 @@
       </p:sp>
       <p:pic>
         <p:nvPicPr>
-          <p:cNvPr id="5" name="Picture 2" descr="DeepSeek Logo and symbol, meaning ...">
-            <a:extLst>
-              <a:ext uri="{FF2B5EF4-FFF2-40B4-BE49-F238E27FC236}">
-                <a16:creationId xmlns:a16="http://schemas.microsoft.com/office/drawing/2014/main" id="{8465B912-9F19-8C61-81A0-233B3E12B08D}"/>
+          <p:cNvPr id="6" name="Picture 2" descr="DeepSeek Logo and symbol, meaning ...">
+            <a:extLst>
+              <a:ext uri="{FF2B5EF4-FFF2-40B4-BE49-F238E27FC236}">
+                <a16:creationId xmlns:a16="http://schemas.microsoft.com/office/drawing/2014/main" id="{6D432445-F96B-DA59-9422-06B2ACB7D406}"/>
               </a:ext>
             </a:extLst>
           </p:cNvPr>
@@ -3894,7 +4037,7 @@
           <p:nvPr/>
         </p:nvPicPr>
         <p:blipFill rotWithShape="1">
-          <a:blip r:embed="rId3">
+          <a:blip r:embed="rId2">
             <a:extLst>
               <a:ext uri="{28A0092B-C50C-407E-A947-70E740481C1C}">
                 <a14:useLocalDpi xmlns:a14="http://schemas.microsoft.com/office/drawing/2010/main" val="0"/>
@@ -3906,8 +4049,8 @@
         </p:blipFill>
         <p:spPr bwMode="auto">
           <a:xfrm>
-            <a:off x="2478473" y="4466636"/>
-            <a:ext cx="1519097" cy="534829"/>
+            <a:off x="1944412" y="1914305"/>
+            <a:ext cx="1240791" cy="436846"/>
           </a:xfrm>
           <a:prstGeom prst="rect">
             <a:avLst/>
@@ -3931,10 +4074,10 @@
       </p:pic>
       <p:pic>
         <p:nvPicPr>
-          <p:cNvPr id="6" name="Picture 6" descr="Run DeepSeek-R1 Locally for Free in Just 3 Minutes! - DEV Community">
-            <a:extLst>
-              <a:ext uri="{FF2B5EF4-FFF2-40B4-BE49-F238E27FC236}">
-                <a16:creationId xmlns:a16="http://schemas.microsoft.com/office/drawing/2014/main" id="{62C7F0C5-FCFE-6834-E51F-3125897B1371}"/>
+          <p:cNvPr id="7" name="Picture 6" descr="Run DeepSeek-R1 Locally for Free in Just 3 Minutes! - DEV Community">
+            <a:extLst>
+              <a:ext uri="{FF2B5EF4-FFF2-40B4-BE49-F238E27FC236}">
+                <a16:creationId xmlns:a16="http://schemas.microsoft.com/office/drawing/2014/main" id="{9CCEA03B-6966-657B-6E9B-A9796590D1A2}"/>
               </a:ext>
             </a:extLst>
           </p:cNvPr>
@@ -3944,7 +4087,7 @@
           <p:nvPr/>
         </p:nvPicPr>
         <p:blipFill>
-          <a:blip r:embed="rId4">
+          <a:blip r:embed="rId3">
             <a:extLst>
               <a:ext uri="{28A0092B-C50C-407E-A947-70E740481C1C}">
                 <a14:useLocalDpi xmlns:a14="http://schemas.microsoft.com/office/drawing/2010/main" val="0"/>
@@ -3958,8 +4101,8 @@
         </p:blipFill>
         <p:spPr bwMode="auto">
           <a:xfrm>
-            <a:off x="2226681" y="3661184"/>
-            <a:ext cx="1683219" cy="580710"/>
+            <a:off x="1847862" y="1471968"/>
+            <a:ext cx="879897" cy="303564"/>
           </a:xfrm>
           <a:prstGeom prst="rect">
             <a:avLst/>
@@ -3976,12 +4119,56 @@
           </a:extLst>
         </p:spPr>
       </p:pic>
+      <p:sp>
+        <p:nvSpPr>
+          <p:cNvPr id="8" name="TextBox 7">
+            <a:extLst>
+              <a:ext uri="{FF2B5EF4-FFF2-40B4-BE49-F238E27FC236}">
+                <a16:creationId xmlns:a16="http://schemas.microsoft.com/office/drawing/2014/main" id="{FDAE1E4D-8AC4-C041-C126-7D9A6951955E}"/>
+              </a:ext>
+            </a:extLst>
+          </p:cNvPr>
+          <p:cNvSpPr txBox="1"/>
+          <p:nvPr/>
+        </p:nvSpPr>
+        <p:spPr>
+          <a:xfrm>
+            <a:off x="1847862" y="2384267"/>
+            <a:ext cx="2056197" cy="338554"/>
+          </a:xfrm>
+          <a:prstGeom prst="rect">
+            <a:avLst/>
+          </a:prstGeom>
+          <a:noFill/>
+        </p:spPr>
+        <p:txBody>
+          <a:bodyPr wrap="square">
+            <a:spAutoFit/>
+          </a:bodyPr>
+          <a:lstStyle/>
+          <a:p>
+            <a:r>
+              <a:rPr lang="en-US" sz="1600" b="1" dirty="0">
+                <a:solidFill>
+                  <a:schemeClr val="bg1"/>
+                </a:solidFill>
+              </a:rPr>
+              <a:t>DeepSeek-R1:1.5B</a:t>
+            </a:r>
+            <a:endParaRPr lang="en-SG" sz="1600" b="1" dirty="0">
+              <a:solidFill>
+                <a:schemeClr val="bg1"/>
+              </a:solidFill>
+            </a:endParaRPr>
+          </a:p>
+        </p:txBody>
+      </p:sp>
       <p:pic>
         <p:nvPicPr>
-          <p:cNvPr id="10" name="Graphic 9" descr="Web design with solid fill">
-            <a:extLst>
-              <a:ext uri="{FF2B5EF4-FFF2-40B4-BE49-F238E27FC236}">
-                <a16:creationId xmlns:a16="http://schemas.microsoft.com/office/drawing/2014/main" id="{16F562A3-7E16-5C94-5542-E37B5303DAEE}"/>
+          <p:cNvPr id="9" name="Picture 8">
+            <a:extLst>
+              <a:ext uri="{FF2B5EF4-FFF2-40B4-BE49-F238E27FC236}">
+                <a16:creationId xmlns:a16="http://schemas.microsoft.com/office/drawing/2014/main" id="{44FDDF52-04EE-6126-BC77-7200FD034FF5}"/>
               </a:ext>
             </a:extLst>
           </p:cNvPr>
@@ -3991,52 +4178,793 @@
           <p:nvPr/>
         </p:nvPicPr>
         <p:blipFill>
-          <a:blip r:embed="rId5">
-            <a:extLst>
-              <a:ext uri="{96DAC541-7B7A-43D3-8B79-37D633B846F1}">
-                <asvg:svgBlip xmlns:asvg="http://schemas.microsoft.com/office/drawing/2016/SVG/main" r:embed="rId6"/>
-              </a:ext>
-            </a:extLst>
-          </a:blip>
+          <a:blip r:embed="rId4"/>
           <a:stretch>
             <a:fillRect/>
           </a:stretch>
         </p:blipFill>
         <p:spPr>
           <a:xfrm>
-            <a:off x="2949228" y="2902277"/>
-            <a:ext cx="853333" cy="853333"/>
+            <a:off x="3257196" y="1908940"/>
+            <a:ext cx="450373" cy="447576"/>
           </a:xfrm>
           <a:prstGeom prst="rect">
             <a:avLst/>
           </a:prstGeom>
         </p:spPr>
       </p:pic>
+      <p:sp>
+        <p:nvSpPr>
+          <p:cNvPr id="10" name="TextBox 9">
+            <a:extLst>
+              <a:ext uri="{FF2B5EF4-FFF2-40B4-BE49-F238E27FC236}">
+                <a16:creationId xmlns:a16="http://schemas.microsoft.com/office/drawing/2014/main" id="{C79453A3-1B05-3B61-AB74-FA583A750A1E}"/>
+              </a:ext>
+            </a:extLst>
+          </p:cNvPr>
+          <p:cNvSpPr txBox="1"/>
+          <p:nvPr/>
+        </p:nvSpPr>
+        <p:spPr>
+          <a:xfrm>
+            <a:off x="2453627" y="1350625"/>
+            <a:ext cx="1774357" cy="338554"/>
+          </a:xfrm>
+          <a:prstGeom prst="rect">
+            <a:avLst/>
+          </a:prstGeom>
+          <a:noFill/>
+        </p:spPr>
+        <p:txBody>
+          <a:bodyPr wrap="square">
+            <a:spAutoFit/>
+          </a:bodyPr>
+          <a:lstStyle/>
+          <a:p>
+            <a:r>
+              <a:rPr lang="en-US" sz="1600" b="1" dirty="0">
+                <a:solidFill>
+                  <a:srgbClr val="0070C0"/>
+                </a:solidFill>
+              </a:rPr>
+              <a:t>GPU Server 01</a:t>
+            </a:r>
+            <a:endParaRPr lang="en-SG" sz="1600" b="1" dirty="0">
+              <a:solidFill>
+                <a:srgbClr val="0070C0"/>
+              </a:solidFill>
+            </a:endParaRPr>
+          </a:p>
+        </p:txBody>
+      </p:sp>
+      <p:sp>
+        <p:nvSpPr>
+          <p:cNvPr id="11" name="Rectangle 10">
+            <a:extLst>
+              <a:ext uri="{FF2B5EF4-FFF2-40B4-BE49-F238E27FC236}">
+                <a16:creationId xmlns:a16="http://schemas.microsoft.com/office/drawing/2014/main" id="{A3D89CF5-ADD7-81EE-48DD-E924AD225EAE}"/>
+              </a:ext>
+            </a:extLst>
+          </p:cNvPr>
+          <p:cNvSpPr/>
+          <p:nvPr/>
+        </p:nvSpPr>
+        <p:spPr>
+          <a:xfrm>
+            <a:off x="1847862" y="3341186"/>
+            <a:ext cx="1931701" cy="914173"/>
+          </a:xfrm>
+          <a:prstGeom prst="rect">
+            <a:avLst/>
+          </a:prstGeom>
+        </p:spPr>
+        <p:style>
+          <a:lnRef idx="2">
+            <a:schemeClr val="accent1">
+              <a:shade val="15000"/>
+            </a:schemeClr>
+          </a:lnRef>
+          <a:fillRef idx="1">
+            <a:schemeClr val="accent1"/>
+          </a:fillRef>
+          <a:effectRef idx="0">
+            <a:schemeClr val="accent1"/>
+          </a:effectRef>
+          <a:fontRef idx="minor">
+            <a:schemeClr val="lt1"/>
+          </a:fontRef>
+        </p:style>
+        <p:txBody>
+          <a:bodyPr rtlCol="0" anchor="ctr"/>
+          <a:lstStyle/>
+          <a:p>
+            <a:pPr algn="ctr"/>
+            <a:endParaRPr lang="en-SG"/>
+          </a:p>
+        </p:txBody>
+      </p:sp>
+      <p:sp>
+        <p:nvSpPr>
+          <p:cNvPr id="12" name="Rectangle 11">
+            <a:extLst>
+              <a:ext uri="{FF2B5EF4-FFF2-40B4-BE49-F238E27FC236}">
+                <a16:creationId xmlns:a16="http://schemas.microsoft.com/office/drawing/2014/main" id="{C23DC45D-655C-1758-7187-C784DB9CFA84}"/>
+              </a:ext>
+            </a:extLst>
+          </p:cNvPr>
+          <p:cNvSpPr/>
+          <p:nvPr/>
+        </p:nvSpPr>
+        <p:spPr>
+          <a:xfrm>
+            <a:off x="1732948" y="2917699"/>
+            <a:ext cx="2171111" cy="1424429"/>
+          </a:xfrm>
+          <a:prstGeom prst="rect">
+            <a:avLst/>
+          </a:prstGeom>
+          <a:noFill/>
+        </p:spPr>
+        <p:style>
+          <a:lnRef idx="2">
+            <a:schemeClr val="accent1">
+              <a:shade val="15000"/>
+            </a:schemeClr>
+          </a:lnRef>
+          <a:fillRef idx="1">
+            <a:schemeClr val="accent1"/>
+          </a:fillRef>
+          <a:effectRef idx="0">
+            <a:schemeClr val="accent1"/>
+          </a:effectRef>
+          <a:fontRef idx="minor">
+            <a:schemeClr val="lt1"/>
+          </a:fontRef>
+        </p:style>
+        <p:txBody>
+          <a:bodyPr rtlCol="0" anchor="ctr"/>
+          <a:lstStyle/>
+          <a:p>
+            <a:pPr algn="ctr"/>
+            <a:endParaRPr lang="en-SG"/>
+          </a:p>
+        </p:txBody>
+      </p:sp>
+      <p:pic>
+        <p:nvPicPr>
+          <p:cNvPr id="13" name="Picture 2" descr="DeepSeek Logo and symbol, meaning ...">
+            <a:extLst>
+              <a:ext uri="{FF2B5EF4-FFF2-40B4-BE49-F238E27FC236}">
+                <a16:creationId xmlns:a16="http://schemas.microsoft.com/office/drawing/2014/main" id="{DD1CA695-66BE-DA65-275A-F2DCA35BB6C1}"/>
+              </a:ext>
+            </a:extLst>
+          </p:cNvPr>
+          <p:cNvPicPr>
+            <a:picLocks noChangeAspect="1" noChangeArrowheads="1"/>
+          </p:cNvPicPr>
+          <p:nvPr/>
+        </p:nvPicPr>
+        <p:blipFill rotWithShape="1">
+          <a:blip r:embed="rId2">
+            <a:extLst>
+              <a:ext uri="{28A0092B-C50C-407E-A947-70E740481C1C}">
+                <a14:useLocalDpi xmlns:a14="http://schemas.microsoft.com/office/drawing/2010/main" val="0"/>
+              </a:ext>
+            </a:extLst>
+          </a:blip>
+          <a:srcRect t="17745" b="19385"/>
+          <a:stretch/>
+        </p:blipFill>
+        <p:spPr bwMode="auto">
+          <a:xfrm>
+            <a:off x="1944412" y="3446843"/>
+            <a:ext cx="1240791" cy="436846"/>
+          </a:xfrm>
+          <a:prstGeom prst="rect">
+            <a:avLst/>
+          </a:prstGeom>
+          <a:noFill/>
+          <a:ln w="19050">
+            <a:solidFill>
+              <a:schemeClr val="tx1"/>
+            </a:solidFill>
+          </a:ln>
+          <a:extLst>
+            <a:ext uri="{909E8E84-426E-40DD-AFC4-6F175D3DCCD1}">
+              <a14:hiddenFill xmlns:a14="http://schemas.microsoft.com/office/drawing/2010/main">
+                <a:solidFill>
+                  <a:srgbClr val="FFFFFF"/>
+                </a:solidFill>
+              </a14:hiddenFill>
+            </a:ext>
+          </a:extLst>
+        </p:spPr>
+      </p:pic>
+      <p:pic>
+        <p:nvPicPr>
+          <p:cNvPr id="14" name="Picture 13" descr="Run DeepSeek-R1 Locally for Free in Just 3 Minutes! - DEV Community">
+            <a:extLst>
+              <a:ext uri="{FF2B5EF4-FFF2-40B4-BE49-F238E27FC236}">
+                <a16:creationId xmlns:a16="http://schemas.microsoft.com/office/drawing/2014/main" id="{C52F9B33-4555-79C3-B2A8-BE9C6F3298EA}"/>
+              </a:ext>
+            </a:extLst>
+          </p:cNvPr>
+          <p:cNvPicPr>
+            <a:picLocks noChangeAspect="1" noChangeArrowheads="1"/>
+          </p:cNvPicPr>
+          <p:nvPr/>
+        </p:nvPicPr>
+        <p:blipFill>
+          <a:blip r:embed="rId3">
+            <a:extLst>
+              <a:ext uri="{28A0092B-C50C-407E-A947-70E740481C1C}">
+                <a14:useLocalDpi xmlns:a14="http://schemas.microsoft.com/office/drawing/2010/main" val="0"/>
+              </a:ext>
+            </a:extLst>
+          </a:blip>
+          <a:srcRect/>
+          <a:stretch>
+            <a:fillRect/>
+          </a:stretch>
+        </p:blipFill>
+        <p:spPr bwMode="auto">
+          <a:xfrm>
+            <a:off x="1847862" y="3004506"/>
+            <a:ext cx="879897" cy="303564"/>
+          </a:xfrm>
+          <a:prstGeom prst="rect">
+            <a:avLst/>
+          </a:prstGeom>
+          <a:noFill/>
+          <a:extLst>
+            <a:ext uri="{909E8E84-426E-40DD-AFC4-6F175D3DCCD1}">
+              <a14:hiddenFill xmlns:a14="http://schemas.microsoft.com/office/drawing/2010/main">
+                <a:solidFill>
+                  <a:srgbClr val="FFFFFF"/>
+                </a:solidFill>
+              </a14:hiddenFill>
+            </a:ext>
+          </a:extLst>
+        </p:spPr>
+      </p:pic>
+      <p:sp>
+        <p:nvSpPr>
+          <p:cNvPr id="15" name="TextBox 14">
+            <a:extLst>
+              <a:ext uri="{FF2B5EF4-FFF2-40B4-BE49-F238E27FC236}">
+                <a16:creationId xmlns:a16="http://schemas.microsoft.com/office/drawing/2014/main" id="{12AA8CC3-9085-C8CB-D862-1F1D16490AFD}"/>
+              </a:ext>
+            </a:extLst>
+          </p:cNvPr>
+          <p:cNvSpPr txBox="1"/>
+          <p:nvPr/>
+        </p:nvSpPr>
+        <p:spPr>
+          <a:xfrm>
+            <a:off x="1847862" y="3916805"/>
+            <a:ext cx="2056197" cy="338554"/>
+          </a:xfrm>
+          <a:prstGeom prst="rect">
+            <a:avLst/>
+          </a:prstGeom>
+          <a:noFill/>
+        </p:spPr>
+        <p:txBody>
+          <a:bodyPr wrap="square">
+            <a:spAutoFit/>
+          </a:bodyPr>
+          <a:lstStyle/>
+          <a:p>
+            <a:r>
+              <a:rPr lang="en-US" sz="1600" b="1" dirty="0">
+                <a:solidFill>
+                  <a:schemeClr val="bg1"/>
+                </a:solidFill>
+              </a:rPr>
+              <a:t>DeepSeek-R1:7B</a:t>
+            </a:r>
+            <a:endParaRPr lang="en-SG" sz="1600" b="1" dirty="0">
+              <a:solidFill>
+                <a:schemeClr val="bg1"/>
+              </a:solidFill>
+            </a:endParaRPr>
+          </a:p>
+        </p:txBody>
+      </p:sp>
+      <p:pic>
+        <p:nvPicPr>
+          <p:cNvPr id="16" name="Picture 15">
+            <a:extLst>
+              <a:ext uri="{FF2B5EF4-FFF2-40B4-BE49-F238E27FC236}">
+                <a16:creationId xmlns:a16="http://schemas.microsoft.com/office/drawing/2014/main" id="{42B0C9B2-B1A0-0F32-ABF6-8BE5EEAEA02E}"/>
+              </a:ext>
+            </a:extLst>
+          </p:cNvPr>
+          <p:cNvPicPr>
+            <a:picLocks noChangeAspect="1"/>
+          </p:cNvPicPr>
+          <p:nvPr/>
+        </p:nvPicPr>
+        <p:blipFill>
+          <a:blip r:embed="rId4"/>
+          <a:stretch>
+            <a:fillRect/>
+          </a:stretch>
+        </p:blipFill>
+        <p:spPr>
+          <a:xfrm>
+            <a:off x="3257196" y="3441478"/>
+            <a:ext cx="450373" cy="447576"/>
+          </a:xfrm>
+          <a:prstGeom prst="rect">
+            <a:avLst/>
+          </a:prstGeom>
+        </p:spPr>
+      </p:pic>
+      <p:sp>
+        <p:nvSpPr>
+          <p:cNvPr id="17" name="TextBox 16">
+            <a:extLst>
+              <a:ext uri="{FF2B5EF4-FFF2-40B4-BE49-F238E27FC236}">
+                <a16:creationId xmlns:a16="http://schemas.microsoft.com/office/drawing/2014/main" id="{BCD22576-7FD9-8C71-FDEF-99703BE412BA}"/>
+              </a:ext>
+            </a:extLst>
+          </p:cNvPr>
+          <p:cNvSpPr txBox="1"/>
+          <p:nvPr/>
+        </p:nvSpPr>
+        <p:spPr>
+          <a:xfrm>
+            <a:off x="2453627" y="2889962"/>
+            <a:ext cx="1774357" cy="338554"/>
+          </a:xfrm>
+          <a:prstGeom prst="rect">
+            <a:avLst/>
+          </a:prstGeom>
+          <a:noFill/>
+        </p:spPr>
+        <p:txBody>
+          <a:bodyPr wrap="square">
+            <a:spAutoFit/>
+          </a:bodyPr>
+          <a:lstStyle/>
+          <a:p>
+            <a:r>
+              <a:rPr lang="en-US" sz="1600" b="1" dirty="0">
+                <a:solidFill>
+                  <a:srgbClr val="0070C0"/>
+                </a:solidFill>
+              </a:rPr>
+              <a:t>GPU Server 02</a:t>
+            </a:r>
+            <a:endParaRPr lang="en-SG" sz="1600" b="1" dirty="0">
+              <a:solidFill>
+                <a:srgbClr val="0070C0"/>
+              </a:solidFill>
+            </a:endParaRPr>
+          </a:p>
+        </p:txBody>
+      </p:sp>
+      <p:sp>
+        <p:nvSpPr>
+          <p:cNvPr id="18" name="Rectangle 17">
+            <a:extLst>
+              <a:ext uri="{FF2B5EF4-FFF2-40B4-BE49-F238E27FC236}">
+                <a16:creationId xmlns:a16="http://schemas.microsoft.com/office/drawing/2014/main" id="{FBA90E9B-2206-4061-7525-C48F64E25C6E}"/>
+              </a:ext>
+            </a:extLst>
+          </p:cNvPr>
+          <p:cNvSpPr/>
+          <p:nvPr/>
+        </p:nvSpPr>
+        <p:spPr>
+          <a:xfrm>
+            <a:off x="1847862" y="4870626"/>
+            <a:ext cx="1931701" cy="914173"/>
+          </a:xfrm>
+          <a:prstGeom prst="rect">
+            <a:avLst/>
+          </a:prstGeom>
+        </p:spPr>
+        <p:style>
+          <a:lnRef idx="2">
+            <a:schemeClr val="accent1">
+              <a:shade val="15000"/>
+            </a:schemeClr>
+          </a:lnRef>
+          <a:fillRef idx="1">
+            <a:schemeClr val="accent1"/>
+          </a:fillRef>
+          <a:effectRef idx="0">
+            <a:schemeClr val="accent1"/>
+          </a:effectRef>
+          <a:fontRef idx="minor">
+            <a:schemeClr val="lt1"/>
+          </a:fontRef>
+        </p:style>
+        <p:txBody>
+          <a:bodyPr rtlCol="0" anchor="ctr"/>
+          <a:lstStyle/>
+          <a:p>
+            <a:pPr algn="ctr"/>
+            <a:endParaRPr lang="en-SG"/>
+          </a:p>
+        </p:txBody>
+      </p:sp>
+      <p:sp>
+        <p:nvSpPr>
+          <p:cNvPr id="19" name="Rectangle 18">
+            <a:extLst>
+              <a:ext uri="{FF2B5EF4-FFF2-40B4-BE49-F238E27FC236}">
+                <a16:creationId xmlns:a16="http://schemas.microsoft.com/office/drawing/2014/main" id="{AF158137-6C40-2D66-6B19-49C151618F5D}"/>
+              </a:ext>
+            </a:extLst>
+          </p:cNvPr>
+          <p:cNvSpPr/>
+          <p:nvPr/>
+        </p:nvSpPr>
+        <p:spPr>
+          <a:xfrm>
+            <a:off x="1732948" y="4484425"/>
+            <a:ext cx="3089152" cy="1387144"/>
+          </a:xfrm>
+          <a:prstGeom prst="rect">
+            <a:avLst/>
+          </a:prstGeom>
+          <a:noFill/>
+        </p:spPr>
+        <p:style>
+          <a:lnRef idx="2">
+            <a:schemeClr val="accent1">
+              <a:shade val="15000"/>
+            </a:schemeClr>
+          </a:lnRef>
+          <a:fillRef idx="1">
+            <a:schemeClr val="accent1"/>
+          </a:fillRef>
+          <a:effectRef idx="0">
+            <a:schemeClr val="accent1"/>
+          </a:effectRef>
+          <a:fontRef idx="minor">
+            <a:schemeClr val="lt1"/>
+          </a:fontRef>
+        </p:style>
+        <p:txBody>
+          <a:bodyPr rtlCol="0" anchor="ctr"/>
+          <a:lstStyle/>
+          <a:p>
+            <a:pPr algn="ctr"/>
+            <a:endParaRPr lang="en-SG"/>
+          </a:p>
+        </p:txBody>
+      </p:sp>
+      <p:pic>
+        <p:nvPicPr>
+          <p:cNvPr id="20" name="Picture 2" descr="DeepSeek Logo and symbol, meaning ...">
+            <a:extLst>
+              <a:ext uri="{FF2B5EF4-FFF2-40B4-BE49-F238E27FC236}">
+                <a16:creationId xmlns:a16="http://schemas.microsoft.com/office/drawing/2014/main" id="{D191C45D-F634-8AAA-6DEB-214819389C0D}"/>
+              </a:ext>
+            </a:extLst>
+          </p:cNvPr>
+          <p:cNvPicPr>
+            <a:picLocks noChangeAspect="1" noChangeArrowheads="1"/>
+          </p:cNvPicPr>
+          <p:nvPr/>
+        </p:nvPicPr>
+        <p:blipFill rotWithShape="1">
+          <a:blip r:embed="rId2">
+            <a:extLst>
+              <a:ext uri="{28A0092B-C50C-407E-A947-70E740481C1C}">
+                <a14:useLocalDpi xmlns:a14="http://schemas.microsoft.com/office/drawing/2010/main" val="0"/>
+              </a:ext>
+            </a:extLst>
+          </a:blip>
+          <a:srcRect t="17745" b="19385"/>
+          <a:stretch/>
+        </p:blipFill>
+        <p:spPr bwMode="auto">
+          <a:xfrm>
+            <a:off x="1944412" y="4976283"/>
+            <a:ext cx="1240791" cy="436846"/>
+          </a:xfrm>
+          <a:prstGeom prst="rect">
+            <a:avLst/>
+          </a:prstGeom>
+          <a:noFill/>
+          <a:ln w="19050">
+            <a:solidFill>
+              <a:schemeClr val="tx1"/>
+            </a:solidFill>
+          </a:ln>
+          <a:extLst>
+            <a:ext uri="{909E8E84-426E-40DD-AFC4-6F175D3DCCD1}">
+              <a14:hiddenFill xmlns:a14="http://schemas.microsoft.com/office/drawing/2010/main">
+                <a:solidFill>
+                  <a:srgbClr val="FFFFFF"/>
+                </a:solidFill>
+              </a14:hiddenFill>
+            </a:ext>
+          </a:extLst>
+        </p:spPr>
+      </p:pic>
+      <p:pic>
+        <p:nvPicPr>
+          <p:cNvPr id="21" name="Picture 20" descr="Run DeepSeek-R1 Locally for Free in Just 3 Minutes! - DEV Community">
+            <a:extLst>
+              <a:ext uri="{FF2B5EF4-FFF2-40B4-BE49-F238E27FC236}">
+                <a16:creationId xmlns:a16="http://schemas.microsoft.com/office/drawing/2014/main" id="{427A330A-02B2-A71D-58E5-ECAFF5A56FBA}"/>
+              </a:ext>
+            </a:extLst>
+          </p:cNvPr>
+          <p:cNvPicPr>
+            <a:picLocks noChangeAspect="1" noChangeArrowheads="1"/>
+          </p:cNvPicPr>
+          <p:nvPr/>
+        </p:nvPicPr>
+        <p:blipFill>
+          <a:blip r:embed="rId3">
+            <a:extLst>
+              <a:ext uri="{28A0092B-C50C-407E-A947-70E740481C1C}">
+                <a14:useLocalDpi xmlns:a14="http://schemas.microsoft.com/office/drawing/2010/main" val="0"/>
+              </a:ext>
+            </a:extLst>
+          </a:blip>
+          <a:srcRect/>
+          <a:stretch>
+            <a:fillRect/>
+          </a:stretch>
+        </p:blipFill>
+        <p:spPr bwMode="auto">
+          <a:xfrm>
+            <a:off x="1847862" y="4533946"/>
+            <a:ext cx="879897" cy="303564"/>
+          </a:xfrm>
+          <a:prstGeom prst="rect">
+            <a:avLst/>
+          </a:prstGeom>
+          <a:noFill/>
+          <a:extLst>
+            <a:ext uri="{909E8E84-426E-40DD-AFC4-6F175D3DCCD1}">
+              <a14:hiddenFill xmlns:a14="http://schemas.microsoft.com/office/drawing/2010/main">
+                <a:solidFill>
+                  <a:srgbClr val="FFFFFF"/>
+                </a:solidFill>
+              </a14:hiddenFill>
+            </a:ext>
+          </a:extLst>
+        </p:spPr>
+      </p:pic>
+      <p:sp>
+        <p:nvSpPr>
+          <p:cNvPr id="22" name="TextBox 21">
+            <a:extLst>
+              <a:ext uri="{FF2B5EF4-FFF2-40B4-BE49-F238E27FC236}">
+                <a16:creationId xmlns:a16="http://schemas.microsoft.com/office/drawing/2014/main" id="{763F1FFB-9005-F8A8-6E28-252D07AA3371}"/>
+              </a:ext>
+            </a:extLst>
+          </p:cNvPr>
+          <p:cNvSpPr txBox="1"/>
+          <p:nvPr/>
+        </p:nvSpPr>
+        <p:spPr>
+          <a:xfrm>
+            <a:off x="1847862" y="5446245"/>
+            <a:ext cx="2056197" cy="338554"/>
+          </a:xfrm>
+          <a:prstGeom prst="rect">
+            <a:avLst/>
+          </a:prstGeom>
+          <a:noFill/>
+        </p:spPr>
+        <p:txBody>
+          <a:bodyPr wrap="square">
+            <a:spAutoFit/>
+          </a:bodyPr>
+          <a:lstStyle/>
+          <a:p>
+            <a:r>
+              <a:rPr lang="en-US" sz="1600" b="1" dirty="0">
+                <a:solidFill>
+                  <a:schemeClr val="bg1"/>
+                </a:solidFill>
+              </a:rPr>
+              <a:t>DeepSeek-R1:7B</a:t>
+            </a:r>
+            <a:endParaRPr lang="en-SG" sz="1600" b="1" dirty="0">
+              <a:solidFill>
+                <a:schemeClr val="bg1"/>
+              </a:solidFill>
+            </a:endParaRPr>
+          </a:p>
+        </p:txBody>
+      </p:sp>
+      <p:pic>
+        <p:nvPicPr>
+          <p:cNvPr id="23" name="Picture 22">
+            <a:extLst>
+              <a:ext uri="{FF2B5EF4-FFF2-40B4-BE49-F238E27FC236}">
+                <a16:creationId xmlns:a16="http://schemas.microsoft.com/office/drawing/2014/main" id="{E781A8EC-511D-F0A0-75A5-27ABE58C5031}"/>
+              </a:ext>
+            </a:extLst>
+          </p:cNvPr>
+          <p:cNvPicPr>
+            <a:picLocks noChangeAspect="1"/>
+          </p:cNvPicPr>
+          <p:nvPr/>
+        </p:nvPicPr>
+        <p:blipFill>
+          <a:blip r:embed="rId4"/>
+          <a:stretch>
+            <a:fillRect/>
+          </a:stretch>
+        </p:blipFill>
+        <p:spPr>
+          <a:xfrm>
+            <a:off x="3257196" y="4970918"/>
+            <a:ext cx="450373" cy="447576"/>
+          </a:xfrm>
+          <a:prstGeom prst="rect">
+            <a:avLst/>
+          </a:prstGeom>
+        </p:spPr>
+      </p:pic>
+      <p:sp>
+        <p:nvSpPr>
+          <p:cNvPr id="24" name="TextBox 23">
+            <a:extLst>
+              <a:ext uri="{FF2B5EF4-FFF2-40B4-BE49-F238E27FC236}">
+                <a16:creationId xmlns:a16="http://schemas.microsoft.com/office/drawing/2014/main" id="{0B38619C-F69B-EA18-AB93-BF94E5D55EF6}"/>
+              </a:ext>
+            </a:extLst>
+          </p:cNvPr>
+          <p:cNvSpPr txBox="1"/>
+          <p:nvPr/>
+        </p:nvSpPr>
+        <p:spPr>
+          <a:xfrm>
+            <a:off x="3277524" y="4484425"/>
+            <a:ext cx="1774357" cy="338554"/>
+          </a:xfrm>
+          <a:prstGeom prst="rect">
+            <a:avLst/>
+          </a:prstGeom>
+          <a:noFill/>
+        </p:spPr>
+        <p:txBody>
+          <a:bodyPr wrap="square">
+            <a:spAutoFit/>
+          </a:bodyPr>
+          <a:lstStyle/>
+          <a:p>
+            <a:r>
+              <a:rPr lang="en-US" sz="1600" b="1" dirty="0">
+                <a:solidFill>
+                  <a:srgbClr val="0070C0"/>
+                </a:solidFill>
+              </a:rPr>
+              <a:t>GPU Server 03</a:t>
+            </a:r>
+            <a:endParaRPr lang="en-SG" sz="1600" b="1" dirty="0">
+              <a:solidFill>
+                <a:srgbClr val="0070C0"/>
+              </a:solidFill>
+            </a:endParaRPr>
+          </a:p>
+        </p:txBody>
+      </p:sp>
+      <p:sp>
+        <p:nvSpPr>
+          <p:cNvPr id="25" name="Cylinder 24">
+            <a:extLst>
+              <a:ext uri="{FF2B5EF4-FFF2-40B4-BE49-F238E27FC236}">
+                <a16:creationId xmlns:a16="http://schemas.microsoft.com/office/drawing/2014/main" id="{E78B73A1-79AB-48A0-55D1-D9234E74FB8C}"/>
+              </a:ext>
+            </a:extLst>
+          </p:cNvPr>
+          <p:cNvSpPr/>
+          <p:nvPr/>
+        </p:nvSpPr>
+        <p:spPr>
+          <a:xfrm>
+            <a:off x="4227984" y="5288856"/>
+            <a:ext cx="410554" cy="497838"/>
+          </a:xfrm>
+          <a:prstGeom prst="can">
+            <a:avLst/>
+          </a:prstGeom>
+        </p:spPr>
+        <p:style>
+          <a:lnRef idx="2">
+            <a:schemeClr val="accent6">
+              <a:shade val="15000"/>
+            </a:schemeClr>
+          </a:lnRef>
+          <a:fillRef idx="1">
+            <a:schemeClr val="accent6"/>
+          </a:fillRef>
+          <a:effectRef idx="0">
+            <a:schemeClr val="accent6"/>
+          </a:effectRef>
+          <a:fontRef idx="minor">
+            <a:schemeClr val="lt1"/>
+          </a:fontRef>
+        </p:style>
+        <p:txBody>
+          <a:bodyPr rtlCol="0" anchor="ctr"/>
+          <a:lstStyle/>
+          <a:p>
+            <a:pPr algn="ctr"/>
+            <a:r>
+              <a:rPr lang="en-US" sz="900" b="1" dirty="0"/>
+              <a:t>RAG</a:t>
+            </a:r>
+            <a:endParaRPr lang="en-SG" sz="900" b="1" dirty="0"/>
+          </a:p>
+        </p:txBody>
+      </p:sp>
+      <p:sp>
+        <p:nvSpPr>
+          <p:cNvPr id="27" name="TextBox 26">
+            <a:extLst>
+              <a:ext uri="{FF2B5EF4-FFF2-40B4-BE49-F238E27FC236}">
+                <a16:creationId xmlns:a16="http://schemas.microsoft.com/office/drawing/2014/main" id="{8D83F5A1-E02E-6A15-F7A9-1F08DB6A816D}"/>
+              </a:ext>
+            </a:extLst>
+          </p:cNvPr>
+          <p:cNvSpPr txBox="1"/>
+          <p:nvPr/>
+        </p:nvSpPr>
+        <p:spPr>
+          <a:xfrm>
+            <a:off x="3772399" y="4762517"/>
+            <a:ext cx="1146251" cy="523220"/>
+          </a:xfrm>
+          <a:prstGeom prst="rect">
+            <a:avLst/>
+          </a:prstGeom>
+          <a:noFill/>
+        </p:spPr>
+        <p:txBody>
+          <a:bodyPr wrap="square">
+            <a:spAutoFit/>
+          </a:bodyPr>
+          <a:lstStyle/>
+          <a:p>
+            <a:r>
+              <a:rPr lang="en-SG" sz="1400" b="1" dirty="0"/>
+              <a:t>RAG vector </a:t>
+            </a:r>
+          </a:p>
+          <a:p>
+            <a:r>
+              <a:rPr lang="en-SG" sz="1400" b="1" dirty="0"/>
+              <a:t>database</a:t>
+            </a:r>
+          </a:p>
+        </p:txBody>
+      </p:sp>
       <p:cxnSp>
         <p:nvCxnSpPr>
-          <p:cNvPr id="12" name="Connector: Elbow 11">
-            <a:extLst>
-              <a:ext uri="{FF2B5EF4-FFF2-40B4-BE49-F238E27FC236}">
-                <a16:creationId xmlns:a16="http://schemas.microsoft.com/office/drawing/2014/main" id="{0B35482A-306B-36ED-989E-4509AD20FB4D}"/>
+          <p:cNvPr id="28" name="Straight Arrow Connector 27">
+            <a:extLst>
+              <a:ext uri="{FF2B5EF4-FFF2-40B4-BE49-F238E27FC236}">
+                <a16:creationId xmlns:a16="http://schemas.microsoft.com/office/drawing/2014/main" id="{DC2D1C13-6500-F1AB-86FA-DFFBDD015468}"/>
               </a:ext>
             </a:extLst>
           </p:cNvPr>
           <p:cNvCxnSpPr>
             <a:cxnSpLocks/>
-            <a:stCxn id="10" idx="1"/>
-            <a:endCxn id="8" idx="1"/>
           </p:cNvCxnSpPr>
           <p:nvPr/>
         </p:nvCxnSpPr>
         <p:spPr>
-          <a:xfrm rot="10800000" flipV="1">
-            <a:off x="2329132" y="3328943"/>
-            <a:ext cx="620097" cy="1477299"/>
-          </a:xfrm>
-          <a:prstGeom prst="bentConnector3">
-            <a:avLst>
-              <a:gd name="adj1" fmla="val 261640"/>
-            </a:avLst>
+          <a:xfrm flipH="1">
+            <a:off x="3815268" y="5589621"/>
+            <a:ext cx="412716" cy="0"/>
+          </a:xfrm>
+          <a:prstGeom prst="straightConnector1">
+            <a:avLst/>
           </a:prstGeom>
           <a:ln>
             <a:tailEnd type="triangle"/>
@@ -4044,13 +4972,13 @@
         </p:spPr>
         <p:style>
           <a:lnRef idx="2">
-            <a:schemeClr val="accent6"/>
+            <a:schemeClr val="accent1"/>
           </a:lnRef>
           <a:fillRef idx="0">
-            <a:schemeClr val="accent6"/>
+            <a:schemeClr val="accent1"/>
           </a:fillRef>
           <a:effectRef idx="1">
-            <a:schemeClr val="accent6"/>
+            <a:schemeClr val="accent1"/>
           </a:effectRef>
           <a:fontRef idx="minor">
             <a:schemeClr val="tx1"/>
@@ -4059,10 +4987,57 @@
       </p:cxnSp>
       <p:sp>
         <p:nvSpPr>
-          <p:cNvPr id="15" name="TextBox 14">
-            <a:extLst>
-              <a:ext uri="{FF2B5EF4-FFF2-40B4-BE49-F238E27FC236}">
-                <a16:creationId xmlns:a16="http://schemas.microsoft.com/office/drawing/2014/main" id="{46DE04A1-31D2-712E-3FB7-F4276781B23C}"/>
+          <p:cNvPr id="30" name="Rectangle 29">
+            <a:extLst>
+              <a:ext uri="{FF2B5EF4-FFF2-40B4-BE49-F238E27FC236}">
+                <a16:creationId xmlns:a16="http://schemas.microsoft.com/office/drawing/2014/main" id="{C0030175-6257-A775-650D-8178E0D38741}"/>
+              </a:ext>
+            </a:extLst>
+          </p:cNvPr>
+          <p:cNvSpPr/>
+          <p:nvPr/>
+        </p:nvSpPr>
+        <p:spPr>
+          <a:xfrm>
+            <a:off x="5796211" y="3116774"/>
+            <a:ext cx="1485390" cy="858640"/>
+          </a:xfrm>
+          <a:prstGeom prst="rect">
+            <a:avLst/>
+          </a:prstGeom>
+          <a:noFill/>
+        </p:spPr>
+        <p:style>
+          <a:lnRef idx="2">
+            <a:schemeClr val="accent1">
+              <a:shade val="15000"/>
+            </a:schemeClr>
+          </a:lnRef>
+          <a:fillRef idx="1">
+            <a:schemeClr val="accent1"/>
+          </a:fillRef>
+          <a:effectRef idx="0">
+            <a:schemeClr val="accent1"/>
+          </a:effectRef>
+          <a:fontRef idx="minor">
+            <a:schemeClr val="lt1"/>
+          </a:fontRef>
+        </p:style>
+        <p:txBody>
+          <a:bodyPr rtlCol="0" anchor="ctr"/>
+          <a:lstStyle/>
+          <a:p>
+            <a:pPr algn="ctr"/>
+            <a:endParaRPr lang="en-SG"/>
+          </a:p>
+        </p:txBody>
+      </p:sp>
+      <p:sp>
+        <p:nvSpPr>
+          <p:cNvPr id="31" name="TextBox 30">
+            <a:extLst>
+              <a:ext uri="{FF2B5EF4-FFF2-40B4-BE49-F238E27FC236}">
+                <a16:creationId xmlns:a16="http://schemas.microsoft.com/office/drawing/2014/main" id="{4C8F0A88-583C-BACF-A72E-CCA0B1CB0CAF}"/>
               </a:ext>
             </a:extLst>
           </p:cNvPr>
@@ -4071,8 +5046,8 @@
         </p:nvSpPr>
         <p:spPr>
           <a:xfrm>
-            <a:off x="2438401" y="5032038"/>
-            <a:ext cx="1763364" cy="338554"/>
+            <a:off x="5701326" y="2787301"/>
+            <a:ext cx="1675160" cy="338554"/>
           </a:xfrm>
           <a:prstGeom prst="rect">
             <a:avLst/>
@@ -4086,27 +5061,55 @@
           <a:lstStyle/>
           <a:p>
             <a:r>
-              <a:rPr lang="en-US" sz="1600" b="1" dirty="0">
-                <a:solidFill>
-                  <a:schemeClr val="bg1"/>
-                </a:solidFill>
-              </a:rPr>
-              <a:t>DeepSeek-R1:7B</a:t>
-            </a:r>
-            <a:endParaRPr lang="en-SG" sz="1600" b="1" dirty="0">
-              <a:solidFill>
-                <a:schemeClr val="bg1"/>
-              </a:solidFill>
-            </a:endParaRPr>
-          </a:p>
-        </p:txBody>
-      </p:sp>
-      <p:sp>
-        <p:nvSpPr>
-          <p:cNvPr id="17" name="TextBox 16">
-            <a:extLst>
-              <a:ext uri="{FF2B5EF4-FFF2-40B4-BE49-F238E27FC236}">
-                <a16:creationId xmlns:a16="http://schemas.microsoft.com/office/drawing/2014/main" id="{3619F22A-D542-20BB-2729-4CC367A03820}"/>
+              <a:rPr lang="en-US" sz="1600" b="1" dirty="0"/>
+              <a:t>Service Server</a:t>
+            </a:r>
+            <a:endParaRPr lang="en-SG" sz="1600" b="1" dirty="0"/>
+          </a:p>
+        </p:txBody>
+      </p:sp>
+      <p:pic>
+        <p:nvPicPr>
+          <p:cNvPr id="32" name="Graphic 31" descr="Web design with solid fill">
+            <a:extLst>
+              <a:ext uri="{FF2B5EF4-FFF2-40B4-BE49-F238E27FC236}">
+                <a16:creationId xmlns:a16="http://schemas.microsoft.com/office/drawing/2014/main" id="{6AF9EA16-E97F-F8D5-D984-D4FEFBDEA393}"/>
+              </a:ext>
+            </a:extLst>
+          </p:cNvPr>
+          <p:cNvPicPr>
+            <a:picLocks noChangeAspect="1"/>
+          </p:cNvPicPr>
+          <p:nvPr/>
+        </p:nvPicPr>
+        <p:blipFill>
+          <a:blip r:embed="rId5">
+            <a:extLst>
+              <a:ext uri="{96DAC541-7B7A-43D3-8B79-37D633B846F1}">
+                <asvg:svgBlip xmlns:asvg="http://schemas.microsoft.com/office/drawing/2016/SVG/main" r:embed="rId6"/>
+              </a:ext>
+            </a:extLst>
+          </a:blip>
+          <a:stretch>
+            <a:fillRect/>
+          </a:stretch>
+        </p:blipFill>
+        <p:spPr>
+          <a:xfrm>
+            <a:off x="5958517" y="3149832"/>
+            <a:ext cx="629141" cy="629141"/>
+          </a:xfrm>
+          <a:prstGeom prst="rect">
+            <a:avLst/>
+          </a:prstGeom>
+        </p:spPr>
+      </p:pic>
+      <p:sp>
+        <p:nvSpPr>
+          <p:cNvPr id="33" name="TextBox 32">
+            <a:extLst>
+              <a:ext uri="{FF2B5EF4-FFF2-40B4-BE49-F238E27FC236}">
+                <a16:creationId xmlns:a16="http://schemas.microsoft.com/office/drawing/2014/main" id="{687CADC9-FA96-8B48-F471-BA02BC4C8095}"/>
               </a:ext>
             </a:extLst>
           </p:cNvPr>
@@ -4115,8 +5118,8 @@
         </p:nvSpPr>
         <p:spPr>
           <a:xfrm>
-            <a:off x="1349903" y="3588762"/>
-            <a:ext cx="976142" cy="584775"/>
+            <a:off x="6527989" y="3183025"/>
+            <a:ext cx="780264" cy="646331"/>
           </a:xfrm>
           <a:prstGeom prst="rect">
             <a:avLst/>
@@ -4130,22 +5133,14 @@
           <a:lstStyle/>
           <a:p>
             <a:r>
-              <a:rPr lang="en-US" sz="1600" b="1" dirty="0" err="1">
+              <a:rPr lang="en-US" sz="1200" b="1" dirty="0">
                 <a:solidFill>
                   <a:schemeClr val="accent3"/>
                 </a:solidFill>
               </a:rPr>
-              <a:t>Ollama</a:t>
-            </a:r>
-            <a:r>
-              <a:rPr lang="en-US" sz="1600" b="1" dirty="0">
-                <a:solidFill>
-                  <a:schemeClr val="accent3"/>
-                </a:solidFill>
-              </a:rPr>
-              <a:t> API Call</a:t>
-            </a:r>
-            <a:endParaRPr lang="en-SG" sz="1600" b="1" dirty="0">
+              <a:t>Flask Web Wrapper </a:t>
+            </a:r>
+            <a:endParaRPr lang="en-SG" sz="1200" b="1" dirty="0">
               <a:solidFill>
                 <a:schemeClr val="accent3"/>
               </a:solidFill>
@@ -4153,42 +5148,56 @@
           </a:p>
         </p:txBody>
       </p:sp>
-      <p:pic>
-        <p:nvPicPr>
-          <p:cNvPr id="19" name="Picture 18">
-            <a:extLst>
-              <a:ext uri="{FF2B5EF4-FFF2-40B4-BE49-F238E27FC236}">
-                <a16:creationId xmlns:a16="http://schemas.microsoft.com/office/drawing/2014/main" id="{7803E5F4-308E-C02F-1F3D-223FEC3183B6}"/>
-              </a:ext>
-            </a:extLst>
-          </p:cNvPr>
-          <p:cNvPicPr>
-            <a:picLocks noChangeAspect="1"/>
-          </p:cNvPicPr>
-          <p:nvPr/>
-        </p:nvPicPr>
-        <p:blipFill>
-          <a:blip r:embed="rId7"/>
-          <a:stretch>
-            <a:fillRect/>
-          </a:stretch>
-        </p:blipFill>
-        <p:spPr>
-          <a:xfrm>
-            <a:off x="1091442" y="4884439"/>
-            <a:ext cx="561512" cy="558025"/>
-          </a:xfrm>
-          <a:prstGeom prst="rect">
-            <a:avLst/>
-          </a:prstGeom>
-        </p:spPr>
-      </p:pic>
-      <p:sp>
-        <p:nvSpPr>
-          <p:cNvPr id="20" name="TextBox 19">
-            <a:extLst>
-              <a:ext uri="{FF2B5EF4-FFF2-40B4-BE49-F238E27FC236}">
-                <a16:creationId xmlns:a16="http://schemas.microsoft.com/office/drawing/2014/main" id="{68406485-6934-D322-9D41-5AAD3733F6BB}"/>
+      <p:cxnSp>
+        <p:nvCxnSpPr>
+          <p:cNvPr id="51" name="Connector: Elbow 50">
+            <a:extLst>
+              <a:ext uri="{FF2B5EF4-FFF2-40B4-BE49-F238E27FC236}">
+                <a16:creationId xmlns:a16="http://schemas.microsoft.com/office/drawing/2014/main" id="{978095C1-3109-274D-08BE-76C471DA048A}"/>
+              </a:ext>
+            </a:extLst>
+          </p:cNvPr>
+          <p:cNvCxnSpPr>
+            <a:cxnSpLocks/>
+          </p:cNvCxnSpPr>
+          <p:nvPr/>
+        </p:nvCxnSpPr>
+        <p:spPr>
+          <a:xfrm rot="10800000">
+            <a:off x="3815269" y="2249424"/>
+            <a:ext cx="2143249" cy="1091762"/>
+          </a:xfrm>
+          <a:prstGeom prst="bentConnector3">
+            <a:avLst/>
+          </a:prstGeom>
+          <a:ln>
+            <a:solidFill>
+              <a:schemeClr val="accent2"/>
+            </a:solidFill>
+            <a:tailEnd type="triangle"/>
+          </a:ln>
+        </p:spPr>
+        <p:style>
+          <a:lnRef idx="2">
+            <a:schemeClr val="accent1"/>
+          </a:lnRef>
+          <a:fillRef idx="0">
+            <a:schemeClr val="accent1"/>
+          </a:fillRef>
+          <a:effectRef idx="1">
+            <a:schemeClr val="accent1"/>
+          </a:effectRef>
+          <a:fontRef idx="minor">
+            <a:schemeClr val="tx1"/>
+          </a:fontRef>
+        </p:style>
+      </p:cxnSp>
+      <p:sp>
+        <p:nvSpPr>
+          <p:cNvPr id="54" name="TextBox 53">
+            <a:extLst>
+              <a:ext uri="{FF2B5EF4-FFF2-40B4-BE49-F238E27FC236}">
+                <a16:creationId xmlns:a16="http://schemas.microsoft.com/office/drawing/2014/main" id="{6CF23F65-BE6F-C745-3656-24538D10DE9E}"/>
               </a:ext>
             </a:extLst>
           </p:cNvPr>
@@ -4197,13 +5206,17 @@
         </p:nvSpPr>
         <p:spPr>
           <a:xfrm>
-            <a:off x="1018365" y="1727683"/>
-            <a:ext cx="3435480" cy="338554"/>
+            <a:off x="4767210" y="4531666"/>
+            <a:ext cx="1642268" cy="646331"/>
           </a:xfrm>
           <a:prstGeom prst="rect">
             <a:avLst/>
           </a:prstGeom>
           <a:noFill/>
+          <a:ln>
+            <a:noFill/>
+            <a:prstDash val="dash"/>
+          </a:ln>
         </p:spPr>
         <p:txBody>
           <a:bodyPr wrap="square">
@@ -4212,33 +5225,153 @@
           <a:lstStyle/>
           <a:p>
             <a:r>
-              <a:rPr lang="en-US" sz="1600" b="1" dirty="0"/>
-              <a:t>GPU Server or A Gaming Laptop </a:t>
-            </a:r>
-            <a:endParaRPr lang="en-SG" sz="1600" b="1" dirty="0"/>
+              <a:rPr lang="en-US" sz="1200" b="1" dirty="0" err="1">
+                <a:solidFill>
+                  <a:schemeClr val="accent6">
+                    <a:lumMod val="75000"/>
+                  </a:schemeClr>
+                </a:solidFill>
+              </a:rPr>
+              <a:t>Ollama</a:t>
+            </a:r>
+            <a:r>
+              <a:rPr lang="en-US" sz="1200" b="1" dirty="0">
+                <a:solidFill>
+                  <a:schemeClr val="accent6">
+                    <a:lumMod val="75000"/>
+                  </a:schemeClr>
+                </a:solidFill>
+              </a:rPr>
+              <a:t> API call with  customized request and response filter.</a:t>
+            </a:r>
+            <a:endParaRPr lang="en-SG" sz="1200" b="1" dirty="0">
+              <a:solidFill>
+                <a:schemeClr val="accent6">
+                  <a:lumMod val="75000"/>
+                </a:schemeClr>
+              </a:solidFill>
+            </a:endParaRPr>
           </a:p>
         </p:txBody>
       </p:sp>
       <p:cxnSp>
         <p:nvCxnSpPr>
-          <p:cNvPr id="22" name="Straight Arrow Connector 21">
-            <a:extLst>
-              <a:ext uri="{FF2B5EF4-FFF2-40B4-BE49-F238E27FC236}">
-                <a16:creationId xmlns:a16="http://schemas.microsoft.com/office/drawing/2014/main" id="{842E9740-7500-ABF3-7F27-E60050CA4D9F}"/>
+          <p:cNvPr id="56" name="Straight Arrow Connector 55">
+            <a:extLst>
+              <a:ext uri="{FF2B5EF4-FFF2-40B4-BE49-F238E27FC236}">
+                <a16:creationId xmlns:a16="http://schemas.microsoft.com/office/drawing/2014/main" id="{D8A1CF70-CE05-84B7-035B-468DFA9AEE09}"/>
+              </a:ext>
+            </a:extLst>
+          </p:cNvPr>
+          <p:cNvCxnSpPr>
+            <a:stCxn id="32" idx="1"/>
+          </p:cNvCxnSpPr>
+          <p:nvPr/>
+        </p:nvCxnSpPr>
+        <p:spPr>
+          <a:xfrm flipH="1" flipV="1">
+            <a:off x="3904059" y="3464402"/>
+            <a:ext cx="2054458" cy="1"/>
+          </a:xfrm>
+          <a:prstGeom prst="straightConnector1">
+            <a:avLst/>
+          </a:prstGeom>
+          <a:ln>
+            <a:tailEnd type="triangle"/>
+          </a:ln>
+        </p:spPr>
+        <p:style>
+          <a:lnRef idx="2">
+            <a:schemeClr val="accent1"/>
+          </a:lnRef>
+          <a:fillRef idx="0">
+            <a:schemeClr val="accent1"/>
+          </a:fillRef>
+          <a:effectRef idx="1">
+            <a:schemeClr val="accent1"/>
+          </a:effectRef>
+          <a:fontRef idx="minor">
+            <a:schemeClr val="tx1"/>
+          </a:fontRef>
+        </p:style>
+      </p:cxnSp>
+      <p:sp>
+        <p:nvSpPr>
+          <p:cNvPr id="57" name="TextBox 56">
+            <a:extLst>
+              <a:ext uri="{FF2B5EF4-FFF2-40B4-BE49-F238E27FC236}">
+                <a16:creationId xmlns:a16="http://schemas.microsoft.com/office/drawing/2014/main" id="{7E83AF0F-8602-0265-32B6-87F7B7768A61}"/>
+              </a:ext>
+            </a:extLst>
+          </p:cNvPr>
+          <p:cNvSpPr txBox="1"/>
+          <p:nvPr/>
+        </p:nvSpPr>
+        <p:spPr>
+          <a:xfrm>
+            <a:off x="4023737" y="3506191"/>
+            <a:ext cx="1772473" cy="461665"/>
+          </a:xfrm>
+          <a:prstGeom prst="rect">
+            <a:avLst/>
+          </a:prstGeom>
+          <a:noFill/>
+          <a:ln>
+            <a:noFill/>
+            <a:prstDash val="dash"/>
+          </a:ln>
+        </p:spPr>
+        <p:txBody>
+          <a:bodyPr wrap="square">
+            <a:spAutoFit/>
+          </a:bodyPr>
+          <a:lstStyle/>
+          <a:p>
+            <a:r>
+              <a:rPr lang="en-US" sz="1200" b="1" dirty="0" err="1">
+                <a:solidFill>
+                  <a:srgbClr val="0070C0"/>
+                </a:solidFill>
+              </a:rPr>
+              <a:t>Ollama</a:t>
+            </a:r>
+            <a:r>
+              <a:rPr lang="en-US" sz="1200" b="1" dirty="0">
+                <a:solidFill>
+                  <a:srgbClr val="0070C0"/>
+                </a:solidFill>
+              </a:rPr>
+              <a:t> API Call with different prompt</a:t>
+            </a:r>
+            <a:endParaRPr lang="en-SG" sz="1400" b="1" dirty="0">
+              <a:solidFill>
+                <a:srgbClr val="0070C0"/>
+              </a:solidFill>
+            </a:endParaRPr>
+          </a:p>
+        </p:txBody>
+      </p:sp>
+      <p:cxnSp>
+        <p:nvCxnSpPr>
+          <p:cNvPr id="59" name="Connector: Elbow 58">
+            <a:extLst>
+              <a:ext uri="{FF2B5EF4-FFF2-40B4-BE49-F238E27FC236}">
+                <a16:creationId xmlns:a16="http://schemas.microsoft.com/office/drawing/2014/main" id="{8B28818F-6156-17AF-6BC9-F4638C949697}"/>
               </a:ext>
             </a:extLst>
           </p:cNvPr>
           <p:cNvCxnSpPr>
             <a:cxnSpLocks/>
+            <a:stCxn id="32" idx="2"/>
           </p:cNvCxnSpPr>
           <p:nvPr/>
         </p:nvCxnSpPr>
         <p:spPr>
-          <a:xfrm flipV="1">
-            <a:off x="3802561" y="3328943"/>
-            <a:ext cx="2242516" cy="0"/>
-          </a:xfrm>
-          <a:prstGeom prst="straightConnector1">
+          <a:xfrm rot="5400000">
+            <a:off x="4839730" y="3761347"/>
+            <a:ext cx="1415732" cy="1450985"/>
+          </a:xfrm>
+          <a:prstGeom prst="bentConnector2">
             <a:avLst/>
           </a:prstGeom>
           <a:ln>
@@ -4265,56 +5398,51 @@
           </a:fontRef>
         </p:style>
       </p:cxnSp>
-      <p:sp>
-        <p:nvSpPr>
-          <p:cNvPr id="26" name="TextBox 25">
-            <a:extLst>
-              <a:ext uri="{FF2B5EF4-FFF2-40B4-BE49-F238E27FC236}">
-                <a16:creationId xmlns:a16="http://schemas.microsoft.com/office/drawing/2014/main" id="{BEA54CC4-F0D5-57FD-3AA9-A0C6C02319A9}"/>
-              </a:ext>
-            </a:extLst>
-          </p:cNvPr>
-          <p:cNvSpPr txBox="1"/>
-          <p:nvPr/>
-        </p:nvSpPr>
-        <p:spPr>
-          <a:xfrm>
-            <a:off x="2874938" y="3586333"/>
-            <a:ext cx="1675159" cy="338554"/>
-          </a:xfrm>
-          <a:prstGeom prst="rect">
-            <a:avLst/>
-          </a:prstGeom>
-          <a:noFill/>
-        </p:spPr>
-        <p:txBody>
-          <a:bodyPr wrap="square">
-            <a:spAutoFit/>
-          </a:bodyPr>
-          <a:lstStyle/>
-          <a:p>
-            <a:r>
-              <a:rPr lang="en-US" sz="1600" b="1" dirty="0">
-                <a:solidFill>
-                  <a:schemeClr val="accent3"/>
-                </a:solidFill>
-              </a:rPr>
-              <a:t>Flask Web Host</a:t>
-            </a:r>
-            <a:endParaRPr lang="en-SG" sz="1600" b="1" dirty="0">
-              <a:solidFill>
-                <a:schemeClr val="accent3"/>
-              </a:solidFill>
-            </a:endParaRPr>
-          </a:p>
-        </p:txBody>
-      </p:sp>
+      <p:cxnSp>
+        <p:nvCxnSpPr>
+          <p:cNvPr id="63" name="Straight Arrow Connector 62">
+            <a:extLst>
+              <a:ext uri="{FF2B5EF4-FFF2-40B4-BE49-F238E27FC236}">
+                <a16:creationId xmlns:a16="http://schemas.microsoft.com/office/drawing/2014/main" id="{9420E3C7-E1A8-7400-EABB-9CF8F7DA2723}"/>
+              </a:ext>
+            </a:extLst>
+          </p:cNvPr>
+          <p:cNvCxnSpPr/>
+          <p:nvPr/>
+        </p:nvCxnSpPr>
+        <p:spPr>
+          <a:xfrm>
+            <a:off x="6517191" y="3790601"/>
+            <a:ext cx="0" cy="518336"/>
+          </a:xfrm>
+          <a:prstGeom prst="straightConnector1">
+            <a:avLst/>
+          </a:prstGeom>
+          <a:ln>
+            <a:tailEnd type="triangle"/>
+          </a:ln>
+        </p:spPr>
+        <p:style>
+          <a:lnRef idx="2">
+            <a:schemeClr val="accent1"/>
+          </a:lnRef>
+          <a:fillRef idx="0">
+            <a:schemeClr val="accent1"/>
+          </a:fillRef>
+          <a:effectRef idx="1">
+            <a:schemeClr val="accent1"/>
+          </a:effectRef>
+          <a:fontRef idx="minor">
+            <a:schemeClr val="tx1"/>
+          </a:fontRef>
+        </p:style>
+      </p:cxnSp>
       <p:pic>
         <p:nvPicPr>
-          <p:cNvPr id="28" name="Picture 27" descr="A screenshot of a chat&#10;&#10;AI-generated content may be incorrect.">
-            <a:extLst>
-              <a:ext uri="{FF2B5EF4-FFF2-40B4-BE49-F238E27FC236}">
-                <a16:creationId xmlns:a16="http://schemas.microsoft.com/office/drawing/2014/main" id="{46EA2907-2CFC-2460-4D77-FBBC69409009}"/>
+          <p:cNvPr id="66" name="Graphic 65" descr="Document with solid fill">
+            <a:extLst>
+              <a:ext uri="{FF2B5EF4-FFF2-40B4-BE49-F238E27FC236}">
+                <a16:creationId xmlns:a16="http://schemas.microsoft.com/office/drawing/2014/main" id="{E9B4919D-BCA5-10F9-2E39-61A52F3EE93E}"/>
               </a:ext>
             </a:extLst>
           </p:cNvPr>
@@ -4324,10 +5452,10 @@
           <p:nvPr/>
         </p:nvPicPr>
         <p:blipFill>
-          <a:blip r:embed="rId8">
-            <a:extLst>
-              <a:ext uri="{28A0092B-C50C-407E-A947-70E740481C1C}">
-                <a14:useLocalDpi xmlns:a14="http://schemas.microsoft.com/office/drawing/2010/main" val="0"/>
+          <a:blip r:embed="rId7">
+            <a:extLst>
+              <a:ext uri="{96DAC541-7B7A-43D3-8B79-37D633B846F1}">
+                <asvg:svgBlip xmlns:asvg="http://schemas.microsoft.com/office/drawing/2016/SVG/main" r:embed="rId8"/>
               </a:ext>
             </a:extLst>
           </a:blip>
@@ -4337,7 +5465,283 @@
         </p:blipFill>
         <p:spPr>
           <a:xfrm>
-            <a:off x="7778210" y="2750643"/>
+            <a:off x="6379440" y="4342128"/>
+            <a:ext cx="480851" cy="480851"/>
+          </a:xfrm>
+          <a:prstGeom prst="rect">
+            <a:avLst/>
+          </a:prstGeom>
+        </p:spPr>
+      </p:pic>
+      <p:sp>
+        <p:nvSpPr>
+          <p:cNvPr id="67" name="TextBox 66">
+            <a:extLst>
+              <a:ext uri="{FF2B5EF4-FFF2-40B4-BE49-F238E27FC236}">
+                <a16:creationId xmlns:a16="http://schemas.microsoft.com/office/drawing/2014/main" id="{33A8277B-09CF-CB03-095C-545D06610821}"/>
+              </a:ext>
+            </a:extLst>
+          </p:cNvPr>
+          <p:cNvSpPr txBox="1"/>
+          <p:nvPr/>
+        </p:nvSpPr>
+        <p:spPr>
+          <a:xfrm>
+            <a:off x="6278130" y="4796723"/>
+            <a:ext cx="643955" cy="461665"/>
+          </a:xfrm>
+          <a:prstGeom prst="rect">
+            <a:avLst/>
+          </a:prstGeom>
+          <a:noFill/>
+        </p:spPr>
+        <p:txBody>
+          <a:bodyPr wrap="square">
+            <a:spAutoFit/>
+          </a:bodyPr>
+          <a:lstStyle/>
+          <a:p>
+            <a:r>
+              <a:rPr lang="en-US" sz="1200" b="1" dirty="0"/>
+              <a:t>Usage logs</a:t>
+            </a:r>
+            <a:endParaRPr lang="en-SG" sz="1200" b="1" dirty="0"/>
+          </a:p>
+        </p:txBody>
+      </p:sp>
+      <p:sp>
+        <p:nvSpPr>
+          <p:cNvPr id="68" name="TextBox 67">
+            <a:extLst>
+              <a:ext uri="{FF2B5EF4-FFF2-40B4-BE49-F238E27FC236}">
+                <a16:creationId xmlns:a16="http://schemas.microsoft.com/office/drawing/2014/main" id="{9B23BBD7-9532-963B-7263-1967FDF5B330}"/>
+              </a:ext>
+            </a:extLst>
+          </p:cNvPr>
+          <p:cNvSpPr txBox="1"/>
+          <p:nvPr/>
+        </p:nvSpPr>
+        <p:spPr>
+          <a:xfrm>
+            <a:off x="4018973" y="1960542"/>
+            <a:ext cx="1356043" cy="276999"/>
+          </a:xfrm>
+          <a:prstGeom prst="rect">
+            <a:avLst/>
+          </a:prstGeom>
+          <a:noFill/>
+        </p:spPr>
+        <p:txBody>
+          <a:bodyPr wrap="square">
+            <a:spAutoFit/>
+          </a:bodyPr>
+          <a:lstStyle/>
+          <a:p>
+            <a:r>
+              <a:rPr lang="en-US" sz="1200" b="1" dirty="0" err="1">
+                <a:solidFill>
+                  <a:schemeClr val="accent2"/>
+                </a:solidFill>
+              </a:rPr>
+              <a:t>Ollama</a:t>
+            </a:r>
+            <a:r>
+              <a:rPr lang="en-US" sz="1200" b="1" dirty="0">
+                <a:solidFill>
+                  <a:schemeClr val="accent2"/>
+                </a:solidFill>
+              </a:rPr>
+              <a:t> API Call</a:t>
+            </a:r>
+            <a:endParaRPr lang="en-SG" sz="1200" b="1" dirty="0">
+              <a:solidFill>
+                <a:schemeClr val="accent2"/>
+              </a:solidFill>
+            </a:endParaRPr>
+          </a:p>
+        </p:txBody>
+      </p:sp>
+      <p:pic>
+        <p:nvPicPr>
+          <p:cNvPr id="91" name="Graphic 90" descr="Vlog with solid fill">
+            <a:extLst>
+              <a:ext uri="{FF2B5EF4-FFF2-40B4-BE49-F238E27FC236}">
+                <a16:creationId xmlns:a16="http://schemas.microsoft.com/office/drawing/2014/main" id="{93C1E4A9-A96D-0140-BC58-6FFE6A072A47}"/>
+              </a:ext>
+            </a:extLst>
+          </p:cNvPr>
+          <p:cNvPicPr>
+            <a:picLocks noChangeAspect="1"/>
+          </p:cNvPicPr>
+          <p:nvPr/>
+        </p:nvPicPr>
+        <p:blipFill>
+          <a:blip r:embed="rId9">
+            <a:extLst>
+              <a:ext uri="{96DAC541-7B7A-43D3-8B79-37D633B846F1}">
+                <asvg:svgBlip xmlns:asvg="http://schemas.microsoft.com/office/drawing/2016/SVG/main" r:embed="rId10"/>
+              </a:ext>
+            </a:extLst>
+          </a:blip>
+          <a:stretch>
+            <a:fillRect/>
+          </a:stretch>
+        </p:blipFill>
+        <p:spPr>
+          <a:xfrm>
+            <a:off x="6881501" y="1630597"/>
+            <a:ext cx="666670" cy="666670"/>
+          </a:xfrm>
+          <a:prstGeom prst="rect">
+            <a:avLst/>
+          </a:prstGeom>
+        </p:spPr>
+      </p:pic>
+      <p:sp>
+        <p:nvSpPr>
+          <p:cNvPr id="92" name="TextBox 91">
+            <a:extLst>
+              <a:ext uri="{FF2B5EF4-FFF2-40B4-BE49-F238E27FC236}">
+                <a16:creationId xmlns:a16="http://schemas.microsoft.com/office/drawing/2014/main" id="{EECCB403-8E05-9EE3-019C-511990CDDD76}"/>
+              </a:ext>
+            </a:extLst>
+          </p:cNvPr>
+          <p:cNvSpPr txBox="1"/>
+          <p:nvPr/>
+        </p:nvSpPr>
+        <p:spPr>
+          <a:xfrm>
+            <a:off x="8149657" y="1620152"/>
+            <a:ext cx="2021089" cy="738664"/>
+          </a:xfrm>
+          <a:prstGeom prst="rect">
+            <a:avLst/>
+          </a:prstGeom>
+          <a:noFill/>
+        </p:spPr>
+        <p:txBody>
+          <a:bodyPr wrap="square">
+            <a:spAutoFit/>
+          </a:bodyPr>
+          <a:lstStyle/>
+          <a:p>
+            <a:r>
+              <a:rPr lang="en-US" sz="1400" b="1" dirty="0"/>
+              <a:t>Other Programs want to integrated with the </a:t>
+            </a:r>
+            <a:r>
+              <a:rPr lang="en-US" sz="1400" b="1" dirty="0" err="1"/>
+              <a:t>DeepSeek</a:t>
+            </a:r>
+            <a:r>
+              <a:rPr lang="en-US" sz="1400" b="1" dirty="0"/>
+              <a:t> model</a:t>
+            </a:r>
+            <a:endParaRPr lang="en-SG" sz="1400" b="1" dirty="0"/>
+          </a:p>
+        </p:txBody>
+      </p:sp>
+      <p:pic>
+        <p:nvPicPr>
+          <p:cNvPr id="93" name="Graphic 92" descr="Vlog with solid fill">
+            <a:extLst>
+              <a:ext uri="{FF2B5EF4-FFF2-40B4-BE49-F238E27FC236}">
+                <a16:creationId xmlns:a16="http://schemas.microsoft.com/office/drawing/2014/main" id="{D405CBAF-D047-A843-FF0E-C0A4018017F4}"/>
+              </a:ext>
+            </a:extLst>
+          </p:cNvPr>
+          <p:cNvPicPr>
+            <a:picLocks noChangeAspect="1"/>
+          </p:cNvPicPr>
+          <p:nvPr/>
+        </p:nvPicPr>
+        <p:blipFill>
+          <a:blip r:embed="rId11">
+            <a:extLst>
+              <a:ext uri="{96DAC541-7B7A-43D3-8B79-37D633B846F1}">
+                <asvg:svgBlip xmlns:asvg="http://schemas.microsoft.com/office/drawing/2016/SVG/main" r:embed="rId12"/>
+              </a:ext>
+            </a:extLst>
+          </a:blip>
+          <a:stretch>
+            <a:fillRect/>
+          </a:stretch>
+        </p:blipFill>
+        <p:spPr>
+          <a:xfrm>
+            <a:off x="7565409" y="1689719"/>
+            <a:ext cx="666670" cy="666670"/>
+          </a:xfrm>
+          <a:prstGeom prst="rect">
+            <a:avLst/>
+          </a:prstGeom>
+        </p:spPr>
+      </p:pic>
+      <p:pic>
+        <p:nvPicPr>
+          <p:cNvPr id="94" name="Graphic 93" descr="Vlog with solid fill">
+            <a:extLst>
+              <a:ext uri="{FF2B5EF4-FFF2-40B4-BE49-F238E27FC236}">
+                <a16:creationId xmlns:a16="http://schemas.microsoft.com/office/drawing/2014/main" id="{137850BE-743F-89A6-8E24-D35C93F71849}"/>
+              </a:ext>
+            </a:extLst>
+          </p:cNvPr>
+          <p:cNvPicPr>
+            <a:picLocks noChangeAspect="1"/>
+          </p:cNvPicPr>
+          <p:nvPr/>
+        </p:nvPicPr>
+        <p:blipFill>
+          <a:blip r:embed="rId13">
+            <a:extLst>
+              <a:ext uri="{96DAC541-7B7A-43D3-8B79-37D633B846F1}">
+                <asvg:svgBlip xmlns:asvg="http://schemas.microsoft.com/office/drawing/2016/SVG/main" r:embed="rId14"/>
+              </a:ext>
+            </a:extLst>
+          </a:blip>
+          <a:stretch>
+            <a:fillRect/>
+          </a:stretch>
+        </p:blipFill>
+        <p:spPr>
+          <a:xfrm>
+            <a:off x="7318916" y="1935818"/>
+            <a:ext cx="666670" cy="666670"/>
+          </a:xfrm>
+          <a:prstGeom prst="rect">
+            <a:avLst/>
+          </a:prstGeom>
+        </p:spPr>
+      </p:pic>
+      <p:pic>
+        <p:nvPicPr>
+          <p:cNvPr id="95" name="Picture 94" descr="A screenshot of a chat&#10;&#10;AI-generated content may be incorrect.">
+            <a:extLst>
+              <a:ext uri="{FF2B5EF4-FFF2-40B4-BE49-F238E27FC236}">
+                <a16:creationId xmlns:a16="http://schemas.microsoft.com/office/drawing/2014/main" id="{F19BA86F-7606-371D-4C06-C860CED661D8}"/>
+              </a:ext>
+            </a:extLst>
+          </p:cNvPr>
+          <p:cNvPicPr>
+            <a:picLocks noChangeAspect="1"/>
+          </p:cNvPicPr>
+          <p:nvPr/>
+        </p:nvPicPr>
+        <p:blipFill>
+          <a:blip r:embed="rId15">
+            <a:extLst>
+              <a:ext uri="{28A0092B-C50C-407E-A947-70E740481C1C}">
+                <a14:useLocalDpi xmlns:a14="http://schemas.microsoft.com/office/drawing/2010/main" val="0"/>
+              </a:ext>
+            </a:extLst>
+          </a:blip>
+          <a:stretch>
+            <a:fillRect/>
+          </a:stretch>
+        </p:blipFill>
+        <p:spPr>
+          <a:xfrm>
+            <a:off x="9316633" y="2593774"/>
             <a:ext cx="2055010" cy="1046000"/>
           </a:xfrm>
           <a:prstGeom prst="rect">
@@ -4350,12 +5754,48 @@
           </a:ln>
         </p:spPr>
       </p:pic>
+      <p:pic>
+        <p:nvPicPr>
+          <p:cNvPr id="96" name="Graphic 95" descr="Internet with solid fill">
+            <a:extLst>
+              <a:ext uri="{FF2B5EF4-FFF2-40B4-BE49-F238E27FC236}">
+                <a16:creationId xmlns:a16="http://schemas.microsoft.com/office/drawing/2014/main" id="{F8720477-14FC-4EB2-1BFE-E0F8763BC36C}"/>
+              </a:ext>
+            </a:extLst>
+          </p:cNvPr>
+          <p:cNvPicPr>
+            <a:picLocks noChangeAspect="1"/>
+          </p:cNvPicPr>
+          <p:nvPr/>
+        </p:nvPicPr>
+        <p:blipFill>
+          <a:blip r:embed="rId16">
+            <a:extLst>
+              <a:ext uri="{96DAC541-7B7A-43D3-8B79-37D633B846F1}">
+                <asvg:svgBlip xmlns:asvg="http://schemas.microsoft.com/office/drawing/2016/SVG/main" r:embed="rId17"/>
+              </a:ext>
+            </a:extLst>
+          </a:blip>
+          <a:stretch>
+            <a:fillRect/>
+          </a:stretch>
+        </p:blipFill>
+        <p:spPr>
+          <a:xfrm>
+            <a:off x="8011353" y="2833870"/>
+            <a:ext cx="897590" cy="897590"/>
+          </a:xfrm>
+          <a:prstGeom prst="rect">
+            <a:avLst/>
+          </a:prstGeom>
+        </p:spPr>
+      </p:pic>
       <p:cxnSp>
         <p:nvCxnSpPr>
-          <p:cNvPr id="31" name="Connector: Elbow 30">
-            <a:extLst>
-              <a:ext uri="{FF2B5EF4-FFF2-40B4-BE49-F238E27FC236}">
-                <a16:creationId xmlns:a16="http://schemas.microsoft.com/office/drawing/2014/main" id="{0664E86D-042C-25D6-CFA8-D2AC3F8E8826}"/>
+          <p:cNvPr id="97" name="Straight Arrow Connector 96">
+            <a:extLst>
+              <a:ext uri="{FF2B5EF4-FFF2-40B4-BE49-F238E27FC236}">
+                <a16:creationId xmlns:a16="http://schemas.microsoft.com/office/drawing/2014/main" id="{A8F82E3D-E994-938B-03B7-A001C539A07E}"/>
               </a:ext>
             </a:extLst>
           </p:cNvPr>
@@ -4365,14 +5805,397 @@
           <p:nvPr/>
         </p:nvCxnSpPr>
         <p:spPr>
-          <a:xfrm rot="16200000" flipH="1">
-            <a:off x="5156267" y="3968482"/>
-            <a:ext cx="1488810" cy="446486"/>
-          </a:xfrm>
-          <a:prstGeom prst="bentConnector2">
+          <a:xfrm flipH="1">
+            <a:off x="8873196" y="3259393"/>
+            <a:ext cx="427934" cy="0"/>
+          </a:xfrm>
+          <a:prstGeom prst="straightConnector1">
             <a:avLst/>
           </a:prstGeom>
           <a:ln>
+            <a:solidFill>
+              <a:schemeClr val="accent6">
+                <a:lumMod val="75000"/>
+              </a:schemeClr>
+            </a:solidFill>
+            <a:tailEnd type="triangle"/>
+          </a:ln>
+        </p:spPr>
+        <p:style>
+          <a:lnRef idx="2">
+            <a:schemeClr val="accent1"/>
+          </a:lnRef>
+          <a:fillRef idx="0">
+            <a:schemeClr val="accent1"/>
+          </a:fillRef>
+          <a:effectRef idx="1">
+            <a:schemeClr val="accent1"/>
+          </a:effectRef>
+          <a:fontRef idx="minor">
+            <a:schemeClr val="tx1"/>
+          </a:fontRef>
+        </p:style>
+      </p:cxnSp>
+      <p:sp>
+        <p:nvSpPr>
+          <p:cNvPr id="98" name="Speech Bubble: Rectangle 97">
+            <a:extLst>
+              <a:ext uri="{FF2B5EF4-FFF2-40B4-BE49-F238E27FC236}">
+                <a16:creationId xmlns:a16="http://schemas.microsoft.com/office/drawing/2014/main" id="{F48085BD-8E42-F8EA-05D2-875088C41AFB}"/>
+              </a:ext>
+            </a:extLst>
+          </p:cNvPr>
+          <p:cNvSpPr/>
+          <p:nvPr/>
+        </p:nvSpPr>
+        <p:spPr>
+          <a:xfrm>
+            <a:off x="9467417" y="3905318"/>
+            <a:ext cx="1983270" cy="2071775"/>
+          </a:xfrm>
+          <a:prstGeom prst="wedgeRectCallout">
+            <a:avLst>
+              <a:gd name="adj1" fmla="val -34823"/>
+              <a:gd name="adj2" fmla="val -73576"/>
+            </a:avLst>
+          </a:prstGeom>
+          <a:solidFill>
+            <a:schemeClr val="bg1"/>
+          </a:solidFill>
+          <a:ln>
+            <a:solidFill>
+              <a:schemeClr val="accent2"/>
+            </a:solidFill>
+          </a:ln>
+        </p:spPr>
+        <p:style>
+          <a:lnRef idx="2">
+            <a:schemeClr val="accent1">
+              <a:shade val="15000"/>
+            </a:schemeClr>
+          </a:lnRef>
+          <a:fillRef idx="1">
+            <a:schemeClr val="accent1"/>
+          </a:fillRef>
+          <a:effectRef idx="0">
+            <a:schemeClr val="accent1"/>
+          </a:effectRef>
+          <a:fontRef idx="minor">
+            <a:schemeClr val="lt1"/>
+          </a:fontRef>
+        </p:style>
+        <p:txBody>
+          <a:bodyPr rtlCol="0" anchor="ctr"/>
+          <a:lstStyle/>
+          <a:p>
+            <a:pPr algn="ctr"/>
+            <a:endParaRPr lang="en-SG" dirty="0"/>
+          </a:p>
+        </p:txBody>
+      </p:sp>
+      <p:sp>
+        <p:nvSpPr>
+          <p:cNvPr id="99" name="TextBox 98">
+            <a:extLst>
+              <a:ext uri="{FF2B5EF4-FFF2-40B4-BE49-F238E27FC236}">
+                <a16:creationId xmlns:a16="http://schemas.microsoft.com/office/drawing/2014/main" id="{2171E60E-7A1F-671A-33F3-2D29E04FA779}"/>
+              </a:ext>
+            </a:extLst>
+          </p:cNvPr>
+          <p:cNvSpPr txBox="1"/>
+          <p:nvPr/>
+        </p:nvSpPr>
+        <p:spPr>
+          <a:xfrm>
+            <a:off x="9549580" y="4043239"/>
+            <a:ext cx="1699939" cy="461665"/>
+          </a:xfrm>
+          <a:prstGeom prst="rect">
+            <a:avLst/>
+          </a:prstGeom>
+          <a:solidFill>
+            <a:schemeClr val="accent2"/>
+          </a:solidFill>
+          <a:ln>
+            <a:solidFill>
+              <a:schemeClr val="tx2">
+                <a:lumMod val="25000"/>
+                <a:lumOff val="75000"/>
+              </a:schemeClr>
+            </a:solidFill>
+          </a:ln>
+        </p:spPr>
+        <p:txBody>
+          <a:bodyPr wrap="square">
+            <a:spAutoFit/>
+          </a:bodyPr>
+          <a:lstStyle/>
+          <a:p>
+            <a:r>
+              <a:rPr lang="en-US" sz="1200" b="1" dirty="0">
+                <a:solidFill>
+                  <a:schemeClr val="bg1"/>
+                </a:solidFill>
+              </a:rPr>
+              <a:t>Answer generated by DeepSeek-R1:1.5B</a:t>
+            </a:r>
+            <a:endParaRPr lang="en-SG" sz="1200" b="1" dirty="0">
+              <a:solidFill>
+                <a:schemeClr val="bg1"/>
+              </a:solidFill>
+            </a:endParaRPr>
+          </a:p>
+        </p:txBody>
+      </p:sp>
+      <p:sp>
+        <p:nvSpPr>
+          <p:cNvPr id="100" name="TextBox 99">
+            <a:extLst>
+              <a:ext uri="{FF2B5EF4-FFF2-40B4-BE49-F238E27FC236}">
+                <a16:creationId xmlns:a16="http://schemas.microsoft.com/office/drawing/2014/main" id="{33E81AC9-4C27-CAD9-3F5E-F76427FDFDA3}"/>
+              </a:ext>
+            </a:extLst>
+          </p:cNvPr>
+          <p:cNvSpPr txBox="1"/>
+          <p:nvPr/>
+        </p:nvSpPr>
+        <p:spPr>
+          <a:xfrm>
+            <a:off x="9567663" y="4704380"/>
+            <a:ext cx="1681856" cy="461665"/>
+          </a:xfrm>
+          <a:prstGeom prst="rect">
+            <a:avLst/>
+          </a:prstGeom>
+          <a:solidFill>
+            <a:schemeClr val="tx2">
+              <a:lumMod val="50000"/>
+              <a:lumOff val="50000"/>
+            </a:schemeClr>
+          </a:solidFill>
+          <a:ln>
+            <a:solidFill>
+              <a:schemeClr val="tx2">
+                <a:lumMod val="25000"/>
+                <a:lumOff val="75000"/>
+              </a:schemeClr>
+            </a:solidFill>
+          </a:ln>
+        </p:spPr>
+        <p:txBody>
+          <a:bodyPr wrap="square">
+            <a:spAutoFit/>
+          </a:bodyPr>
+          <a:lstStyle/>
+          <a:p>
+            <a:r>
+              <a:rPr lang="en-US" sz="1200" b="1" dirty="0">
+                <a:solidFill>
+                  <a:schemeClr val="bg1"/>
+                </a:solidFill>
+              </a:rPr>
+              <a:t>Answer generated by DeepSeek-R1:7B</a:t>
+            </a:r>
+            <a:endParaRPr lang="en-SG" sz="1200" b="1" dirty="0">
+              <a:solidFill>
+                <a:schemeClr val="bg1"/>
+              </a:solidFill>
+            </a:endParaRPr>
+          </a:p>
+        </p:txBody>
+      </p:sp>
+      <p:sp>
+        <p:nvSpPr>
+          <p:cNvPr id="101" name="TextBox 100">
+            <a:extLst>
+              <a:ext uri="{FF2B5EF4-FFF2-40B4-BE49-F238E27FC236}">
+                <a16:creationId xmlns:a16="http://schemas.microsoft.com/office/drawing/2014/main" id="{CD9B56BE-7F76-9822-4768-F943E828DB05}"/>
+              </a:ext>
+            </a:extLst>
+          </p:cNvPr>
+          <p:cNvSpPr txBox="1"/>
+          <p:nvPr/>
+        </p:nvSpPr>
+        <p:spPr>
+          <a:xfrm>
+            <a:off x="9567663" y="5340736"/>
+            <a:ext cx="1791584" cy="461665"/>
+          </a:xfrm>
+          <a:prstGeom prst="rect">
+            <a:avLst/>
+          </a:prstGeom>
+          <a:solidFill>
+            <a:schemeClr val="accent6">
+              <a:lumMod val="75000"/>
+            </a:schemeClr>
+          </a:solidFill>
+          <a:ln>
+            <a:solidFill>
+              <a:schemeClr val="tx2">
+                <a:lumMod val="25000"/>
+                <a:lumOff val="75000"/>
+              </a:schemeClr>
+            </a:solidFill>
+          </a:ln>
+        </p:spPr>
+        <p:txBody>
+          <a:bodyPr wrap="square">
+            <a:spAutoFit/>
+          </a:bodyPr>
+          <a:lstStyle/>
+          <a:p>
+            <a:r>
+              <a:rPr lang="en-US" sz="1200" b="1" dirty="0">
+                <a:solidFill>
+                  <a:schemeClr val="bg1"/>
+                </a:solidFill>
+              </a:rPr>
+              <a:t>Answer generated by DeepSeek-R1:8B + RAG</a:t>
+            </a:r>
+            <a:endParaRPr lang="en-SG" sz="1200" b="1" dirty="0">
+              <a:solidFill>
+                <a:schemeClr val="bg1"/>
+              </a:solidFill>
+            </a:endParaRPr>
+          </a:p>
+        </p:txBody>
+      </p:sp>
+      <p:pic>
+        <p:nvPicPr>
+          <p:cNvPr id="102" name="Graphic 101" descr="User with solid fill">
+            <a:extLst>
+              <a:ext uri="{FF2B5EF4-FFF2-40B4-BE49-F238E27FC236}">
+                <a16:creationId xmlns:a16="http://schemas.microsoft.com/office/drawing/2014/main" id="{4B057D8C-6CD6-53C0-0684-AC080F10EF36}"/>
+              </a:ext>
+            </a:extLst>
+          </p:cNvPr>
+          <p:cNvPicPr>
+            <a:picLocks noChangeAspect="1"/>
+          </p:cNvPicPr>
+          <p:nvPr/>
+        </p:nvPicPr>
+        <p:blipFill>
+          <a:blip r:embed="rId18">
+            <a:extLst>
+              <a:ext uri="{96DAC541-7B7A-43D3-8B79-37D633B846F1}">
+                <asvg:svgBlip xmlns:asvg="http://schemas.microsoft.com/office/drawing/2016/SVG/main" r:embed="rId19"/>
+              </a:ext>
+            </a:extLst>
+          </a:blip>
+          <a:stretch>
+            <a:fillRect/>
+          </a:stretch>
+        </p:blipFill>
+        <p:spPr>
+          <a:xfrm>
+            <a:off x="10292368" y="1974562"/>
+            <a:ext cx="546696" cy="546696"/>
+          </a:xfrm>
+          <a:prstGeom prst="rect">
+            <a:avLst/>
+          </a:prstGeom>
+        </p:spPr>
+      </p:pic>
+      <p:sp>
+        <p:nvSpPr>
+          <p:cNvPr id="104" name="TextBox 103">
+            <a:extLst>
+              <a:ext uri="{FF2B5EF4-FFF2-40B4-BE49-F238E27FC236}">
+                <a16:creationId xmlns:a16="http://schemas.microsoft.com/office/drawing/2014/main" id="{019BDBC2-045C-9F0E-5869-2DCC260DE1A7}"/>
+              </a:ext>
+            </a:extLst>
+          </p:cNvPr>
+          <p:cNvSpPr txBox="1"/>
+          <p:nvPr/>
+        </p:nvSpPr>
+        <p:spPr>
+          <a:xfrm>
+            <a:off x="10247588" y="1757942"/>
+            <a:ext cx="1020291" cy="307777"/>
+          </a:xfrm>
+          <a:prstGeom prst="rect">
+            <a:avLst/>
+          </a:prstGeom>
+          <a:noFill/>
+        </p:spPr>
+        <p:txBody>
+          <a:bodyPr wrap="square">
+            <a:spAutoFit/>
+          </a:bodyPr>
+          <a:lstStyle/>
+          <a:p>
+            <a:r>
+              <a:rPr lang="en-US" sz="1400" b="1" dirty="0"/>
+              <a:t>User-01</a:t>
+            </a:r>
+            <a:endParaRPr lang="en-SG" sz="1400" b="1" dirty="0"/>
+          </a:p>
+        </p:txBody>
+      </p:sp>
+      <p:sp>
+        <p:nvSpPr>
+          <p:cNvPr id="105" name="TextBox 104">
+            <a:extLst>
+              <a:ext uri="{FF2B5EF4-FFF2-40B4-BE49-F238E27FC236}">
+                <a16:creationId xmlns:a16="http://schemas.microsoft.com/office/drawing/2014/main" id="{23644FE2-D4E3-3BAF-7464-504027938DCC}"/>
+              </a:ext>
+            </a:extLst>
+          </p:cNvPr>
+          <p:cNvSpPr txBox="1"/>
+          <p:nvPr/>
+        </p:nvSpPr>
+        <p:spPr>
+          <a:xfrm>
+            <a:off x="10092502" y="2833870"/>
+            <a:ext cx="1300334" cy="523220"/>
+          </a:xfrm>
+          <a:prstGeom prst="rect">
+            <a:avLst/>
+          </a:prstGeom>
+          <a:noFill/>
+        </p:spPr>
+        <p:txBody>
+          <a:bodyPr wrap="square">
+            <a:spAutoFit/>
+          </a:bodyPr>
+          <a:lstStyle/>
+          <a:p>
+            <a:r>
+              <a:rPr lang="en-US" sz="1400" b="1" dirty="0"/>
+              <a:t>Chat Bot Web interface</a:t>
+            </a:r>
+            <a:endParaRPr lang="en-SG" sz="1400" b="1" dirty="0"/>
+          </a:p>
+        </p:txBody>
+      </p:sp>
+      <p:cxnSp>
+        <p:nvCxnSpPr>
+          <p:cNvPr id="106" name="Straight Arrow Connector 105">
+            <a:extLst>
+              <a:ext uri="{FF2B5EF4-FFF2-40B4-BE49-F238E27FC236}">
+                <a16:creationId xmlns:a16="http://schemas.microsoft.com/office/drawing/2014/main" id="{E5C24DCB-8D38-4EF0-3101-E6C4EF1D89E9}"/>
+              </a:ext>
+            </a:extLst>
+          </p:cNvPr>
+          <p:cNvCxnSpPr>
+            <a:cxnSpLocks/>
+          </p:cNvCxnSpPr>
+          <p:nvPr/>
+        </p:nvCxnSpPr>
+        <p:spPr>
+          <a:xfrm flipH="1" flipV="1">
+            <a:off x="7521375" y="3355916"/>
+            <a:ext cx="536095" cy="0"/>
+          </a:xfrm>
+          <a:prstGeom prst="straightConnector1">
+            <a:avLst/>
+          </a:prstGeom>
+          <a:ln>
+            <a:solidFill>
+              <a:schemeClr val="accent6">
+                <a:lumMod val="75000"/>
+              </a:schemeClr>
+            </a:solidFill>
             <a:tailEnd type="triangle"/>
           </a:ln>
         </p:spPr>
@@ -4393,10 +6216,10 @@
       </p:cxnSp>
       <p:cxnSp>
         <p:nvCxnSpPr>
-          <p:cNvPr id="37" name="Straight Connector 36">
-            <a:extLst>
-              <a:ext uri="{FF2B5EF4-FFF2-40B4-BE49-F238E27FC236}">
-                <a16:creationId xmlns:a16="http://schemas.microsoft.com/office/drawing/2014/main" id="{D223957F-A123-3644-2D3D-8AE005971460}"/>
+          <p:cNvPr id="109" name="Connector: Elbow 108">
+            <a:extLst>
+              <a:ext uri="{FF2B5EF4-FFF2-40B4-BE49-F238E27FC236}">
+                <a16:creationId xmlns:a16="http://schemas.microsoft.com/office/drawing/2014/main" id="{F0A45182-96F9-7984-C03A-82949FD9737E}"/>
               </a:ext>
             </a:extLst>
           </p:cNvPr>
@@ -4406,13 +6229,282 @@
           <p:nvPr/>
         </p:nvCxnSpPr>
         <p:spPr>
-          <a:xfrm>
-            <a:off x="3802561" y="3457379"/>
-            <a:ext cx="1887696" cy="0"/>
-          </a:xfrm>
-          <a:prstGeom prst="line">
-            <a:avLst/>
-          </a:prstGeom>
+          <a:xfrm rot="5400000">
+            <a:off x="7253288" y="2770828"/>
+            <a:ext cx="684658" cy="259583"/>
+          </a:xfrm>
+          <a:prstGeom prst="bentConnector3">
+            <a:avLst>
+              <a:gd name="adj1" fmla="val 50000"/>
+            </a:avLst>
+          </a:prstGeom>
+          <a:ln>
+            <a:tailEnd type="triangle"/>
+          </a:ln>
+        </p:spPr>
+        <p:style>
+          <a:lnRef idx="2">
+            <a:schemeClr val="accent1"/>
+          </a:lnRef>
+          <a:fillRef idx="0">
+            <a:schemeClr val="accent1"/>
+          </a:fillRef>
+          <a:effectRef idx="1">
+            <a:schemeClr val="accent1"/>
+          </a:effectRef>
+          <a:fontRef idx="minor">
+            <a:schemeClr val="tx1"/>
+          </a:fontRef>
+        </p:style>
+      </p:cxnSp>
+      <p:sp>
+        <p:nvSpPr>
+          <p:cNvPr id="110" name="TextBox 109">
+            <a:extLst>
+              <a:ext uri="{FF2B5EF4-FFF2-40B4-BE49-F238E27FC236}">
+                <a16:creationId xmlns:a16="http://schemas.microsoft.com/office/drawing/2014/main" id="{BF14EA4C-4904-2593-FE08-A35ECDA20E83}"/>
+              </a:ext>
+            </a:extLst>
+          </p:cNvPr>
+          <p:cNvSpPr txBox="1"/>
+          <p:nvPr/>
+        </p:nvSpPr>
+        <p:spPr>
+          <a:xfrm>
+            <a:off x="7985586" y="3513602"/>
+            <a:ext cx="2089189" cy="276999"/>
+          </a:xfrm>
+          <a:prstGeom prst="rect">
+            <a:avLst/>
+          </a:prstGeom>
+          <a:noFill/>
+        </p:spPr>
+        <p:txBody>
+          <a:bodyPr wrap="square">
+            <a:spAutoFit/>
+          </a:bodyPr>
+          <a:lstStyle/>
+          <a:p>
+            <a:r>
+              <a:rPr lang="en-US" sz="1200" b="1" dirty="0"/>
+              <a:t>Laptop without GPU</a:t>
+            </a:r>
+            <a:endParaRPr lang="en-SG" sz="1200" b="1" dirty="0"/>
+          </a:p>
+        </p:txBody>
+      </p:sp>
+      <p:cxnSp>
+        <p:nvCxnSpPr>
+          <p:cNvPr id="111" name="Straight Arrow Connector 110">
+            <a:extLst>
+              <a:ext uri="{FF2B5EF4-FFF2-40B4-BE49-F238E27FC236}">
+                <a16:creationId xmlns:a16="http://schemas.microsoft.com/office/drawing/2014/main" id="{1EE764F3-DE3B-01E4-DD17-8E2E64D61F61}"/>
+              </a:ext>
+            </a:extLst>
+          </p:cNvPr>
+          <p:cNvCxnSpPr>
+            <a:cxnSpLocks/>
+          </p:cNvCxnSpPr>
+          <p:nvPr/>
+        </p:nvCxnSpPr>
+        <p:spPr>
+          <a:xfrm flipH="1">
+            <a:off x="8175152" y="4752190"/>
+            <a:ext cx="301336" cy="0"/>
+          </a:xfrm>
+          <a:prstGeom prst="straightConnector1">
+            <a:avLst/>
+          </a:prstGeom>
+          <a:ln>
+            <a:solidFill>
+              <a:schemeClr val="accent6">
+                <a:lumMod val="75000"/>
+              </a:schemeClr>
+            </a:solidFill>
+            <a:tailEnd type="triangle"/>
+          </a:ln>
+        </p:spPr>
+        <p:style>
+          <a:lnRef idx="2">
+            <a:schemeClr val="accent1"/>
+          </a:lnRef>
+          <a:fillRef idx="0">
+            <a:schemeClr val="accent1"/>
+          </a:fillRef>
+          <a:effectRef idx="1">
+            <a:schemeClr val="accent1"/>
+          </a:effectRef>
+          <a:fontRef idx="minor">
+            <a:schemeClr val="tx1"/>
+          </a:fontRef>
+        </p:style>
+      </p:cxnSp>
+      <p:sp>
+        <p:nvSpPr>
+          <p:cNvPr id="113" name="TextBox 112">
+            <a:extLst>
+              <a:ext uri="{FF2B5EF4-FFF2-40B4-BE49-F238E27FC236}">
+                <a16:creationId xmlns:a16="http://schemas.microsoft.com/office/drawing/2014/main" id="{CD1EA9C4-733D-ACF8-1753-ACE863CBEBF8}"/>
+              </a:ext>
+            </a:extLst>
+          </p:cNvPr>
+          <p:cNvSpPr txBox="1"/>
+          <p:nvPr/>
+        </p:nvSpPr>
+        <p:spPr>
+          <a:xfrm>
+            <a:off x="7554924" y="5559191"/>
+            <a:ext cx="1202189" cy="461665"/>
+          </a:xfrm>
+          <a:prstGeom prst="rect">
+            <a:avLst/>
+          </a:prstGeom>
+          <a:noFill/>
+        </p:spPr>
+        <p:txBody>
+          <a:bodyPr wrap="square">
+            <a:spAutoFit/>
+          </a:bodyPr>
+          <a:lstStyle/>
+          <a:p>
+            <a:r>
+              <a:rPr lang="en-US" sz="1200" b="1" dirty="0"/>
+              <a:t>Mobile Devices</a:t>
+            </a:r>
+            <a:endParaRPr lang="en-SG" sz="1200" b="1" dirty="0"/>
+          </a:p>
+        </p:txBody>
+      </p:sp>
+      <p:pic>
+        <p:nvPicPr>
+          <p:cNvPr id="114" name="Picture 113">
+            <a:extLst>
+              <a:ext uri="{FF2B5EF4-FFF2-40B4-BE49-F238E27FC236}">
+                <a16:creationId xmlns:a16="http://schemas.microsoft.com/office/drawing/2014/main" id="{52167B40-A988-5B0C-960C-6B0CEE0220AE}"/>
+              </a:ext>
+            </a:extLst>
+          </p:cNvPr>
+          <p:cNvPicPr>
+            <a:picLocks noChangeAspect="1"/>
+          </p:cNvPicPr>
+          <p:nvPr/>
+        </p:nvPicPr>
+        <p:blipFill>
+          <a:blip r:embed="rId20"/>
+          <a:stretch>
+            <a:fillRect/>
+          </a:stretch>
+        </p:blipFill>
+        <p:spPr>
+          <a:xfrm>
+            <a:off x="7668424" y="3942853"/>
+            <a:ext cx="571590" cy="782344"/>
+          </a:xfrm>
+          <a:prstGeom prst="rect">
+            <a:avLst/>
+          </a:prstGeom>
+        </p:spPr>
+      </p:pic>
+      <p:pic>
+        <p:nvPicPr>
+          <p:cNvPr id="115" name="Picture 114">
+            <a:extLst>
+              <a:ext uri="{FF2B5EF4-FFF2-40B4-BE49-F238E27FC236}">
+                <a16:creationId xmlns:a16="http://schemas.microsoft.com/office/drawing/2014/main" id="{82E21B50-38C7-A38F-A476-EB965F3902B9}"/>
+              </a:ext>
+            </a:extLst>
+          </p:cNvPr>
+          <p:cNvPicPr>
+            <a:picLocks noChangeAspect="1"/>
+          </p:cNvPicPr>
+          <p:nvPr/>
+        </p:nvPicPr>
+        <p:blipFill>
+          <a:blip r:embed="rId21"/>
+          <a:stretch>
+            <a:fillRect/>
+          </a:stretch>
+        </p:blipFill>
+        <p:spPr>
+          <a:xfrm>
+            <a:off x="7664689" y="4821708"/>
+            <a:ext cx="529058" cy="698035"/>
+          </a:xfrm>
+          <a:prstGeom prst="rect">
+            <a:avLst/>
+          </a:prstGeom>
+        </p:spPr>
+      </p:pic>
+      <p:pic>
+        <p:nvPicPr>
+          <p:cNvPr id="116" name="Picture 115" descr="A screenshot of a text message&#10;&#10;AI-generated content may be incorrect.">
+            <a:extLst>
+              <a:ext uri="{FF2B5EF4-FFF2-40B4-BE49-F238E27FC236}">
+                <a16:creationId xmlns:a16="http://schemas.microsoft.com/office/drawing/2014/main" id="{E96AD118-4217-F692-31EE-3031DB9CD75F}"/>
+              </a:ext>
+            </a:extLst>
+          </p:cNvPr>
+          <p:cNvPicPr>
+            <a:picLocks noChangeAspect="1"/>
+          </p:cNvPicPr>
+          <p:nvPr/>
+        </p:nvPicPr>
+        <p:blipFill>
+          <a:blip r:embed="rId22">
+            <a:extLst>
+              <a:ext uri="{28A0092B-C50C-407E-A947-70E740481C1C}">
+                <a14:useLocalDpi xmlns:a14="http://schemas.microsoft.com/office/drawing/2010/main" val="0"/>
+              </a:ext>
+            </a:extLst>
+          </a:blip>
+          <a:stretch>
+            <a:fillRect/>
+          </a:stretch>
+        </p:blipFill>
+        <p:spPr>
+          <a:xfrm>
+            <a:off x="8476488" y="3975414"/>
+            <a:ext cx="691456" cy="1502764"/>
+          </a:xfrm>
+          <a:prstGeom prst="rect">
+            <a:avLst/>
+          </a:prstGeom>
+          <a:ln w="12700">
+            <a:solidFill>
+              <a:schemeClr val="tx1"/>
+            </a:solidFill>
+          </a:ln>
+        </p:spPr>
+      </p:pic>
+      <p:cxnSp>
+        <p:nvCxnSpPr>
+          <p:cNvPr id="118" name="Connector: Elbow 117">
+            <a:extLst>
+              <a:ext uri="{FF2B5EF4-FFF2-40B4-BE49-F238E27FC236}">
+                <a16:creationId xmlns:a16="http://schemas.microsoft.com/office/drawing/2014/main" id="{0E54F630-376B-A591-39BE-B1A42455BF11}"/>
+              </a:ext>
+            </a:extLst>
+          </p:cNvPr>
+          <p:cNvCxnSpPr>
+            <a:cxnSpLocks/>
+            <a:stCxn id="114" idx="0"/>
+            <a:endCxn id="135" idx="2"/>
+          </p:cNvCxnSpPr>
+          <p:nvPr/>
+        </p:nvCxnSpPr>
+        <p:spPr>
+          <a:xfrm rot="16200000" flipV="1">
+            <a:off x="7481937" y="3470571"/>
+            <a:ext cx="327798" cy="616766"/>
+          </a:xfrm>
+          <a:prstGeom prst="bentConnector3">
+            <a:avLst>
+              <a:gd name="adj1" fmla="val 50000"/>
+            </a:avLst>
+          </a:prstGeom>
+          <a:ln>
+            <a:tailEnd type="triangle"/>
+          </a:ln>
         </p:spPr>
         <p:style>
           <a:lnRef idx="2">
@@ -4431,10 +6523,10 @@
       </p:cxnSp>
       <p:pic>
         <p:nvPicPr>
-          <p:cNvPr id="43" name="Graphic 42" descr="User with solid fill">
-            <a:extLst>
-              <a:ext uri="{FF2B5EF4-FFF2-40B4-BE49-F238E27FC236}">
-                <a16:creationId xmlns:a16="http://schemas.microsoft.com/office/drawing/2014/main" id="{499A320A-CEDB-7BA8-A9CF-D8C1D7CCB5B5}"/>
+          <p:cNvPr id="123" name="Graphic 122" descr="User with solid fill">
+            <a:extLst>
+              <a:ext uri="{FF2B5EF4-FFF2-40B4-BE49-F238E27FC236}">
+                <a16:creationId xmlns:a16="http://schemas.microsoft.com/office/drawing/2014/main" id="{7BAAB9F7-2466-0C3C-6A96-7651B42A0D2E}"/>
               </a:ext>
             </a:extLst>
           </p:cNvPr>
@@ -4444,10 +6536,10 @@
           <p:nvPr/>
         </p:nvPicPr>
         <p:blipFill>
-          <a:blip r:embed="rId9">
+          <a:blip r:embed="rId18">
             <a:extLst>
               <a:ext uri="{96DAC541-7B7A-43D3-8B79-37D633B846F1}">
-                <asvg:svgBlip xmlns:asvg="http://schemas.microsoft.com/office/drawing/2016/SVG/main" r:embed="rId10"/>
+                <asvg:svgBlip xmlns:asvg="http://schemas.microsoft.com/office/drawing/2016/SVG/main" r:embed="rId19"/>
               </a:ext>
             </a:extLst>
           </a:blip>
@@ -4457,112 +6549,104 @@
         </p:blipFill>
         <p:spPr>
           <a:xfrm>
-            <a:off x="10265843" y="2855931"/>
-            <a:ext cx="683583" cy="683583"/>
+            <a:off x="8608586" y="5327712"/>
+            <a:ext cx="546696" cy="546696"/>
           </a:xfrm>
           <a:prstGeom prst="rect">
             <a:avLst/>
           </a:prstGeom>
         </p:spPr>
       </p:pic>
-      <p:cxnSp>
-        <p:nvCxnSpPr>
-          <p:cNvPr id="44" name="Straight Arrow Connector 43">
-            <a:extLst>
-              <a:ext uri="{FF2B5EF4-FFF2-40B4-BE49-F238E27FC236}">
-                <a16:creationId xmlns:a16="http://schemas.microsoft.com/office/drawing/2014/main" id="{48ED7219-040D-FF5D-37CC-6A751CFFB6E6}"/>
-              </a:ext>
-            </a:extLst>
-          </p:cNvPr>
-          <p:cNvCxnSpPr>
-            <a:cxnSpLocks/>
-          </p:cNvCxnSpPr>
-          <p:nvPr/>
-        </p:nvCxnSpPr>
-        <p:spPr>
-          <a:xfrm flipH="1">
-            <a:off x="9882372" y="3324636"/>
-            <a:ext cx="427934" cy="0"/>
-          </a:xfrm>
-          <a:prstGeom prst="straightConnector1">
-            <a:avLst/>
-          </a:prstGeom>
-          <a:ln>
+      <p:sp>
+        <p:nvSpPr>
+          <p:cNvPr id="124" name="TextBox 123">
+            <a:extLst>
+              <a:ext uri="{FF2B5EF4-FFF2-40B4-BE49-F238E27FC236}">
+                <a16:creationId xmlns:a16="http://schemas.microsoft.com/office/drawing/2014/main" id="{A78352D1-F88B-2648-974C-C3D83B444FD5}"/>
+              </a:ext>
+            </a:extLst>
+          </p:cNvPr>
+          <p:cNvSpPr txBox="1"/>
+          <p:nvPr/>
+        </p:nvSpPr>
+        <p:spPr>
+          <a:xfrm>
+            <a:off x="8529289" y="5783312"/>
+            <a:ext cx="1020291" cy="307777"/>
+          </a:xfrm>
+          <a:prstGeom prst="rect">
+            <a:avLst/>
+          </a:prstGeom>
+          <a:noFill/>
+        </p:spPr>
+        <p:txBody>
+          <a:bodyPr wrap="square">
+            <a:spAutoFit/>
+          </a:bodyPr>
+          <a:lstStyle/>
+          <a:p>
+            <a:r>
+              <a:rPr lang="en-US" sz="1400" b="1" dirty="0"/>
+              <a:t>User-N</a:t>
+            </a:r>
+            <a:endParaRPr lang="en-SG" sz="1400" b="1" dirty="0"/>
+          </a:p>
+        </p:txBody>
+      </p:sp>
+      <p:sp>
+        <p:nvSpPr>
+          <p:cNvPr id="131" name="TextBox 130">
+            <a:extLst>
+              <a:ext uri="{FF2B5EF4-FFF2-40B4-BE49-F238E27FC236}">
+                <a16:creationId xmlns:a16="http://schemas.microsoft.com/office/drawing/2014/main" id="{79CBC61E-24BD-4578-2267-78399F5FFB2A}"/>
+              </a:ext>
+            </a:extLst>
+          </p:cNvPr>
+          <p:cNvSpPr txBox="1"/>
+          <p:nvPr/>
+        </p:nvSpPr>
+        <p:spPr>
+          <a:xfrm>
+            <a:off x="1732948" y="702537"/>
+            <a:ext cx="9516571" cy="369332"/>
+          </a:xfrm>
+          <a:prstGeom prst="rect">
+            <a:avLst/>
+          </a:prstGeom>
+          <a:noFill/>
+          <a:ln w="19050">
             <a:solidFill>
-              <a:schemeClr val="accent6">
-                <a:lumMod val="75000"/>
-              </a:schemeClr>
+              <a:schemeClr val="tx1"/>
             </a:solidFill>
-            <a:tailEnd type="triangle"/>
+            <a:prstDash val="sysDash"/>
           </a:ln>
         </p:spPr>
-        <p:style>
-          <a:lnRef idx="2">
-            <a:schemeClr val="accent1"/>
-          </a:lnRef>
-          <a:fillRef idx="0">
-            <a:schemeClr val="accent1"/>
-          </a:fillRef>
-          <a:effectRef idx="1">
-            <a:schemeClr val="accent1"/>
-          </a:effectRef>
-          <a:fontRef idx="minor">
-            <a:schemeClr val="tx1"/>
-          </a:fontRef>
-        </p:style>
-      </p:cxnSp>
-      <p:cxnSp>
-        <p:nvCxnSpPr>
-          <p:cNvPr id="46" name="Straight Arrow Connector 45">
-            <a:extLst>
-              <a:ext uri="{FF2B5EF4-FFF2-40B4-BE49-F238E27FC236}">
-                <a16:creationId xmlns:a16="http://schemas.microsoft.com/office/drawing/2014/main" id="{469AFFA5-066E-5963-ACEE-73302A297F31}"/>
-              </a:ext>
-            </a:extLst>
-          </p:cNvPr>
-          <p:cNvCxnSpPr>
-            <a:cxnSpLocks/>
-          </p:cNvCxnSpPr>
-          <p:nvPr/>
-        </p:nvCxnSpPr>
-        <p:spPr>
-          <a:xfrm flipH="1">
-            <a:off x="8316702" y="4946574"/>
-            <a:ext cx="427934" cy="0"/>
-          </a:xfrm>
-          <a:prstGeom prst="straightConnector1">
-            <a:avLst/>
-          </a:prstGeom>
-          <a:ln>
-            <a:solidFill>
-              <a:schemeClr val="accent6">
-                <a:lumMod val="75000"/>
-              </a:schemeClr>
-            </a:solidFill>
-            <a:tailEnd type="triangle"/>
-          </a:ln>
-        </p:spPr>
-        <p:style>
-          <a:lnRef idx="2">
-            <a:schemeClr val="accent1"/>
-          </a:lnRef>
-          <a:fillRef idx="0">
-            <a:schemeClr val="accent1"/>
-          </a:fillRef>
-          <a:effectRef idx="1">
-            <a:schemeClr val="accent1"/>
-          </a:effectRef>
-          <a:fontRef idx="minor">
-            <a:schemeClr val="tx1"/>
-          </a:fontRef>
-        </p:style>
-      </p:cxnSp>
+        <p:txBody>
+          <a:bodyPr wrap="square">
+            <a:spAutoFit/>
+          </a:bodyPr>
+          <a:lstStyle/>
+          <a:p>
+            <a:r>
+              <a:rPr lang="en-US" b="1" dirty="0"/>
+              <a:t>Share Local Deep Seek-R1 Model Service to LAN Users with a Simple Flask Web Wrapper </a:t>
+            </a:r>
+            <a:endParaRPr lang="en-SG" b="1" dirty="0">
+              <a:solidFill>
+                <a:schemeClr val="accent6">
+                  <a:lumMod val="75000"/>
+                </a:schemeClr>
+              </a:solidFill>
+            </a:endParaRPr>
+          </a:p>
+        </p:txBody>
+      </p:sp>
       <p:pic>
         <p:nvPicPr>
-          <p:cNvPr id="47" name="Graphic 46" descr="User with solid fill">
-            <a:extLst>
-              <a:ext uri="{FF2B5EF4-FFF2-40B4-BE49-F238E27FC236}">
-                <a16:creationId xmlns:a16="http://schemas.microsoft.com/office/drawing/2014/main" id="{E90628E9-87DD-A366-A0EB-6FC14F8E14C9}"/>
+          <p:cNvPr id="135" name="Picture 134">
+            <a:extLst>
+              <a:ext uri="{FF2B5EF4-FFF2-40B4-BE49-F238E27FC236}">
+                <a16:creationId xmlns:a16="http://schemas.microsoft.com/office/drawing/2014/main" id="{14506754-FBDE-A4EE-B1F2-E48D5AD51349}"/>
               </a:ext>
             </a:extLst>
           </p:cNvPr>
@@ -4572,10 +6656,40 @@
           <p:nvPr/>
         </p:nvPicPr>
         <p:blipFill>
-          <a:blip r:embed="rId9">
+          <a:blip r:embed="rId23"/>
+          <a:stretch>
+            <a:fillRect/>
+          </a:stretch>
+        </p:blipFill>
+        <p:spPr>
+          <a:xfrm>
+            <a:off x="7164856" y="3276500"/>
+            <a:ext cx="345193" cy="338555"/>
+          </a:xfrm>
+          <a:prstGeom prst="rect">
+            <a:avLst/>
+          </a:prstGeom>
+        </p:spPr>
+      </p:pic>
+      <p:pic>
+        <p:nvPicPr>
+          <p:cNvPr id="152" name="Graphic 151" descr="User with solid fill">
+            <a:extLst>
+              <a:ext uri="{FF2B5EF4-FFF2-40B4-BE49-F238E27FC236}">
+                <a16:creationId xmlns:a16="http://schemas.microsoft.com/office/drawing/2014/main" id="{EF9C4B4D-0D56-4A60-FA71-9EB6D93F02CB}"/>
+              </a:ext>
+            </a:extLst>
+          </p:cNvPr>
+          <p:cNvPicPr>
+            <a:picLocks noChangeAspect="1"/>
+          </p:cNvPicPr>
+          <p:nvPr/>
+        </p:nvPicPr>
+        <p:blipFill>
+          <a:blip r:embed="rId18">
             <a:extLst>
               <a:ext uri="{96DAC541-7B7A-43D3-8B79-37D633B846F1}">
-                <asvg:svgBlip xmlns:asvg="http://schemas.microsoft.com/office/drawing/2016/SVG/main" r:embed="rId10"/>
+                <asvg:svgBlip xmlns:asvg="http://schemas.microsoft.com/office/drawing/2016/SVG/main" r:embed="rId19"/>
               </a:ext>
             </a:extLst>
           </a:blip>
@@ -4585,8 +6699,8 @@
         </p:blipFill>
         <p:spPr>
           <a:xfrm>
-            <a:off x="10310306" y="4410729"/>
-            <a:ext cx="683583" cy="683583"/>
+            <a:off x="7179111" y="4080232"/>
+            <a:ext cx="546696" cy="546696"/>
           </a:xfrm>
           <a:prstGeom prst="rect">
             <a:avLst/>
@@ -4595,10 +6709,10 @@
       </p:pic>
       <p:sp>
         <p:nvSpPr>
-          <p:cNvPr id="48" name="TextBox 47">
-            <a:extLst>
-              <a:ext uri="{FF2B5EF4-FFF2-40B4-BE49-F238E27FC236}">
-                <a16:creationId xmlns:a16="http://schemas.microsoft.com/office/drawing/2014/main" id="{D38E1E40-9CC1-C9C0-2918-A7CE8D17903E}"/>
+          <p:cNvPr id="153" name="TextBox 152">
+            <a:extLst>
+              <a:ext uri="{FF2B5EF4-FFF2-40B4-BE49-F238E27FC236}">
+                <a16:creationId xmlns:a16="http://schemas.microsoft.com/office/drawing/2014/main" id="{FD5D45B4-D1D4-EDED-3F52-2A6946105825}"/>
               </a:ext>
             </a:extLst>
           </p:cNvPr>
@@ -4607,8 +6721,8 @@
         </p:nvSpPr>
         <p:spPr>
           <a:xfrm>
-            <a:off x="5900672" y="3888503"/>
-            <a:ext cx="2089189" cy="338554"/>
+            <a:off x="7099814" y="4535832"/>
+            <a:ext cx="1020291" cy="307777"/>
           </a:xfrm>
           <a:prstGeom prst="rect">
             <a:avLst/>
@@ -4622,892 +6736,17 @@
           <a:lstStyle/>
           <a:p>
             <a:r>
-              <a:rPr lang="en-US" sz="1600" b="1" dirty="0"/>
-              <a:t>Laptop without GPU</a:t>
-            </a:r>
-            <a:endParaRPr lang="en-SG" sz="1600" b="1" dirty="0"/>
-          </a:p>
-        </p:txBody>
-      </p:sp>
-      <p:sp>
-        <p:nvSpPr>
-          <p:cNvPr id="49" name="TextBox 48">
-            <a:extLst>
-              <a:ext uri="{FF2B5EF4-FFF2-40B4-BE49-F238E27FC236}">
-                <a16:creationId xmlns:a16="http://schemas.microsoft.com/office/drawing/2014/main" id="{71183FC1-4BF3-135E-D8CA-5215F085356B}"/>
-              </a:ext>
-            </a:extLst>
-          </p:cNvPr>
-          <p:cNvSpPr txBox="1"/>
-          <p:nvPr/>
-        </p:nvSpPr>
-        <p:spPr>
-          <a:xfrm>
-            <a:off x="6306293" y="5747003"/>
-            <a:ext cx="1915123" cy="338554"/>
-          </a:xfrm>
-          <a:prstGeom prst="rect">
-            <a:avLst/>
-          </a:prstGeom>
-          <a:noFill/>
-        </p:spPr>
-        <p:txBody>
-          <a:bodyPr wrap="square">
-            <a:spAutoFit/>
-          </a:bodyPr>
-          <a:lstStyle/>
-          <a:p>
-            <a:r>
-              <a:rPr lang="en-US" sz="1600" b="1" dirty="0"/>
-              <a:t>Mobile Devices</a:t>
-            </a:r>
-            <a:endParaRPr lang="en-SG" sz="1600" b="1" dirty="0"/>
-          </a:p>
-        </p:txBody>
-      </p:sp>
-      <p:sp>
-        <p:nvSpPr>
-          <p:cNvPr id="52" name="TextBox 51">
-            <a:extLst>
-              <a:ext uri="{FF2B5EF4-FFF2-40B4-BE49-F238E27FC236}">
-                <a16:creationId xmlns:a16="http://schemas.microsoft.com/office/drawing/2014/main" id="{73FDD60D-22D6-BE66-55DC-9325CE12ADD4}"/>
-              </a:ext>
-            </a:extLst>
-          </p:cNvPr>
-          <p:cNvSpPr txBox="1"/>
-          <p:nvPr/>
-        </p:nvSpPr>
-        <p:spPr>
-          <a:xfrm>
-            <a:off x="10141953" y="3464053"/>
-            <a:ext cx="1020291" cy="338554"/>
-          </a:xfrm>
-          <a:prstGeom prst="rect">
-            <a:avLst/>
-          </a:prstGeom>
-          <a:noFill/>
-        </p:spPr>
-        <p:txBody>
-          <a:bodyPr wrap="square">
-            <a:spAutoFit/>
-          </a:bodyPr>
-          <a:lstStyle/>
-          <a:p>
-            <a:r>
-              <a:rPr lang="en-US" sz="1600" b="1" dirty="0"/>
-              <a:t>User-01</a:t>
-            </a:r>
-            <a:endParaRPr lang="en-SG" sz="1600" b="1" dirty="0"/>
-          </a:p>
-        </p:txBody>
-      </p:sp>
-      <p:sp>
-        <p:nvSpPr>
-          <p:cNvPr id="53" name="TextBox 52">
-            <a:extLst>
-              <a:ext uri="{FF2B5EF4-FFF2-40B4-BE49-F238E27FC236}">
-                <a16:creationId xmlns:a16="http://schemas.microsoft.com/office/drawing/2014/main" id="{09DB719B-7469-915A-5A8A-928433EFE720}"/>
-              </a:ext>
-            </a:extLst>
-          </p:cNvPr>
-          <p:cNvSpPr txBox="1"/>
-          <p:nvPr/>
-        </p:nvSpPr>
-        <p:spPr>
-          <a:xfrm>
-            <a:off x="10161773" y="5152171"/>
-            <a:ext cx="1020291" cy="338554"/>
-          </a:xfrm>
-          <a:prstGeom prst="rect">
-            <a:avLst/>
-          </a:prstGeom>
-          <a:noFill/>
-        </p:spPr>
-        <p:txBody>
-          <a:bodyPr wrap="square">
-            <a:spAutoFit/>
-          </a:bodyPr>
-          <a:lstStyle/>
-          <a:p>
-            <a:r>
-              <a:rPr lang="en-US" sz="1600" b="1" dirty="0"/>
-              <a:t>User-02</a:t>
-            </a:r>
-            <a:endParaRPr lang="en-SG" sz="1600" b="1" dirty="0"/>
-          </a:p>
-        </p:txBody>
-      </p:sp>
-      <p:pic>
-        <p:nvPicPr>
-          <p:cNvPr id="56" name="Picture 55">
-            <a:extLst>
-              <a:ext uri="{FF2B5EF4-FFF2-40B4-BE49-F238E27FC236}">
-                <a16:creationId xmlns:a16="http://schemas.microsoft.com/office/drawing/2014/main" id="{68A7089A-10A3-E020-6736-5457B530AEE0}"/>
-              </a:ext>
-            </a:extLst>
-          </p:cNvPr>
-          <p:cNvPicPr>
-            <a:picLocks noChangeAspect="1"/>
-          </p:cNvPicPr>
-          <p:nvPr/>
-        </p:nvPicPr>
-        <p:blipFill>
-          <a:blip r:embed="rId11"/>
-          <a:stretch>
-            <a:fillRect/>
-          </a:stretch>
-        </p:blipFill>
-        <p:spPr>
-          <a:xfrm>
-            <a:off x="4359160" y="3101541"/>
-            <a:ext cx="446486" cy="437900"/>
-          </a:xfrm>
-          <a:prstGeom prst="rect">
-            <a:avLst/>
-          </a:prstGeom>
-        </p:spPr>
-      </p:pic>
-      <p:sp>
-        <p:nvSpPr>
-          <p:cNvPr id="57" name="TextBox 56">
-            <a:extLst>
-              <a:ext uri="{FF2B5EF4-FFF2-40B4-BE49-F238E27FC236}">
-                <a16:creationId xmlns:a16="http://schemas.microsoft.com/office/drawing/2014/main" id="{BCBD9A0D-0E1B-A66F-E136-A6EFA201F192}"/>
-              </a:ext>
-            </a:extLst>
-          </p:cNvPr>
-          <p:cNvSpPr txBox="1"/>
-          <p:nvPr/>
-        </p:nvSpPr>
-        <p:spPr>
-          <a:xfrm>
-            <a:off x="4491499" y="2820853"/>
-            <a:ext cx="1100985" cy="338554"/>
-          </a:xfrm>
-          <a:prstGeom prst="rect">
-            <a:avLst/>
-          </a:prstGeom>
-          <a:noFill/>
-        </p:spPr>
-        <p:txBody>
-          <a:bodyPr wrap="square">
-            <a:spAutoFit/>
-          </a:bodyPr>
-          <a:lstStyle/>
-          <a:p>
-            <a:r>
-              <a:rPr lang="en-US" sz="1600" b="1" dirty="0">
-                <a:solidFill>
-                  <a:schemeClr val="accent1"/>
-                </a:solidFill>
-              </a:rPr>
-              <a:t>Port:5000</a:t>
-            </a:r>
-            <a:endParaRPr lang="en-SG" sz="1600" b="1" dirty="0">
-              <a:solidFill>
-                <a:schemeClr val="accent1"/>
-              </a:solidFill>
-            </a:endParaRPr>
-          </a:p>
-        </p:txBody>
-      </p:sp>
-      <p:sp>
-        <p:nvSpPr>
-          <p:cNvPr id="58" name="TextBox 57">
-            <a:extLst>
-              <a:ext uri="{FF2B5EF4-FFF2-40B4-BE49-F238E27FC236}">
-                <a16:creationId xmlns:a16="http://schemas.microsoft.com/office/drawing/2014/main" id="{BF843EB4-2DE2-B361-C02F-1264007E2AB7}"/>
-              </a:ext>
-            </a:extLst>
-          </p:cNvPr>
-          <p:cNvSpPr txBox="1"/>
-          <p:nvPr/>
-        </p:nvSpPr>
-        <p:spPr>
-          <a:xfrm>
-            <a:off x="918465" y="691729"/>
-            <a:ext cx="8380793" cy="400110"/>
-          </a:xfrm>
-          <a:prstGeom prst="rect">
-            <a:avLst/>
-          </a:prstGeom>
-          <a:noFill/>
-        </p:spPr>
-        <p:txBody>
-          <a:bodyPr wrap="square">
-            <a:spAutoFit/>
-          </a:bodyPr>
-          <a:lstStyle/>
-          <a:p>
-            <a:r>
-              <a:rPr lang="en-US" sz="2000" b="1" dirty="0"/>
-              <a:t>Use Case Scenario 01: Secure Sharing on a Headless GPU Server</a:t>
-            </a:r>
-            <a:endParaRPr lang="en-SG" sz="2000" b="1" dirty="0"/>
-          </a:p>
-        </p:txBody>
-      </p:sp>
-      <p:sp>
-        <p:nvSpPr>
-          <p:cNvPr id="60" name="TextBox 59">
-            <a:extLst>
-              <a:ext uri="{FF2B5EF4-FFF2-40B4-BE49-F238E27FC236}">
-                <a16:creationId xmlns:a16="http://schemas.microsoft.com/office/drawing/2014/main" id="{AA8A9352-A724-DD77-AE33-98734000DFA0}"/>
-              </a:ext>
-            </a:extLst>
-          </p:cNvPr>
-          <p:cNvSpPr txBox="1"/>
-          <p:nvPr/>
-        </p:nvSpPr>
-        <p:spPr>
-          <a:xfrm>
-            <a:off x="4968185" y="5273187"/>
-            <a:ext cx="1100985" cy="338554"/>
-          </a:xfrm>
-          <a:prstGeom prst="rect">
-            <a:avLst/>
-          </a:prstGeom>
-          <a:noFill/>
-        </p:spPr>
-        <p:txBody>
-          <a:bodyPr wrap="square">
-            <a:spAutoFit/>
-          </a:bodyPr>
-          <a:lstStyle/>
-          <a:p>
-            <a:r>
-              <a:rPr lang="en-US" sz="1600" b="1" dirty="0">
-                <a:solidFill>
-                  <a:schemeClr val="bg1">
-                    <a:lumMod val="65000"/>
-                  </a:schemeClr>
-                </a:solidFill>
-              </a:rPr>
-              <a:t>Subnet</a:t>
-            </a:r>
-            <a:endParaRPr lang="en-SG" sz="1600" b="1" dirty="0">
-              <a:solidFill>
-                <a:schemeClr val="bg1">
-                  <a:lumMod val="65000"/>
-                </a:schemeClr>
-              </a:solidFill>
-            </a:endParaRPr>
-          </a:p>
-        </p:txBody>
-      </p:sp>
-      <p:cxnSp>
-        <p:nvCxnSpPr>
-          <p:cNvPr id="62" name="Straight Connector 61">
-            <a:extLst>
-              <a:ext uri="{FF2B5EF4-FFF2-40B4-BE49-F238E27FC236}">
-                <a16:creationId xmlns:a16="http://schemas.microsoft.com/office/drawing/2014/main" id="{EB4521A0-29CE-CA24-8646-650021006B21}"/>
-              </a:ext>
-            </a:extLst>
-          </p:cNvPr>
-          <p:cNvCxnSpPr>
-            <a:cxnSpLocks/>
-          </p:cNvCxnSpPr>
-          <p:nvPr/>
-        </p:nvCxnSpPr>
-        <p:spPr>
-          <a:xfrm>
-            <a:off x="5489878" y="2644805"/>
-            <a:ext cx="0" cy="2633217"/>
-          </a:xfrm>
-          <a:prstGeom prst="line">
-            <a:avLst/>
-          </a:prstGeom>
-          <a:ln>
-            <a:solidFill>
-              <a:schemeClr val="bg1">
-                <a:lumMod val="65000"/>
-              </a:schemeClr>
-            </a:solidFill>
-            <a:prstDash val="sysDash"/>
-          </a:ln>
-        </p:spPr>
-        <p:style>
-          <a:lnRef idx="2">
-            <a:schemeClr val="accent1"/>
-          </a:lnRef>
-          <a:fillRef idx="0">
-            <a:schemeClr val="accent1"/>
-          </a:fillRef>
-          <a:effectRef idx="1">
-            <a:schemeClr val="accent1"/>
-          </a:effectRef>
-          <a:fontRef idx="minor">
-            <a:schemeClr val="tx1"/>
-          </a:fontRef>
-        </p:style>
-      </p:cxnSp>
-      <p:pic>
-        <p:nvPicPr>
-          <p:cNvPr id="3" name="Picture 2">
-            <a:extLst>
-              <a:ext uri="{FF2B5EF4-FFF2-40B4-BE49-F238E27FC236}">
-                <a16:creationId xmlns:a16="http://schemas.microsoft.com/office/drawing/2014/main" id="{53A07F4F-42A4-41CF-03C4-77E7A35D1CE2}"/>
-              </a:ext>
-            </a:extLst>
-          </p:cNvPr>
-          <p:cNvPicPr>
-            <a:picLocks noChangeAspect="1"/>
-          </p:cNvPicPr>
-          <p:nvPr/>
-        </p:nvPicPr>
-        <p:blipFill>
-          <a:blip r:embed="rId12"/>
-          <a:stretch>
-            <a:fillRect/>
-          </a:stretch>
-        </p:blipFill>
-        <p:spPr>
-          <a:xfrm>
-            <a:off x="6210884" y="4383701"/>
-            <a:ext cx="934929" cy="1279652"/>
-          </a:xfrm>
-          <a:prstGeom prst="rect">
-            <a:avLst/>
-          </a:prstGeom>
-        </p:spPr>
-      </p:pic>
-      <p:pic>
-        <p:nvPicPr>
-          <p:cNvPr id="9" name="Picture 8">
-            <a:extLst>
-              <a:ext uri="{FF2B5EF4-FFF2-40B4-BE49-F238E27FC236}">
-                <a16:creationId xmlns:a16="http://schemas.microsoft.com/office/drawing/2014/main" id="{66F0BC38-CE55-0201-AFB3-0642EF76191C}"/>
-              </a:ext>
-            </a:extLst>
-          </p:cNvPr>
-          <p:cNvPicPr>
-            <a:picLocks noChangeAspect="1"/>
-          </p:cNvPicPr>
-          <p:nvPr/>
-        </p:nvPicPr>
-        <p:blipFill>
-          <a:blip r:embed="rId13"/>
-          <a:stretch>
-            <a:fillRect/>
-          </a:stretch>
-        </p:blipFill>
-        <p:spPr>
-          <a:xfrm>
-            <a:off x="7263855" y="4361468"/>
-            <a:ext cx="986732" cy="1301885"/>
-          </a:xfrm>
-          <a:prstGeom prst="rect">
-            <a:avLst/>
-          </a:prstGeom>
-        </p:spPr>
-      </p:pic>
-      <p:pic>
-        <p:nvPicPr>
-          <p:cNvPr id="13" name="Picture 12" descr="A screenshot of a text message&#10;&#10;AI-generated content may be incorrect.">
-            <a:extLst>
-              <a:ext uri="{FF2B5EF4-FFF2-40B4-BE49-F238E27FC236}">
-                <a16:creationId xmlns:a16="http://schemas.microsoft.com/office/drawing/2014/main" id="{0A229404-3D4D-33D8-FABD-2CEC97C6AA8D}"/>
-              </a:ext>
-            </a:extLst>
-          </p:cNvPr>
-          <p:cNvPicPr>
-            <a:picLocks noChangeAspect="1"/>
-          </p:cNvPicPr>
-          <p:nvPr/>
-        </p:nvPicPr>
-        <p:blipFill>
-          <a:blip r:embed="rId14">
-            <a:extLst>
-              <a:ext uri="{28A0092B-C50C-407E-A947-70E740481C1C}">
-                <a14:useLocalDpi xmlns:a14="http://schemas.microsoft.com/office/drawing/2010/main" val="0"/>
-              </a:ext>
-            </a:extLst>
-          </a:blip>
-          <a:stretch>
-            <a:fillRect/>
-          </a:stretch>
-        </p:blipFill>
-        <p:spPr>
-          <a:xfrm>
-            <a:off x="8899045" y="4243317"/>
-            <a:ext cx="799131" cy="1736777"/>
-          </a:xfrm>
-          <a:prstGeom prst="rect">
-            <a:avLst/>
-          </a:prstGeom>
-          <a:ln w="12700">
-            <a:solidFill>
-              <a:schemeClr val="tx1"/>
-            </a:solidFill>
-          </a:ln>
-        </p:spPr>
-      </p:pic>
-      <p:pic>
-        <p:nvPicPr>
-          <p:cNvPr id="16" name="Graphic 15" descr="Internet with solid fill">
-            <a:extLst>
-              <a:ext uri="{FF2B5EF4-FFF2-40B4-BE49-F238E27FC236}">
-                <a16:creationId xmlns:a16="http://schemas.microsoft.com/office/drawing/2014/main" id="{515EC125-7965-5DEA-A70A-E2DF2B475DF3}"/>
-              </a:ext>
-            </a:extLst>
-          </p:cNvPr>
-          <p:cNvPicPr>
-            <a:picLocks noChangeAspect="1"/>
-          </p:cNvPicPr>
-          <p:nvPr/>
-        </p:nvPicPr>
-        <p:blipFill>
-          <a:blip r:embed="rId15">
-            <a:extLst>
-              <a:ext uri="{96DAC541-7B7A-43D3-8B79-37D633B846F1}">
-                <asvg:svgBlip xmlns:asvg="http://schemas.microsoft.com/office/drawing/2016/SVG/main" r:embed="rId16"/>
-              </a:ext>
-            </a:extLst>
-          </a:blip>
-          <a:stretch>
-            <a:fillRect/>
-          </a:stretch>
-        </p:blipFill>
-        <p:spPr>
-          <a:xfrm>
-            <a:off x="6132227" y="2804368"/>
-            <a:ext cx="1262462" cy="1262462"/>
-          </a:xfrm>
-          <a:prstGeom prst="rect">
-            <a:avLst/>
-          </a:prstGeom>
-        </p:spPr>
-      </p:pic>
-      <p:cxnSp>
-        <p:nvCxnSpPr>
-          <p:cNvPr id="18" name="Straight Arrow Connector 17">
-            <a:extLst>
-              <a:ext uri="{FF2B5EF4-FFF2-40B4-BE49-F238E27FC236}">
-                <a16:creationId xmlns:a16="http://schemas.microsoft.com/office/drawing/2014/main" id="{0A88A293-1DD0-1D1D-DE10-55FB8A1E12FE}"/>
-              </a:ext>
-            </a:extLst>
-          </p:cNvPr>
-          <p:cNvCxnSpPr>
-            <a:cxnSpLocks/>
-          </p:cNvCxnSpPr>
-          <p:nvPr/>
-        </p:nvCxnSpPr>
-        <p:spPr>
-          <a:xfrm flipH="1">
-            <a:off x="7263854" y="3324636"/>
-            <a:ext cx="427934" cy="0"/>
-          </a:xfrm>
-          <a:prstGeom prst="straightConnector1">
-            <a:avLst/>
-          </a:prstGeom>
-          <a:ln>
-            <a:solidFill>
-              <a:schemeClr val="accent6">
-                <a:lumMod val="75000"/>
-              </a:schemeClr>
-            </a:solidFill>
-            <a:tailEnd type="triangle"/>
-          </a:ln>
-        </p:spPr>
-        <p:style>
-          <a:lnRef idx="2">
-            <a:schemeClr val="accent1"/>
-          </a:lnRef>
-          <a:fillRef idx="0">
-            <a:schemeClr val="accent1"/>
-          </a:fillRef>
-          <a:effectRef idx="1">
-            <a:schemeClr val="accent1"/>
-          </a:effectRef>
-          <a:fontRef idx="minor">
-            <a:schemeClr val="tx1"/>
-          </a:fontRef>
-        </p:style>
-      </p:cxnSp>
-      <p:cxnSp>
-        <p:nvCxnSpPr>
-          <p:cNvPr id="21" name="Straight Arrow Connector 20">
-            <a:extLst>
-              <a:ext uri="{FF2B5EF4-FFF2-40B4-BE49-F238E27FC236}">
-                <a16:creationId xmlns:a16="http://schemas.microsoft.com/office/drawing/2014/main" id="{8A93C433-A0C0-0172-D351-483092FF32B8}"/>
-              </a:ext>
-            </a:extLst>
-          </p:cNvPr>
-          <p:cNvCxnSpPr>
-            <a:cxnSpLocks/>
-          </p:cNvCxnSpPr>
-          <p:nvPr/>
-        </p:nvCxnSpPr>
-        <p:spPr>
-          <a:xfrm flipH="1">
-            <a:off x="9833220" y="4884439"/>
-            <a:ext cx="427934" cy="0"/>
-          </a:xfrm>
-          <a:prstGeom prst="straightConnector1">
-            <a:avLst/>
-          </a:prstGeom>
-          <a:ln>
-            <a:solidFill>
-              <a:schemeClr val="accent6">
-                <a:lumMod val="75000"/>
-              </a:schemeClr>
-            </a:solidFill>
-            <a:tailEnd type="triangle"/>
-          </a:ln>
-        </p:spPr>
-        <p:style>
-          <a:lnRef idx="2">
-            <a:schemeClr val="accent1"/>
-          </a:lnRef>
-          <a:fillRef idx="0">
-            <a:schemeClr val="accent1"/>
-          </a:fillRef>
-          <a:effectRef idx="1">
-            <a:schemeClr val="accent1"/>
-          </a:effectRef>
-          <a:fontRef idx="minor">
-            <a:schemeClr val="tx1"/>
-          </a:fontRef>
-        </p:style>
-      </p:cxnSp>
-      <p:cxnSp>
-        <p:nvCxnSpPr>
-          <p:cNvPr id="23" name="Straight Arrow Connector 22">
-            <a:extLst>
-              <a:ext uri="{FF2B5EF4-FFF2-40B4-BE49-F238E27FC236}">
-                <a16:creationId xmlns:a16="http://schemas.microsoft.com/office/drawing/2014/main" id="{CF1E3C1D-A572-F92C-121D-2180F3D79EEF}"/>
-              </a:ext>
-            </a:extLst>
-          </p:cNvPr>
-          <p:cNvCxnSpPr>
-            <a:cxnSpLocks/>
-          </p:cNvCxnSpPr>
-          <p:nvPr/>
-        </p:nvCxnSpPr>
-        <p:spPr>
-          <a:xfrm>
-            <a:off x="3865427" y="2820853"/>
-            <a:ext cx="0" cy="327580"/>
-          </a:xfrm>
-          <a:prstGeom prst="straightConnector1">
-            <a:avLst/>
-          </a:prstGeom>
-          <a:ln>
-            <a:solidFill>
-              <a:schemeClr val="accent2"/>
-            </a:solidFill>
-            <a:tailEnd type="triangle"/>
-          </a:ln>
-        </p:spPr>
-        <p:style>
-          <a:lnRef idx="2">
-            <a:schemeClr val="accent1"/>
-          </a:lnRef>
-          <a:fillRef idx="0">
-            <a:schemeClr val="accent1"/>
-          </a:fillRef>
-          <a:effectRef idx="1">
-            <a:schemeClr val="accent1"/>
-          </a:effectRef>
-          <a:fontRef idx="minor">
-            <a:schemeClr val="tx1"/>
-          </a:fontRef>
-        </p:style>
-      </p:cxnSp>
-      <p:sp>
-        <p:nvSpPr>
-          <p:cNvPr id="24" name="TextBox 23">
-            <a:extLst>
-              <a:ext uri="{FF2B5EF4-FFF2-40B4-BE49-F238E27FC236}">
-                <a16:creationId xmlns:a16="http://schemas.microsoft.com/office/drawing/2014/main" id="{0D9715CF-7E54-86EF-AD39-3D983201D189}"/>
-              </a:ext>
-            </a:extLst>
-          </p:cNvPr>
-          <p:cNvSpPr txBox="1"/>
-          <p:nvPr/>
-        </p:nvSpPr>
-        <p:spPr>
-          <a:xfrm>
-            <a:off x="1795538" y="2089450"/>
-            <a:ext cx="2426090" cy="738664"/>
-          </a:xfrm>
-          <a:prstGeom prst="rect">
-            <a:avLst/>
-          </a:prstGeom>
-          <a:noFill/>
-          <a:ln>
-            <a:solidFill>
-              <a:schemeClr val="accent2"/>
-            </a:solidFill>
-            <a:prstDash val="dash"/>
-          </a:ln>
-        </p:spPr>
-        <p:txBody>
-          <a:bodyPr wrap="square">
-            <a:spAutoFit/>
-          </a:bodyPr>
-          <a:lstStyle/>
-          <a:p>
-            <a:r>
-              <a:rPr lang="en-US" sz="1400" b="1" dirty="0">
-                <a:solidFill>
-                  <a:schemeClr val="accent2"/>
-                </a:solidFill>
-              </a:rPr>
-              <a:t>Add Customized request and response filter function in the wrapper program.</a:t>
-            </a:r>
-            <a:endParaRPr lang="en-SG" sz="1400" b="1" dirty="0">
-              <a:solidFill>
-                <a:schemeClr val="accent2"/>
-              </a:solidFill>
-            </a:endParaRPr>
-          </a:p>
-        </p:txBody>
-      </p:sp>
-      <p:cxnSp>
-        <p:nvCxnSpPr>
-          <p:cNvPr id="29" name="Straight Connector 28">
-            <a:extLst>
-              <a:ext uri="{FF2B5EF4-FFF2-40B4-BE49-F238E27FC236}">
-                <a16:creationId xmlns:a16="http://schemas.microsoft.com/office/drawing/2014/main" id="{E8537F2D-14E5-B513-7778-CC7BFFBBA4D8}"/>
-              </a:ext>
-            </a:extLst>
-          </p:cNvPr>
-          <p:cNvCxnSpPr>
-            <a:cxnSpLocks/>
-          </p:cNvCxnSpPr>
-          <p:nvPr/>
-        </p:nvCxnSpPr>
-        <p:spPr>
-          <a:xfrm>
-            <a:off x="3789733" y="3148433"/>
-            <a:ext cx="1887696" cy="0"/>
-          </a:xfrm>
-          <a:prstGeom prst="line">
-            <a:avLst/>
-          </a:prstGeom>
-        </p:spPr>
-        <p:style>
-          <a:lnRef idx="2">
-            <a:schemeClr val="accent1"/>
-          </a:lnRef>
-          <a:fillRef idx="0">
-            <a:schemeClr val="accent1"/>
-          </a:fillRef>
-          <a:effectRef idx="1">
-            <a:schemeClr val="accent1"/>
-          </a:effectRef>
-          <a:fontRef idx="minor">
-            <a:schemeClr val="tx1"/>
-          </a:fontRef>
-        </p:style>
-      </p:cxnSp>
-      <p:cxnSp>
-        <p:nvCxnSpPr>
-          <p:cNvPr id="34" name="Straight Arrow Connector 33">
-            <a:extLst>
-              <a:ext uri="{FF2B5EF4-FFF2-40B4-BE49-F238E27FC236}">
-                <a16:creationId xmlns:a16="http://schemas.microsoft.com/office/drawing/2014/main" id="{8BC619C4-3F2F-F941-5F13-620732C8EF3F}"/>
-              </a:ext>
-            </a:extLst>
-          </p:cNvPr>
-          <p:cNvCxnSpPr>
-            <a:cxnSpLocks/>
-          </p:cNvCxnSpPr>
-          <p:nvPr/>
-        </p:nvCxnSpPr>
-        <p:spPr>
-          <a:xfrm>
-            <a:off x="2438401" y="2820853"/>
-            <a:ext cx="0" cy="503783"/>
-          </a:xfrm>
-          <a:prstGeom prst="straightConnector1">
-            <a:avLst/>
-          </a:prstGeom>
-          <a:ln>
-            <a:solidFill>
-              <a:schemeClr val="accent2"/>
-            </a:solidFill>
-            <a:tailEnd type="triangle"/>
-          </a:ln>
-        </p:spPr>
-        <p:style>
-          <a:lnRef idx="2">
-            <a:schemeClr val="accent1"/>
-          </a:lnRef>
-          <a:fillRef idx="0">
-            <a:schemeClr val="accent1"/>
-          </a:fillRef>
-          <a:effectRef idx="1">
-            <a:schemeClr val="accent1"/>
-          </a:effectRef>
-          <a:fontRef idx="minor">
-            <a:schemeClr val="tx1"/>
-          </a:fontRef>
-        </p:style>
-      </p:cxnSp>
-      <p:cxnSp>
-        <p:nvCxnSpPr>
-          <p:cNvPr id="36" name="Connector: Elbow 35">
-            <a:extLst>
-              <a:ext uri="{FF2B5EF4-FFF2-40B4-BE49-F238E27FC236}">
-                <a16:creationId xmlns:a16="http://schemas.microsoft.com/office/drawing/2014/main" id="{F04FAC26-A872-3F52-21CB-33F20035B4BC}"/>
-              </a:ext>
-            </a:extLst>
-          </p:cNvPr>
-          <p:cNvCxnSpPr>
-            <a:cxnSpLocks/>
-            <a:endCxn id="45" idx="1"/>
-          </p:cNvCxnSpPr>
-          <p:nvPr/>
-        </p:nvCxnSpPr>
-        <p:spPr>
-          <a:xfrm rot="5400000" flipH="1" flipV="1">
-            <a:off x="5512667" y="2094847"/>
-            <a:ext cx="1215516" cy="885992"/>
-          </a:xfrm>
-          <a:prstGeom prst="bentConnector2">
-            <a:avLst/>
-          </a:prstGeom>
-          <a:ln>
-            <a:tailEnd type="triangle"/>
-          </a:ln>
-        </p:spPr>
-        <p:style>
-          <a:lnRef idx="2">
-            <a:schemeClr val="accent1"/>
-          </a:lnRef>
-          <a:fillRef idx="0">
-            <a:schemeClr val="accent1"/>
-          </a:fillRef>
-          <a:effectRef idx="1">
-            <a:schemeClr val="accent1"/>
-          </a:effectRef>
-          <a:fontRef idx="minor">
-            <a:schemeClr val="tx1"/>
-          </a:fontRef>
-        </p:style>
-      </p:cxnSp>
-      <p:pic>
-        <p:nvPicPr>
-          <p:cNvPr id="45" name="Graphic 44" descr="Vlog with solid fill">
-            <a:extLst>
-              <a:ext uri="{FF2B5EF4-FFF2-40B4-BE49-F238E27FC236}">
-                <a16:creationId xmlns:a16="http://schemas.microsoft.com/office/drawing/2014/main" id="{BA6E210E-CDDE-9518-DF24-B4697E730776}"/>
-              </a:ext>
-            </a:extLst>
-          </p:cNvPr>
-          <p:cNvPicPr>
-            <a:picLocks noChangeAspect="1"/>
-          </p:cNvPicPr>
-          <p:nvPr/>
-        </p:nvPicPr>
-        <p:blipFill>
-          <a:blip r:embed="rId17">
-            <a:extLst>
-              <a:ext uri="{96DAC541-7B7A-43D3-8B79-37D633B846F1}">
-                <asvg:svgBlip xmlns:asvg="http://schemas.microsoft.com/office/drawing/2016/SVG/main" r:embed="rId18"/>
-              </a:ext>
-            </a:extLst>
-          </a:blip>
-          <a:stretch>
-            <a:fillRect/>
-          </a:stretch>
-        </p:blipFill>
-        <p:spPr>
-          <a:xfrm>
-            <a:off x="6563421" y="1472885"/>
-            <a:ext cx="914400" cy="914400"/>
-          </a:xfrm>
-          <a:prstGeom prst="rect">
-            <a:avLst/>
-          </a:prstGeom>
-        </p:spPr>
-      </p:pic>
-      <p:sp>
-        <p:nvSpPr>
-          <p:cNvPr id="54" name="TextBox 53">
-            <a:extLst>
-              <a:ext uri="{FF2B5EF4-FFF2-40B4-BE49-F238E27FC236}">
-                <a16:creationId xmlns:a16="http://schemas.microsoft.com/office/drawing/2014/main" id="{478A0010-40C6-3748-E241-E9BB8BC15695}"/>
-              </a:ext>
-            </a:extLst>
-          </p:cNvPr>
-          <p:cNvSpPr txBox="1"/>
-          <p:nvPr/>
-        </p:nvSpPr>
-        <p:spPr>
-          <a:xfrm>
-            <a:off x="7968625" y="1456746"/>
-            <a:ext cx="2180354" cy="830997"/>
-          </a:xfrm>
-          <a:prstGeom prst="rect">
-            <a:avLst/>
-          </a:prstGeom>
-          <a:noFill/>
-        </p:spPr>
-        <p:txBody>
-          <a:bodyPr wrap="square">
-            <a:spAutoFit/>
-          </a:bodyPr>
-          <a:lstStyle/>
-          <a:p>
-            <a:r>
-              <a:rPr lang="en-US" sz="1600" b="1" dirty="0"/>
-              <a:t>Other Programs want to integrated with the </a:t>
-            </a:r>
-            <a:r>
-              <a:rPr lang="en-US" sz="1600" b="1" dirty="0" err="1"/>
-              <a:t>DeepSeek</a:t>
-            </a:r>
-            <a:r>
-              <a:rPr lang="en-US" sz="1600" b="1" dirty="0"/>
-              <a:t> model</a:t>
-            </a:r>
-            <a:endParaRPr lang="en-SG" sz="1600" b="1" dirty="0"/>
-          </a:p>
-        </p:txBody>
-      </p:sp>
-      <p:pic>
-        <p:nvPicPr>
-          <p:cNvPr id="11" name="Graphic 10" descr="Vlog with solid fill">
-            <a:extLst>
-              <a:ext uri="{FF2B5EF4-FFF2-40B4-BE49-F238E27FC236}">
-                <a16:creationId xmlns:a16="http://schemas.microsoft.com/office/drawing/2014/main" id="{A6EF6AF6-409C-1E29-2581-3EE589F9B73A}"/>
-              </a:ext>
-            </a:extLst>
-          </p:cNvPr>
-          <p:cNvPicPr>
-            <a:picLocks noChangeAspect="1"/>
-          </p:cNvPicPr>
-          <p:nvPr/>
-        </p:nvPicPr>
-        <p:blipFill>
-          <a:blip r:embed="rId17">
-            <a:extLst>
-              <a:ext uri="{96DAC541-7B7A-43D3-8B79-37D633B846F1}">
-                <asvg:svgBlip xmlns:asvg="http://schemas.microsoft.com/office/drawing/2016/SVG/main" r:embed="rId18"/>
-              </a:ext>
-            </a:extLst>
-          </a:blip>
-          <a:stretch>
-            <a:fillRect/>
-          </a:stretch>
-        </p:blipFill>
-        <p:spPr>
-          <a:xfrm>
-            <a:off x="7020621" y="1284422"/>
-            <a:ext cx="914400" cy="914400"/>
-          </a:xfrm>
-          <a:prstGeom prst="rect">
-            <a:avLst/>
-          </a:prstGeom>
-        </p:spPr>
-      </p:pic>
+              <a:rPr lang="en-US" sz="1400" b="1" dirty="0"/>
+              <a:t>User-2</a:t>
+            </a:r>
+            <a:endParaRPr lang="en-SG" sz="1400" b="1" dirty="0"/>
+          </a:p>
+        </p:txBody>
+      </p:sp>
     </p:spTree>
     <p:extLst>
       <p:ext uri="{BB962C8B-B14F-4D97-AF65-F5344CB8AC3E}">
-        <p14:creationId xmlns:p14="http://schemas.microsoft.com/office/powerpoint/2010/main" val="1220728401"/>
+        <p14:creationId xmlns:p14="http://schemas.microsoft.com/office/powerpoint/2010/main" val="1000277592"/>
       </p:ext>
     </p:extLst>
   </p:cSld>
@@ -5536,6 +6775,1754 @@
       </p:grpSpPr>
       <p:sp>
         <p:nvSpPr>
+          <p:cNvPr id="8" name="Rectangle 7">
+            <a:extLst>
+              <a:ext uri="{FF2B5EF4-FFF2-40B4-BE49-F238E27FC236}">
+                <a16:creationId xmlns:a16="http://schemas.microsoft.com/office/drawing/2014/main" id="{10C141AA-1B1E-9A3E-9C85-D2931AE142A1}"/>
+              </a:ext>
+            </a:extLst>
+          </p:cNvPr>
+          <p:cNvSpPr/>
+          <p:nvPr/>
+        </p:nvSpPr>
+        <p:spPr>
+          <a:xfrm>
+            <a:off x="2329131" y="4277063"/>
+            <a:ext cx="1981904" cy="1058360"/>
+          </a:xfrm>
+          <a:prstGeom prst="rect">
+            <a:avLst/>
+          </a:prstGeom>
+        </p:spPr>
+        <p:style>
+          <a:lnRef idx="2">
+            <a:schemeClr val="accent1">
+              <a:shade val="15000"/>
+            </a:schemeClr>
+          </a:lnRef>
+          <a:fillRef idx="1">
+            <a:schemeClr val="accent1"/>
+          </a:fillRef>
+          <a:effectRef idx="0">
+            <a:schemeClr val="accent1"/>
+          </a:effectRef>
+          <a:fontRef idx="minor">
+            <a:schemeClr val="lt1"/>
+          </a:fontRef>
+        </p:style>
+        <p:txBody>
+          <a:bodyPr rtlCol="0" anchor="ctr"/>
+          <a:lstStyle/>
+          <a:p>
+            <a:pPr algn="ctr"/>
+            <a:endParaRPr lang="en-SG"/>
+          </a:p>
+        </p:txBody>
+      </p:sp>
+      <p:sp>
+        <p:nvSpPr>
+          <p:cNvPr id="4" name="Rectangle 3">
+            <a:extLst>
+              <a:ext uri="{FF2B5EF4-FFF2-40B4-BE49-F238E27FC236}">
+                <a16:creationId xmlns:a16="http://schemas.microsoft.com/office/drawing/2014/main" id="{44245727-4B7F-CB7B-4CCF-8276CDB2BCCE}"/>
+              </a:ext>
+            </a:extLst>
+          </p:cNvPr>
+          <p:cNvSpPr/>
+          <p:nvPr/>
+        </p:nvSpPr>
+        <p:spPr>
+          <a:xfrm>
+            <a:off x="1019908" y="1736902"/>
+            <a:ext cx="3528646" cy="3771960"/>
+          </a:xfrm>
+          <a:prstGeom prst="rect">
+            <a:avLst/>
+          </a:prstGeom>
+          <a:noFill/>
+        </p:spPr>
+        <p:style>
+          <a:lnRef idx="2">
+            <a:schemeClr val="accent1">
+              <a:shade val="15000"/>
+            </a:schemeClr>
+          </a:lnRef>
+          <a:fillRef idx="1">
+            <a:schemeClr val="accent1"/>
+          </a:fillRef>
+          <a:effectRef idx="0">
+            <a:schemeClr val="accent1"/>
+          </a:effectRef>
+          <a:fontRef idx="minor">
+            <a:schemeClr val="lt1"/>
+          </a:fontRef>
+        </p:style>
+        <p:txBody>
+          <a:bodyPr rtlCol="0" anchor="ctr"/>
+          <a:lstStyle/>
+          <a:p>
+            <a:pPr algn="ctr"/>
+            <a:endParaRPr lang="en-SG"/>
+          </a:p>
+        </p:txBody>
+      </p:sp>
+      <p:pic>
+        <p:nvPicPr>
+          <p:cNvPr id="5" name="Picture 2" descr="DeepSeek Logo and symbol, meaning ...">
+            <a:extLst>
+              <a:ext uri="{FF2B5EF4-FFF2-40B4-BE49-F238E27FC236}">
+                <a16:creationId xmlns:a16="http://schemas.microsoft.com/office/drawing/2014/main" id="{8465B912-9F19-8C61-81A0-233B3E12B08D}"/>
+              </a:ext>
+            </a:extLst>
+          </p:cNvPr>
+          <p:cNvPicPr>
+            <a:picLocks noChangeAspect="1" noChangeArrowheads="1"/>
+          </p:cNvPicPr>
+          <p:nvPr/>
+        </p:nvPicPr>
+        <p:blipFill rotWithShape="1">
+          <a:blip r:embed="rId3">
+            <a:extLst>
+              <a:ext uri="{28A0092B-C50C-407E-A947-70E740481C1C}">
+                <a14:useLocalDpi xmlns:a14="http://schemas.microsoft.com/office/drawing/2010/main" val="0"/>
+              </a:ext>
+            </a:extLst>
+          </a:blip>
+          <a:srcRect t="17745" b="19385"/>
+          <a:stretch/>
+        </p:blipFill>
+        <p:spPr bwMode="auto">
+          <a:xfrm>
+            <a:off x="2478473" y="4466636"/>
+            <a:ext cx="1519097" cy="534829"/>
+          </a:xfrm>
+          <a:prstGeom prst="rect">
+            <a:avLst/>
+          </a:prstGeom>
+          <a:noFill/>
+          <a:ln w="19050">
+            <a:solidFill>
+              <a:schemeClr val="tx1"/>
+            </a:solidFill>
+          </a:ln>
+          <a:extLst>
+            <a:ext uri="{909E8E84-426E-40DD-AFC4-6F175D3DCCD1}">
+              <a14:hiddenFill xmlns:a14="http://schemas.microsoft.com/office/drawing/2010/main">
+                <a:solidFill>
+                  <a:srgbClr val="FFFFFF"/>
+                </a:solidFill>
+              </a14:hiddenFill>
+            </a:ext>
+          </a:extLst>
+        </p:spPr>
+      </p:pic>
+      <p:pic>
+        <p:nvPicPr>
+          <p:cNvPr id="6" name="Picture 6" descr="Run DeepSeek-R1 Locally for Free in Just 3 Minutes! - DEV Community">
+            <a:extLst>
+              <a:ext uri="{FF2B5EF4-FFF2-40B4-BE49-F238E27FC236}">
+                <a16:creationId xmlns:a16="http://schemas.microsoft.com/office/drawing/2014/main" id="{62C7F0C5-FCFE-6834-E51F-3125897B1371}"/>
+              </a:ext>
+            </a:extLst>
+          </p:cNvPr>
+          <p:cNvPicPr>
+            <a:picLocks noChangeAspect="1" noChangeArrowheads="1"/>
+          </p:cNvPicPr>
+          <p:nvPr/>
+        </p:nvPicPr>
+        <p:blipFill>
+          <a:blip r:embed="rId4">
+            <a:extLst>
+              <a:ext uri="{28A0092B-C50C-407E-A947-70E740481C1C}">
+                <a14:useLocalDpi xmlns:a14="http://schemas.microsoft.com/office/drawing/2010/main" val="0"/>
+              </a:ext>
+            </a:extLst>
+          </a:blip>
+          <a:srcRect/>
+          <a:stretch>
+            <a:fillRect/>
+          </a:stretch>
+        </p:blipFill>
+        <p:spPr bwMode="auto">
+          <a:xfrm>
+            <a:off x="2226681" y="3661184"/>
+            <a:ext cx="1683219" cy="580710"/>
+          </a:xfrm>
+          <a:prstGeom prst="rect">
+            <a:avLst/>
+          </a:prstGeom>
+          <a:noFill/>
+          <a:extLst>
+            <a:ext uri="{909E8E84-426E-40DD-AFC4-6F175D3DCCD1}">
+              <a14:hiddenFill xmlns:a14="http://schemas.microsoft.com/office/drawing/2010/main">
+                <a:solidFill>
+                  <a:srgbClr val="FFFFFF"/>
+                </a:solidFill>
+              </a14:hiddenFill>
+            </a:ext>
+          </a:extLst>
+        </p:spPr>
+      </p:pic>
+      <p:pic>
+        <p:nvPicPr>
+          <p:cNvPr id="10" name="Graphic 9" descr="Web design with solid fill">
+            <a:extLst>
+              <a:ext uri="{FF2B5EF4-FFF2-40B4-BE49-F238E27FC236}">
+                <a16:creationId xmlns:a16="http://schemas.microsoft.com/office/drawing/2014/main" id="{16F562A3-7E16-5C94-5542-E37B5303DAEE}"/>
+              </a:ext>
+            </a:extLst>
+          </p:cNvPr>
+          <p:cNvPicPr>
+            <a:picLocks noChangeAspect="1"/>
+          </p:cNvPicPr>
+          <p:nvPr/>
+        </p:nvPicPr>
+        <p:blipFill>
+          <a:blip r:embed="rId5">
+            <a:extLst>
+              <a:ext uri="{96DAC541-7B7A-43D3-8B79-37D633B846F1}">
+                <asvg:svgBlip xmlns:asvg="http://schemas.microsoft.com/office/drawing/2016/SVG/main" r:embed="rId6"/>
+              </a:ext>
+            </a:extLst>
+          </a:blip>
+          <a:stretch>
+            <a:fillRect/>
+          </a:stretch>
+        </p:blipFill>
+        <p:spPr>
+          <a:xfrm>
+            <a:off x="2949228" y="2902277"/>
+            <a:ext cx="853333" cy="853333"/>
+          </a:xfrm>
+          <a:prstGeom prst="rect">
+            <a:avLst/>
+          </a:prstGeom>
+        </p:spPr>
+      </p:pic>
+      <p:cxnSp>
+        <p:nvCxnSpPr>
+          <p:cNvPr id="12" name="Connector: Elbow 11">
+            <a:extLst>
+              <a:ext uri="{FF2B5EF4-FFF2-40B4-BE49-F238E27FC236}">
+                <a16:creationId xmlns:a16="http://schemas.microsoft.com/office/drawing/2014/main" id="{0B35482A-306B-36ED-989E-4509AD20FB4D}"/>
+              </a:ext>
+            </a:extLst>
+          </p:cNvPr>
+          <p:cNvCxnSpPr>
+            <a:cxnSpLocks/>
+            <a:stCxn id="10" idx="1"/>
+            <a:endCxn id="8" idx="1"/>
+          </p:cNvCxnSpPr>
+          <p:nvPr/>
+        </p:nvCxnSpPr>
+        <p:spPr>
+          <a:xfrm rot="10800000" flipV="1">
+            <a:off x="2329132" y="3328943"/>
+            <a:ext cx="620097" cy="1477299"/>
+          </a:xfrm>
+          <a:prstGeom prst="bentConnector3">
+            <a:avLst>
+              <a:gd name="adj1" fmla="val 261640"/>
+            </a:avLst>
+          </a:prstGeom>
+          <a:ln>
+            <a:tailEnd type="triangle"/>
+          </a:ln>
+        </p:spPr>
+        <p:style>
+          <a:lnRef idx="2">
+            <a:schemeClr val="accent6"/>
+          </a:lnRef>
+          <a:fillRef idx="0">
+            <a:schemeClr val="accent6"/>
+          </a:fillRef>
+          <a:effectRef idx="1">
+            <a:schemeClr val="accent6"/>
+          </a:effectRef>
+          <a:fontRef idx="minor">
+            <a:schemeClr val="tx1"/>
+          </a:fontRef>
+        </p:style>
+      </p:cxnSp>
+      <p:sp>
+        <p:nvSpPr>
+          <p:cNvPr id="15" name="TextBox 14">
+            <a:extLst>
+              <a:ext uri="{FF2B5EF4-FFF2-40B4-BE49-F238E27FC236}">
+                <a16:creationId xmlns:a16="http://schemas.microsoft.com/office/drawing/2014/main" id="{46DE04A1-31D2-712E-3FB7-F4276781B23C}"/>
+              </a:ext>
+            </a:extLst>
+          </p:cNvPr>
+          <p:cNvSpPr txBox="1"/>
+          <p:nvPr/>
+        </p:nvSpPr>
+        <p:spPr>
+          <a:xfrm>
+            <a:off x="2438401" y="5032038"/>
+            <a:ext cx="1763364" cy="338554"/>
+          </a:xfrm>
+          <a:prstGeom prst="rect">
+            <a:avLst/>
+          </a:prstGeom>
+          <a:noFill/>
+        </p:spPr>
+        <p:txBody>
+          <a:bodyPr wrap="square">
+            <a:spAutoFit/>
+          </a:bodyPr>
+          <a:lstStyle/>
+          <a:p>
+            <a:r>
+              <a:rPr lang="en-US" sz="1600" b="1" dirty="0">
+                <a:solidFill>
+                  <a:schemeClr val="bg1"/>
+                </a:solidFill>
+              </a:rPr>
+              <a:t>DeepSeek-R1:7B</a:t>
+            </a:r>
+            <a:endParaRPr lang="en-SG" sz="1600" b="1" dirty="0">
+              <a:solidFill>
+                <a:schemeClr val="bg1"/>
+              </a:solidFill>
+            </a:endParaRPr>
+          </a:p>
+        </p:txBody>
+      </p:sp>
+      <p:sp>
+        <p:nvSpPr>
+          <p:cNvPr id="17" name="TextBox 16">
+            <a:extLst>
+              <a:ext uri="{FF2B5EF4-FFF2-40B4-BE49-F238E27FC236}">
+                <a16:creationId xmlns:a16="http://schemas.microsoft.com/office/drawing/2014/main" id="{3619F22A-D542-20BB-2729-4CC367A03820}"/>
+              </a:ext>
+            </a:extLst>
+          </p:cNvPr>
+          <p:cNvSpPr txBox="1"/>
+          <p:nvPr/>
+        </p:nvSpPr>
+        <p:spPr>
+          <a:xfrm>
+            <a:off x="1349903" y="3588762"/>
+            <a:ext cx="976142" cy="584775"/>
+          </a:xfrm>
+          <a:prstGeom prst="rect">
+            <a:avLst/>
+          </a:prstGeom>
+          <a:noFill/>
+        </p:spPr>
+        <p:txBody>
+          <a:bodyPr wrap="square">
+            <a:spAutoFit/>
+          </a:bodyPr>
+          <a:lstStyle/>
+          <a:p>
+            <a:r>
+              <a:rPr lang="en-US" sz="1600" b="1" dirty="0" err="1">
+                <a:solidFill>
+                  <a:schemeClr val="accent3"/>
+                </a:solidFill>
+              </a:rPr>
+              <a:t>Ollama</a:t>
+            </a:r>
+            <a:r>
+              <a:rPr lang="en-US" sz="1600" b="1" dirty="0">
+                <a:solidFill>
+                  <a:schemeClr val="accent3"/>
+                </a:solidFill>
+              </a:rPr>
+              <a:t> API Call</a:t>
+            </a:r>
+            <a:endParaRPr lang="en-SG" sz="1600" b="1" dirty="0">
+              <a:solidFill>
+                <a:schemeClr val="accent3"/>
+              </a:solidFill>
+            </a:endParaRPr>
+          </a:p>
+        </p:txBody>
+      </p:sp>
+      <p:pic>
+        <p:nvPicPr>
+          <p:cNvPr id="19" name="Picture 18">
+            <a:extLst>
+              <a:ext uri="{FF2B5EF4-FFF2-40B4-BE49-F238E27FC236}">
+                <a16:creationId xmlns:a16="http://schemas.microsoft.com/office/drawing/2014/main" id="{7803E5F4-308E-C02F-1F3D-223FEC3183B6}"/>
+              </a:ext>
+            </a:extLst>
+          </p:cNvPr>
+          <p:cNvPicPr>
+            <a:picLocks noChangeAspect="1"/>
+          </p:cNvPicPr>
+          <p:nvPr/>
+        </p:nvPicPr>
+        <p:blipFill>
+          <a:blip r:embed="rId7"/>
+          <a:stretch>
+            <a:fillRect/>
+          </a:stretch>
+        </p:blipFill>
+        <p:spPr>
+          <a:xfrm>
+            <a:off x="1091442" y="4884439"/>
+            <a:ext cx="561512" cy="558025"/>
+          </a:xfrm>
+          <a:prstGeom prst="rect">
+            <a:avLst/>
+          </a:prstGeom>
+        </p:spPr>
+      </p:pic>
+      <p:sp>
+        <p:nvSpPr>
+          <p:cNvPr id="20" name="TextBox 19">
+            <a:extLst>
+              <a:ext uri="{FF2B5EF4-FFF2-40B4-BE49-F238E27FC236}">
+                <a16:creationId xmlns:a16="http://schemas.microsoft.com/office/drawing/2014/main" id="{68406485-6934-D322-9D41-5AAD3733F6BB}"/>
+              </a:ext>
+            </a:extLst>
+          </p:cNvPr>
+          <p:cNvSpPr txBox="1"/>
+          <p:nvPr/>
+        </p:nvSpPr>
+        <p:spPr>
+          <a:xfrm>
+            <a:off x="1018365" y="1727683"/>
+            <a:ext cx="3435480" cy="338554"/>
+          </a:xfrm>
+          <a:prstGeom prst="rect">
+            <a:avLst/>
+          </a:prstGeom>
+          <a:noFill/>
+        </p:spPr>
+        <p:txBody>
+          <a:bodyPr wrap="square">
+            <a:spAutoFit/>
+          </a:bodyPr>
+          <a:lstStyle/>
+          <a:p>
+            <a:r>
+              <a:rPr lang="en-US" sz="1600" b="1" dirty="0"/>
+              <a:t>GPU Server or A Gaming Laptop </a:t>
+            </a:r>
+            <a:endParaRPr lang="en-SG" sz="1600" b="1" dirty="0"/>
+          </a:p>
+        </p:txBody>
+      </p:sp>
+      <p:cxnSp>
+        <p:nvCxnSpPr>
+          <p:cNvPr id="22" name="Straight Arrow Connector 21">
+            <a:extLst>
+              <a:ext uri="{FF2B5EF4-FFF2-40B4-BE49-F238E27FC236}">
+                <a16:creationId xmlns:a16="http://schemas.microsoft.com/office/drawing/2014/main" id="{842E9740-7500-ABF3-7F27-E60050CA4D9F}"/>
+              </a:ext>
+            </a:extLst>
+          </p:cNvPr>
+          <p:cNvCxnSpPr>
+            <a:cxnSpLocks/>
+          </p:cNvCxnSpPr>
+          <p:nvPr/>
+        </p:nvCxnSpPr>
+        <p:spPr>
+          <a:xfrm flipV="1">
+            <a:off x="3802561" y="3328943"/>
+            <a:ext cx="2242516" cy="0"/>
+          </a:xfrm>
+          <a:prstGeom prst="straightConnector1">
+            <a:avLst/>
+          </a:prstGeom>
+          <a:ln>
+            <a:solidFill>
+              <a:schemeClr val="accent6">
+                <a:lumMod val="75000"/>
+              </a:schemeClr>
+            </a:solidFill>
+            <a:tailEnd type="triangle"/>
+          </a:ln>
+        </p:spPr>
+        <p:style>
+          <a:lnRef idx="2">
+            <a:schemeClr val="accent1"/>
+          </a:lnRef>
+          <a:fillRef idx="0">
+            <a:schemeClr val="accent1"/>
+          </a:fillRef>
+          <a:effectRef idx="1">
+            <a:schemeClr val="accent1"/>
+          </a:effectRef>
+          <a:fontRef idx="minor">
+            <a:schemeClr val="tx1"/>
+          </a:fontRef>
+        </p:style>
+      </p:cxnSp>
+      <p:sp>
+        <p:nvSpPr>
+          <p:cNvPr id="26" name="TextBox 25">
+            <a:extLst>
+              <a:ext uri="{FF2B5EF4-FFF2-40B4-BE49-F238E27FC236}">
+                <a16:creationId xmlns:a16="http://schemas.microsoft.com/office/drawing/2014/main" id="{BEA54CC4-F0D5-57FD-3AA9-A0C6C02319A9}"/>
+              </a:ext>
+            </a:extLst>
+          </p:cNvPr>
+          <p:cNvSpPr txBox="1"/>
+          <p:nvPr/>
+        </p:nvSpPr>
+        <p:spPr>
+          <a:xfrm>
+            <a:off x="2874938" y="3586333"/>
+            <a:ext cx="1675159" cy="338554"/>
+          </a:xfrm>
+          <a:prstGeom prst="rect">
+            <a:avLst/>
+          </a:prstGeom>
+          <a:noFill/>
+        </p:spPr>
+        <p:txBody>
+          <a:bodyPr wrap="square">
+            <a:spAutoFit/>
+          </a:bodyPr>
+          <a:lstStyle/>
+          <a:p>
+            <a:r>
+              <a:rPr lang="en-US" sz="1600" b="1" dirty="0">
+                <a:solidFill>
+                  <a:schemeClr val="accent3"/>
+                </a:solidFill>
+              </a:rPr>
+              <a:t>Flask Web Host</a:t>
+            </a:r>
+            <a:endParaRPr lang="en-SG" sz="1600" b="1" dirty="0">
+              <a:solidFill>
+                <a:schemeClr val="accent3"/>
+              </a:solidFill>
+            </a:endParaRPr>
+          </a:p>
+        </p:txBody>
+      </p:sp>
+      <p:pic>
+        <p:nvPicPr>
+          <p:cNvPr id="28" name="Picture 27" descr="A screenshot of a chat&#10;&#10;AI-generated content may be incorrect.">
+            <a:extLst>
+              <a:ext uri="{FF2B5EF4-FFF2-40B4-BE49-F238E27FC236}">
+                <a16:creationId xmlns:a16="http://schemas.microsoft.com/office/drawing/2014/main" id="{46EA2907-2CFC-2460-4D77-FBBC69409009}"/>
+              </a:ext>
+            </a:extLst>
+          </p:cNvPr>
+          <p:cNvPicPr>
+            <a:picLocks noChangeAspect="1"/>
+          </p:cNvPicPr>
+          <p:nvPr/>
+        </p:nvPicPr>
+        <p:blipFill>
+          <a:blip r:embed="rId8">
+            <a:extLst>
+              <a:ext uri="{28A0092B-C50C-407E-A947-70E740481C1C}">
+                <a14:useLocalDpi xmlns:a14="http://schemas.microsoft.com/office/drawing/2010/main" val="0"/>
+              </a:ext>
+            </a:extLst>
+          </a:blip>
+          <a:stretch>
+            <a:fillRect/>
+          </a:stretch>
+        </p:blipFill>
+        <p:spPr>
+          <a:xfrm>
+            <a:off x="7778210" y="2750643"/>
+            <a:ext cx="2055010" cy="1046000"/>
+          </a:xfrm>
+          <a:prstGeom prst="rect">
+            <a:avLst/>
+          </a:prstGeom>
+          <a:ln>
+            <a:solidFill>
+              <a:schemeClr val="accent1"/>
+            </a:solidFill>
+          </a:ln>
+        </p:spPr>
+      </p:pic>
+      <p:cxnSp>
+        <p:nvCxnSpPr>
+          <p:cNvPr id="31" name="Connector: Elbow 30">
+            <a:extLst>
+              <a:ext uri="{FF2B5EF4-FFF2-40B4-BE49-F238E27FC236}">
+                <a16:creationId xmlns:a16="http://schemas.microsoft.com/office/drawing/2014/main" id="{0664E86D-042C-25D6-CFA8-D2AC3F8E8826}"/>
+              </a:ext>
+            </a:extLst>
+          </p:cNvPr>
+          <p:cNvCxnSpPr>
+            <a:cxnSpLocks/>
+          </p:cNvCxnSpPr>
+          <p:nvPr/>
+        </p:nvCxnSpPr>
+        <p:spPr>
+          <a:xfrm rot="16200000" flipH="1">
+            <a:off x="5156267" y="3968482"/>
+            <a:ext cx="1488810" cy="446486"/>
+          </a:xfrm>
+          <a:prstGeom prst="bentConnector2">
+            <a:avLst/>
+          </a:prstGeom>
+          <a:ln>
+            <a:tailEnd type="triangle"/>
+          </a:ln>
+        </p:spPr>
+        <p:style>
+          <a:lnRef idx="2">
+            <a:schemeClr val="accent1"/>
+          </a:lnRef>
+          <a:fillRef idx="0">
+            <a:schemeClr val="accent1"/>
+          </a:fillRef>
+          <a:effectRef idx="1">
+            <a:schemeClr val="accent1"/>
+          </a:effectRef>
+          <a:fontRef idx="minor">
+            <a:schemeClr val="tx1"/>
+          </a:fontRef>
+        </p:style>
+      </p:cxnSp>
+      <p:cxnSp>
+        <p:nvCxnSpPr>
+          <p:cNvPr id="37" name="Straight Connector 36">
+            <a:extLst>
+              <a:ext uri="{FF2B5EF4-FFF2-40B4-BE49-F238E27FC236}">
+                <a16:creationId xmlns:a16="http://schemas.microsoft.com/office/drawing/2014/main" id="{D223957F-A123-3644-2D3D-8AE005971460}"/>
+              </a:ext>
+            </a:extLst>
+          </p:cNvPr>
+          <p:cNvCxnSpPr>
+            <a:cxnSpLocks/>
+          </p:cNvCxnSpPr>
+          <p:nvPr/>
+        </p:nvCxnSpPr>
+        <p:spPr>
+          <a:xfrm>
+            <a:off x="3802561" y="3457379"/>
+            <a:ext cx="1887696" cy="0"/>
+          </a:xfrm>
+          <a:prstGeom prst="line">
+            <a:avLst/>
+          </a:prstGeom>
+        </p:spPr>
+        <p:style>
+          <a:lnRef idx="2">
+            <a:schemeClr val="accent1"/>
+          </a:lnRef>
+          <a:fillRef idx="0">
+            <a:schemeClr val="accent1"/>
+          </a:fillRef>
+          <a:effectRef idx="1">
+            <a:schemeClr val="accent1"/>
+          </a:effectRef>
+          <a:fontRef idx="minor">
+            <a:schemeClr val="tx1"/>
+          </a:fontRef>
+        </p:style>
+      </p:cxnSp>
+      <p:pic>
+        <p:nvPicPr>
+          <p:cNvPr id="43" name="Graphic 42" descr="User with solid fill">
+            <a:extLst>
+              <a:ext uri="{FF2B5EF4-FFF2-40B4-BE49-F238E27FC236}">
+                <a16:creationId xmlns:a16="http://schemas.microsoft.com/office/drawing/2014/main" id="{499A320A-CEDB-7BA8-A9CF-D8C1D7CCB5B5}"/>
+              </a:ext>
+            </a:extLst>
+          </p:cNvPr>
+          <p:cNvPicPr>
+            <a:picLocks noChangeAspect="1"/>
+          </p:cNvPicPr>
+          <p:nvPr/>
+        </p:nvPicPr>
+        <p:blipFill>
+          <a:blip r:embed="rId9">
+            <a:extLst>
+              <a:ext uri="{96DAC541-7B7A-43D3-8B79-37D633B846F1}">
+                <asvg:svgBlip xmlns:asvg="http://schemas.microsoft.com/office/drawing/2016/SVG/main" r:embed="rId10"/>
+              </a:ext>
+            </a:extLst>
+          </a:blip>
+          <a:stretch>
+            <a:fillRect/>
+          </a:stretch>
+        </p:blipFill>
+        <p:spPr>
+          <a:xfrm>
+            <a:off x="10265843" y="2855931"/>
+            <a:ext cx="683583" cy="683583"/>
+          </a:xfrm>
+          <a:prstGeom prst="rect">
+            <a:avLst/>
+          </a:prstGeom>
+        </p:spPr>
+      </p:pic>
+      <p:cxnSp>
+        <p:nvCxnSpPr>
+          <p:cNvPr id="44" name="Straight Arrow Connector 43">
+            <a:extLst>
+              <a:ext uri="{FF2B5EF4-FFF2-40B4-BE49-F238E27FC236}">
+                <a16:creationId xmlns:a16="http://schemas.microsoft.com/office/drawing/2014/main" id="{48ED7219-040D-FF5D-37CC-6A751CFFB6E6}"/>
+              </a:ext>
+            </a:extLst>
+          </p:cNvPr>
+          <p:cNvCxnSpPr>
+            <a:cxnSpLocks/>
+          </p:cNvCxnSpPr>
+          <p:nvPr/>
+        </p:nvCxnSpPr>
+        <p:spPr>
+          <a:xfrm flipH="1">
+            <a:off x="9882372" y="3324636"/>
+            <a:ext cx="427934" cy="0"/>
+          </a:xfrm>
+          <a:prstGeom prst="straightConnector1">
+            <a:avLst/>
+          </a:prstGeom>
+          <a:ln>
+            <a:solidFill>
+              <a:schemeClr val="accent6">
+                <a:lumMod val="75000"/>
+              </a:schemeClr>
+            </a:solidFill>
+            <a:tailEnd type="triangle"/>
+          </a:ln>
+        </p:spPr>
+        <p:style>
+          <a:lnRef idx="2">
+            <a:schemeClr val="accent1"/>
+          </a:lnRef>
+          <a:fillRef idx="0">
+            <a:schemeClr val="accent1"/>
+          </a:fillRef>
+          <a:effectRef idx="1">
+            <a:schemeClr val="accent1"/>
+          </a:effectRef>
+          <a:fontRef idx="minor">
+            <a:schemeClr val="tx1"/>
+          </a:fontRef>
+        </p:style>
+      </p:cxnSp>
+      <p:cxnSp>
+        <p:nvCxnSpPr>
+          <p:cNvPr id="46" name="Straight Arrow Connector 45">
+            <a:extLst>
+              <a:ext uri="{FF2B5EF4-FFF2-40B4-BE49-F238E27FC236}">
+                <a16:creationId xmlns:a16="http://schemas.microsoft.com/office/drawing/2014/main" id="{469AFFA5-066E-5963-ACEE-73302A297F31}"/>
+              </a:ext>
+            </a:extLst>
+          </p:cNvPr>
+          <p:cNvCxnSpPr>
+            <a:cxnSpLocks/>
+          </p:cNvCxnSpPr>
+          <p:nvPr/>
+        </p:nvCxnSpPr>
+        <p:spPr>
+          <a:xfrm flipH="1">
+            <a:off x="8316702" y="4946574"/>
+            <a:ext cx="427934" cy="0"/>
+          </a:xfrm>
+          <a:prstGeom prst="straightConnector1">
+            <a:avLst/>
+          </a:prstGeom>
+          <a:ln>
+            <a:solidFill>
+              <a:schemeClr val="accent6">
+                <a:lumMod val="75000"/>
+              </a:schemeClr>
+            </a:solidFill>
+            <a:tailEnd type="triangle"/>
+          </a:ln>
+        </p:spPr>
+        <p:style>
+          <a:lnRef idx="2">
+            <a:schemeClr val="accent1"/>
+          </a:lnRef>
+          <a:fillRef idx="0">
+            <a:schemeClr val="accent1"/>
+          </a:fillRef>
+          <a:effectRef idx="1">
+            <a:schemeClr val="accent1"/>
+          </a:effectRef>
+          <a:fontRef idx="minor">
+            <a:schemeClr val="tx1"/>
+          </a:fontRef>
+        </p:style>
+      </p:cxnSp>
+      <p:pic>
+        <p:nvPicPr>
+          <p:cNvPr id="47" name="Graphic 46" descr="User with solid fill">
+            <a:extLst>
+              <a:ext uri="{FF2B5EF4-FFF2-40B4-BE49-F238E27FC236}">
+                <a16:creationId xmlns:a16="http://schemas.microsoft.com/office/drawing/2014/main" id="{E90628E9-87DD-A366-A0EB-6FC14F8E14C9}"/>
+              </a:ext>
+            </a:extLst>
+          </p:cNvPr>
+          <p:cNvPicPr>
+            <a:picLocks noChangeAspect="1"/>
+          </p:cNvPicPr>
+          <p:nvPr/>
+        </p:nvPicPr>
+        <p:blipFill>
+          <a:blip r:embed="rId9">
+            <a:extLst>
+              <a:ext uri="{96DAC541-7B7A-43D3-8B79-37D633B846F1}">
+                <asvg:svgBlip xmlns:asvg="http://schemas.microsoft.com/office/drawing/2016/SVG/main" r:embed="rId10"/>
+              </a:ext>
+            </a:extLst>
+          </a:blip>
+          <a:stretch>
+            <a:fillRect/>
+          </a:stretch>
+        </p:blipFill>
+        <p:spPr>
+          <a:xfrm>
+            <a:off x="10310306" y="4410729"/>
+            <a:ext cx="683583" cy="683583"/>
+          </a:xfrm>
+          <a:prstGeom prst="rect">
+            <a:avLst/>
+          </a:prstGeom>
+        </p:spPr>
+      </p:pic>
+      <p:sp>
+        <p:nvSpPr>
+          <p:cNvPr id="48" name="TextBox 47">
+            <a:extLst>
+              <a:ext uri="{FF2B5EF4-FFF2-40B4-BE49-F238E27FC236}">
+                <a16:creationId xmlns:a16="http://schemas.microsoft.com/office/drawing/2014/main" id="{D38E1E40-9CC1-C9C0-2918-A7CE8D17903E}"/>
+              </a:ext>
+            </a:extLst>
+          </p:cNvPr>
+          <p:cNvSpPr txBox="1"/>
+          <p:nvPr/>
+        </p:nvSpPr>
+        <p:spPr>
+          <a:xfrm>
+            <a:off x="5900672" y="3888503"/>
+            <a:ext cx="2089189" cy="338554"/>
+          </a:xfrm>
+          <a:prstGeom prst="rect">
+            <a:avLst/>
+          </a:prstGeom>
+          <a:noFill/>
+        </p:spPr>
+        <p:txBody>
+          <a:bodyPr wrap="square">
+            <a:spAutoFit/>
+          </a:bodyPr>
+          <a:lstStyle/>
+          <a:p>
+            <a:r>
+              <a:rPr lang="en-US" sz="1600" b="1" dirty="0"/>
+              <a:t>Laptop without GPU</a:t>
+            </a:r>
+            <a:endParaRPr lang="en-SG" sz="1600" b="1" dirty="0"/>
+          </a:p>
+        </p:txBody>
+      </p:sp>
+      <p:sp>
+        <p:nvSpPr>
+          <p:cNvPr id="49" name="TextBox 48">
+            <a:extLst>
+              <a:ext uri="{FF2B5EF4-FFF2-40B4-BE49-F238E27FC236}">
+                <a16:creationId xmlns:a16="http://schemas.microsoft.com/office/drawing/2014/main" id="{71183FC1-4BF3-135E-D8CA-5215F085356B}"/>
+              </a:ext>
+            </a:extLst>
+          </p:cNvPr>
+          <p:cNvSpPr txBox="1"/>
+          <p:nvPr/>
+        </p:nvSpPr>
+        <p:spPr>
+          <a:xfrm>
+            <a:off x="6306293" y="5747003"/>
+            <a:ext cx="1915123" cy="338554"/>
+          </a:xfrm>
+          <a:prstGeom prst="rect">
+            <a:avLst/>
+          </a:prstGeom>
+          <a:noFill/>
+        </p:spPr>
+        <p:txBody>
+          <a:bodyPr wrap="square">
+            <a:spAutoFit/>
+          </a:bodyPr>
+          <a:lstStyle/>
+          <a:p>
+            <a:r>
+              <a:rPr lang="en-US" sz="1600" b="1" dirty="0"/>
+              <a:t>Mobile Devices</a:t>
+            </a:r>
+            <a:endParaRPr lang="en-SG" sz="1600" b="1" dirty="0"/>
+          </a:p>
+        </p:txBody>
+      </p:sp>
+      <p:sp>
+        <p:nvSpPr>
+          <p:cNvPr id="52" name="TextBox 51">
+            <a:extLst>
+              <a:ext uri="{FF2B5EF4-FFF2-40B4-BE49-F238E27FC236}">
+                <a16:creationId xmlns:a16="http://schemas.microsoft.com/office/drawing/2014/main" id="{73FDD60D-22D6-BE66-55DC-9325CE12ADD4}"/>
+              </a:ext>
+            </a:extLst>
+          </p:cNvPr>
+          <p:cNvSpPr txBox="1"/>
+          <p:nvPr/>
+        </p:nvSpPr>
+        <p:spPr>
+          <a:xfrm>
+            <a:off x="10141953" y="3464053"/>
+            <a:ext cx="1020291" cy="338554"/>
+          </a:xfrm>
+          <a:prstGeom prst="rect">
+            <a:avLst/>
+          </a:prstGeom>
+          <a:noFill/>
+        </p:spPr>
+        <p:txBody>
+          <a:bodyPr wrap="square">
+            <a:spAutoFit/>
+          </a:bodyPr>
+          <a:lstStyle/>
+          <a:p>
+            <a:r>
+              <a:rPr lang="en-US" sz="1600" b="1" dirty="0"/>
+              <a:t>User-01</a:t>
+            </a:r>
+            <a:endParaRPr lang="en-SG" sz="1600" b="1" dirty="0"/>
+          </a:p>
+        </p:txBody>
+      </p:sp>
+      <p:sp>
+        <p:nvSpPr>
+          <p:cNvPr id="53" name="TextBox 52">
+            <a:extLst>
+              <a:ext uri="{FF2B5EF4-FFF2-40B4-BE49-F238E27FC236}">
+                <a16:creationId xmlns:a16="http://schemas.microsoft.com/office/drawing/2014/main" id="{09DB719B-7469-915A-5A8A-928433EFE720}"/>
+              </a:ext>
+            </a:extLst>
+          </p:cNvPr>
+          <p:cNvSpPr txBox="1"/>
+          <p:nvPr/>
+        </p:nvSpPr>
+        <p:spPr>
+          <a:xfrm>
+            <a:off x="10161773" y="5152171"/>
+            <a:ext cx="1020291" cy="338554"/>
+          </a:xfrm>
+          <a:prstGeom prst="rect">
+            <a:avLst/>
+          </a:prstGeom>
+          <a:noFill/>
+        </p:spPr>
+        <p:txBody>
+          <a:bodyPr wrap="square">
+            <a:spAutoFit/>
+          </a:bodyPr>
+          <a:lstStyle/>
+          <a:p>
+            <a:r>
+              <a:rPr lang="en-US" sz="1600" b="1" dirty="0"/>
+              <a:t>User-02</a:t>
+            </a:r>
+            <a:endParaRPr lang="en-SG" sz="1600" b="1" dirty="0"/>
+          </a:p>
+        </p:txBody>
+      </p:sp>
+      <p:pic>
+        <p:nvPicPr>
+          <p:cNvPr id="56" name="Picture 55">
+            <a:extLst>
+              <a:ext uri="{FF2B5EF4-FFF2-40B4-BE49-F238E27FC236}">
+                <a16:creationId xmlns:a16="http://schemas.microsoft.com/office/drawing/2014/main" id="{68A7089A-10A3-E020-6736-5457B530AEE0}"/>
+              </a:ext>
+            </a:extLst>
+          </p:cNvPr>
+          <p:cNvPicPr>
+            <a:picLocks noChangeAspect="1"/>
+          </p:cNvPicPr>
+          <p:nvPr/>
+        </p:nvPicPr>
+        <p:blipFill>
+          <a:blip r:embed="rId11"/>
+          <a:stretch>
+            <a:fillRect/>
+          </a:stretch>
+        </p:blipFill>
+        <p:spPr>
+          <a:xfrm>
+            <a:off x="4359160" y="3101541"/>
+            <a:ext cx="446486" cy="437900"/>
+          </a:xfrm>
+          <a:prstGeom prst="rect">
+            <a:avLst/>
+          </a:prstGeom>
+        </p:spPr>
+      </p:pic>
+      <p:sp>
+        <p:nvSpPr>
+          <p:cNvPr id="57" name="TextBox 56">
+            <a:extLst>
+              <a:ext uri="{FF2B5EF4-FFF2-40B4-BE49-F238E27FC236}">
+                <a16:creationId xmlns:a16="http://schemas.microsoft.com/office/drawing/2014/main" id="{BCBD9A0D-0E1B-A66F-E136-A6EFA201F192}"/>
+              </a:ext>
+            </a:extLst>
+          </p:cNvPr>
+          <p:cNvSpPr txBox="1"/>
+          <p:nvPr/>
+        </p:nvSpPr>
+        <p:spPr>
+          <a:xfrm>
+            <a:off x="4491499" y="2820853"/>
+            <a:ext cx="1100985" cy="338554"/>
+          </a:xfrm>
+          <a:prstGeom prst="rect">
+            <a:avLst/>
+          </a:prstGeom>
+          <a:noFill/>
+        </p:spPr>
+        <p:txBody>
+          <a:bodyPr wrap="square">
+            <a:spAutoFit/>
+          </a:bodyPr>
+          <a:lstStyle/>
+          <a:p>
+            <a:r>
+              <a:rPr lang="en-US" sz="1600" b="1" dirty="0">
+                <a:solidFill>
+                  <a:schemeClr val="accent1"/>
+                </a:solidFill>
+              </a:rPr>
+              <a:t>Port:5000</a:t>
+            </a:r>
+            <a:endParaRPr lang="en-SG" sz="1600" b="1" dirty="0">
+              <a:solidFill>
+                <a:schemeClr val="accent1"/>
+              </a:solidFill>
+            </a:endParaRPr>
+          </a:p>
+        </p:txBody>
+      </p:sp>
+      <p:sp>
+        <p:nvSpPr>
+          <p:cNvPr id="58" name="TextBox 57">
+            <a:extLst>
+              <a:ext uri="{FF2B5EF4-FFF2-40B4-BE49-F238E27FC236}">
+                <a16:creationId xmlns:a16="http://schemas.microsoft.com/office/drawing/2014/main" id="{BF843EB4-2DE2-B361-C02F-1264007E2AB7}"/>
+              </a:ext>
+            </a:extLst>
+          </p:cNvPr>
+          <p:cNvSpPr txBox="1"/>
+          <p:nvPr/>
+        </p:nvSpPr>
+        <p:spPr>
+          <a:xfrm>
+            <a:off x="918465" y="691729"/>
+            <a:ext cx="8380793" cy="400110"/>
+          </a:xfrm>
+          <a:prstGeom prst="rect">
+            <a:avLst/>
+          </a:prstGeom>
+          <a:noFill/>
+        </p:spPr>
+        <p:txBody>
+          <a:bodyPr wrap="square">
+            <a:spAutoFit/>
+          </a:bodyPr>
+          <a:lstStyle/>
+          <a:p>
+            <a:r>
+              <a:rPr lang="en-US" sz="2000" b="1" dirty="0"/>
+              <a:t>Use Case Scenario 01: Secure Sharing on a Headless GPU Server</a:t>
+            </a:r>
+            <a:endParaRPr lang="en-SG" sz="2000" b="1" dirty="0"/>
+          </a:p>
+        </p:txBody>
+      </p:sp>
+      <p:sp>
+        <p:nvSpPr>
+          <p:cNvPr id="60" name="TextBox 59">
+            <a:extLst>
+              <a:ext uri="{FF2B5EF4-FFF2-40B4-BE49-F238E27FC236}">
+                <a16:creationId xmlns:a16="http://schemas.microsoft.com/office/drawing/2014/main" id="{AA8A9352-A724-DD77-AE33-98734000DFA0}"/>
+              </a:ext>
+            </a:extLst>
+          </p:cNvPr>
+          <p:cNvSpPr txBox="1"/>
+          <p:nvPr/>
+        </p:nvSpPr>
+        <p:spPr>
+          <a:xfrm>
+            <a:off x="4968185" y="5273187"/>
+            <a:ext cx="1100985" cy="338554"/>
+          </a:xfrm>
+          <a:prstGeom prst="rect">
+            <a:avLst/>
+          </a:prstGeom>
+          <a:noFill/>
+        </p:spPr>
+        <p:txBody>
+          <a:bodyPr wrap="square">
+            <a:spAutoFit/>
+          </a:bodyPr>
+          <a:lstStyle/>
+          <a:p>
+            <a:r>
+              <a:rPr lang="en-US" sz="1600" b="1" dirty="0">
+                <a:solidFill>
+                  <a:schemeClr val="bg1">
+                    <a:lumMod val="65000"/>
+                  </a:schemeClr>
+                </a:solidFill>
+              </a:rPr>
+              <a:t>Subnet</a:t>
+            </a:r>
+            <a:endParaRPr lang="en-SG" sz="1600" b="1" dirty="0">
+              <a:solidFill>
+                <a:schemeClr val="bg1">
+                  <a:lumMod val="65000"/>
+                </a:schemeClr>
+              </a:solidFill>
+            </a:endParaRPr>
+          </a:p>
+        </p:txBody>
+      </p:sp>
+      <p:cxnSp>
+        <p:nvCxnSpPr>
+          <p:cNvPr id="62" name="Straight Connector 61">
+            <a:extLst>
+              <a:ext uri="{FF2B5EF4-FFF2-40B4-BE49-F238E27FC236}">
+                <a16:creationId xmlns:a16="http://schemas.microsoft.com/office/drawing/2014/main" id="{EB4521A0-29CE-CA24-8646-650021006B21}"/>
+              </a:ext>
+            </a:extLst>
+          </p:cNvPr>
+          <p:cNvCxnSpPr>
+            <a:cxnSpLocks/>
+          </p:cNvCxnSpPr>
+          <p:nvPr/>
+        </p:nvCxnSpPr>
+        <p:spPr>
+          <a:xfrm>
+            <a:off x="5489878" y="2644805"/>
+            <a:ext cx="0" cy="2633217"/>
+          </a:xfrm>
+          <a:prstGeom prst="line">
+            <a:avLst/>
+          </a:prstGeom>
+          <a:ln>
+            <a:solidFill>
+              <a:schemeClr val="bg1">
+                <a:lumMod val="65000"/>
+              </a:schemeClr>
+            </a:solidFill>
+            <a:prstDash val="sysDash"/>
+          </a:ln>
+        </p:spPr>
+        <p:style>
+          <a:lnRef idx="2">
+            <a:schemeClr val="accent1"/>
+          </a:lnRef>
+          <a:fillRef idx="0">
+            <a:schemeClr val="accent1"/>
+          </a:fillRef>
+          <a:effectRef idx="1">
+            <a:schemeClr val="accent1"/>
+          </a:effectRef>
+          <a:fontRef idx="minor">
+            <a:schemeClr val="tx1"/>
+          </a:fontRef>
+        </p:style>
+      </p:cxnSp>
+      <p:pic>
+        <p:nvPicPr>
+          <p:cNvPr id="3" name="Picture 2">
+            <a:extLst>
+              <a:ext uri="{FF2B5EF4-FFF2-40B4-BE49-F238E27FC236}">
+                <a16:creationId xmlns:a16="http://schemas.microsoft.com/office/drawing/2014/main" id="{53A07F4F-42A4-41CF-03C4-77E7A35D1CE2}"/>
+              </a:ext>
+            </a:extLst>
+          </p:cNvPr>
+          <p:cNvPicPr>
+            <a:picLocks noChangeAspect="1"/>
+          </p:cNvPicPr>
+          <p:nvPr/>
+        </p:nvPicPr>
+        <p:blipFill>
+          <a:blip r:embed="rId12"/>
+          <a:stretch>
+            <a:fillRect/>
+          </a:stretch>
+        </p:blipFill>
+        <p:spPr>
+          <a:xfrm>
+            <a:off x="6210884" y="4383701"/>
+            <a:ext cx="934929" cy="1279652"/>
+          </a:xfrm>
+          <a:prstGeom prst="rect">
+            <a:avLst/>
+          </a:prstGeom>
+        </p:spPr>
+      </p:pic>
+      <p:pic>
+        <p:nvPicPr>
+          <p:cNvPr id="9" name="Picture 8">
+            <a:extLst>
+              <a:ext uri="{FF2B5EF4-FFF2-40B4-BE49-F238E27FC236}">
+                <a16:creationId xmlns:a16="http://schemas.microsoft.com/office/drawing/2014/main" id="{66F0BC38-CE55-0201-AFB3-0642EF76191C}"/>
+              </a:ext>
+            </a:extLst>
+          </p:cNvPr>
+          <p:cNvPicPr>
+            <a:picLocks noChangeAspect="1"/>
+          </p:cNvPicPr>
+          <p:nvPr/>
+        </p:nvPicPr>
+        <p:blipFill>
+          <a:blip r:embed="rId13"/>
+          <a:stretch>
+            <a:fillRect/>
+          </a:stretch>
+        </p:blipFill>
+        <p:spPr>
+          <a:xfrm>
+            <a:off x="7263855" y="4361468"/>
+            <a:ext cx="986732" cy="1301885"/>
+          </a:xfrm>
+          <a:prstGeom prst="rect">
+            <a:avLst/>
+          </a:prstGeom>
+        </p:spPr>
+      </p:pic>
+      <p:pic>
+        <p:nvPicPr>
+          <p:cNvPr id="13" name="Picture 12" descr="A screenshot of a text message&#10;&#10;AI-generated content may be incorrect.">
+            <a:extLst>
+              <a:ext uri="{FF2B5EF4-FFF2-40B4-BE49-F238E27FC236}">
+                <a16:creationId xmlns:a16="http://schemas.microsoft.com/office/drawing/2014/main" id="{0A229404-3D4D-33D8-FABD-2CEC97C6AA8D}"/>
+              </a:ext>
+            </a:extLst>
+          </p:cNvPr>
+          <p:cNvPicPr>
+            <a:picLocks noChangeAspect="1"/>
+          </p:cNvPicPr>
+          <p:nvPr/>
+        </p:nvPicPr>
+        <p:blipFill>
+          <a:blip r:embed="rId14">
+            <a:extLst>
+              <a:ext uri="{28A0092B-C50C-407E-A947-70E740481C1C}">
+                <a14:useLocalDpi xmlns:a14="http://schemas.microsoft.com/office/drawing/2010/main" val="0"/>
+              </a:ext>
+            </a:extLst>
+          </a:blip>
+          <a:stretch>
+            <a:fillRect/>
+          </a:stretch>
+        </p:blipFill>
+        <p:spPr>
+          <a:xfrm>
+            <a:off x="8899045" y="4243317"/>
+            <a:ext cx="799131" cy="1736777"/>
+          </a:xfrm>
+          <a:prstGeom prst="rect">
+            <a:avLst/>
+          </a:prstGeom>
+          <a:ln w="12700">
+            <a:solidFill>
+              <a:schemeClr val="tx1"/>
+            </a:solidFill>
+          </a:ln>
+        </p:spPr>
+      </p:pic>
+      <p:pic>
+        <p:nvPicPr>
+          <p:cNvPr id="16" name="Graphic 15" descr="Internet with solid fill">
+            <a:extLst>
+              <a:ext uri="{FF2B5EF4-FFF2-40B4-BE49-F238E27FC236}">
+                <a16:creationId xmlns:a16="http://schemas.microsoft.com/office/drawing/2014/main" id="{515EC125-7965-5DEA-A70A-E2DF2B475DF3}"/>
+              </a:ext>
+            </a:extLst>
+          </p:cNvPr>
+          <p:cNvPicPr>
+            <a:picLocks noChangeAspect="1"/>
+          </p:cNvPicPr>
+          <p:nvPr/>
+        </p:nvPicPr>
+        <p:blipFill>
+          <a:blip r:embed="rId15">
+            <a:extLst>
+              <a:ext uri="{96DAC541-7B7A-43D3-8B79-37D633B846F1}">
+                <asvg:svgBlip xmlns:asvg="http://schemas.microsoft.com/office/drawing/2016/SVG/main" r:embed="rId16"/>
+              </a:ext>
+            </a:extLst>
+          </a:blip>
+          <a:stretch>
+            <a:fillRect/>
+          </a:stretch>
+        </p:blipFill>
+        <p:spPr>
+          <a:xfrm>
+            <a:off x="6132227" y="2804368"/>
+            <a:ext cx="1262462" cy="1262462"/>
+          </a:xfrm>
+          <a:prstGeom prst="rect">
+            <a:avLst/>
+          </a:prstGeom>
+        </p:spPr>
+      </p:pic>
+      <p:cxnSp>
+        <p:nvCxnSpPr>
+          <p:cNvPr id="18" name="Straight Arrow Connector 17">
+            <a:extLst>
+              <a:ext uri="{FF2B5EF4-FFF2-40B4-BE49-F238E27FC236}">
+                <a16:creationId xmlns:a16="http://schemas.microsoft.com/office/drawing/2014/main" id="{0A88A293-1DD0-1D1D-DE10-55FB8A1E12FE}"/>
+              </a:ext>
+            </a:extLst>
+          </p:cNvPr>
+          <p:cNvCxnSpPr>
+            <a:cxnSpLocks/>
+          </p:cNvCxnSpPr>
+          <p:nvPr/>
+        </p:nvCxnSpPr>
+        <p:spPr>
+          <a:xfrm flipH="1">
+            <a:off x="7263854" y="3324636"/>
+            <a:ext cx="427934" cy="0"/>
+          </a:xfrm>
+          <a:prstGeom prst="straightConnector1">
+            <a:avLst/>
+          </a:prstGeom>
+          <a:ln>
+            <a:solidFill>
+              <a:schemeClr val="accent6">
+                <a:lumMod val="75000"/>
+              </a:schemeClr>
+            </a:solidFill>
+            <a:tailEnd type="triangle"/>
+          </a:ln>
+        </p:spPr>
+        <p:style>
+          <a:lnRef idx="2">
+            <a:schemeClr val="accent1"/>
+          </a:lnRef>
+          <a:fillRef idx="0">
+            <a:schemeClr val="accent1"/>
+          </a:fillRef>
+          <a:effectRef idx="1">
+            <a:schemeClr val="accent1"/>
+          </a:effectRef>
+          <a:fontRef idx="minor">
+            <a:schemeClr val="tx1"/>
+          </a:fontRef>
+        </p:style>
+      </p:cxnSp>
+      <p:cxnSp>
+        <p:nvCxnSpPr>
+          <p:cNvPr id="21" name="Straight Arrow Connector 20">
+            <a:extLst>
+              <a:ext uri="{FF2B5EF4-FFF2-40B4-BE49-F238E27FC236}">
+                <a16:creationId xmlns:a16="http://schemas.microsoft.com/office/drawing/2014/main" id="{8A93C433-A0C0-0172-D351-483092FF32B8}"/>
+              </a:ext>
+            </a:extLst>
+          </p:cNvPr>
+          <p:cNvCxnSpPr>
+            <a:cxnSpLocks/>
+          </p:cNvCxnSpPr>
+          <p:nvPr/>
+        </p:nvCxnSpPr>
+        <p:spPr>
+          <a:xfrm flipH="1">
+            <a:off x="9833220" y="4884439"/>
+            <a:ext cx="427934" cy="0"/>
+          </a:xfrm>
+          <a:prstGeom prst="straightConnector1">
+            <a:avLst/>
+          </a:prstGeom>
+          <a:ln>
+            <a:solidFill>
+              <a:schemeClr val="accent6">
+                <a:lumMod val="75000"/>
+              </a:schemeClr>
+            </a:solidFill>
+            <a:tailEnd type="triangle"/>
+          </a:ln>
+        </p:spPr>
+        <p:style>
+          <a:lnRef idx="2">
+            <a:schemeClr val="accent1"/>
+          </a:lnRef>
+          <a:fillRef idx="0">
+            <a:schemeClr val="accent1"/>
+          </a:fillRef>
+          <a:effectRef idx="1">
+            <a:schemeClr val="accent1"/>
+          </a:effectRef>
+          <a:fontRef idx="minor">
+            <a:schemeClr val="tx1"/>
+          </a:fontRef>
+        </p:style>
+      </p:cxnSp>
+      <p:cxnSp>
+        <p:nvCxnSpPr>
+          <p:cNvPr id="23" name="Straight Arrow Connector 22">
+            <a:extLst>
+              <a:ext uri="{FF2B5EF4-FFF2-40B4-BE49-F238E27FC236}">
+                <a16:creationId xmlns:a16="http://schemas.microsoft.com/office/drawing/2014/main" id="{CF1E3C1D-A572-F92C-121D-2180F3D79EEF}"/>
+              </a:ext>
+            </a:extLst>
+          </p:cNvPr>
+          <p:cNvCxnSpPr>
+            <a:cxnSpLocks/>
+          </p:cNvCxnSpPr>
+          <p:nvPr/>
+        </p:nvCxnSpPr>
+        <p:spPr>
+          <a:xfrm>
+            <a:off x="3865427" y="2820853"/>
+            <a:ext cx="0" cy="327580"/>
+          </a:xfrm>
+          <a:prstGeom prst="straightConnector1">
+            <a:avLst/>
+          </a:prstGeom>
+          <a:ln>
+            <a:solidFill>
+              <a:schemeClr val="accent2"/>
+            </a:solidFill>
+            <a:tailEnd type="triangle"/>
+          </a:ln>
+        </p:spPr>
+        <p:style>
+          <a:lnRef idx="2">
+            <a:schemeClr val="accent1"/>
+          </a:lnRef>
+          <a:fillRef idx="0">
+            <a:schemeClr val="accent1"/>
+          </a:fillRef>
+          <a:effectRef idx="1">
+            <a:schemeClr val="accent1"/>
+          </a:effectRef>
+          <a:fontRef idx="minor">
+            <a:schemeClr val="tx1"/>
+          </a:fontRef>
+        </p:style>
+      </p:cxnSp>
+      <p:sp>
+        <p:nvSpPr>
+          <p:cNvPr id="24" name="TextBox 23">
+            <a:extLst>
+              <a:ext uri="{FF2B5EF4-FFF2-40B4-BE49-F238E27FC236}">
+                <a16:creationId xmlns:a16="http://schemas.microsoft.com/office/drawing/2014/main" id="{0D9715CF-7E54-86EF-AD39-3D983201D189}"/>
+              </a:ext>
+            </a:extLst>
+          </p:cNvPr>
+          <p:cNvSpPr txBox="1"/>
+          <p:nvPr/>
+        </p:nvSpPr>
+        <p:spPr>
+          <a:xfrm>
+            <a:off x="1795538" y="2089450"/>
+            <a:ext cx="2426090" cy="738664"/>
+          </a:xfrm>
+          <a:prstGeom prst="rect">
+            <a:avLst/>
+          </a:prstGeom>
+          <a:noFill/>
+          <a:ln>
+            <a:solidFill>
+              <a:schemeClr val="accent2"/>
+            </a:solidFill>
+            <a:prstDash val="dash"/>
+          </a:ln>
+        </p:spPr>
+        <p:txBody>
+          <a:bodyPr wrap="square">
+            <a:spAutoFit/>
+          </a:bodyPr>
+          <a:lstStyle/>
+          <a:p>
+            <a:r>
+              <a:rPr lang="en-US" sz="1400" b="1" dirty="0">
+                <a:solidFill>
+                  <a:schemeClr val="accent2"/>
+                </a:solidFill>
+              </a:rPr>
+              <a:t>Add Customized request and response filter function in the wrapper program.</a:t>
+            </a:r>
+            <a:endParaRPr lang="en-SG" sz="1400" b="1" dirty="0">
+              <a:solidFill>
+                <a:schemeClr val="accent2"/>
+              </a:solidFill>
+            </a:endParaRPr>
+          </a:p>
+        </p:txBody>
+      </p:sp>
+      <p:cxnSp>
+        <p:nvCxnSpPr>
+          <p:cNvPr id="29" name="Straight Connector 28">
+            <a:extLst>
+              <a:ext uri="{FF2B5EF4-FFF2-40B4-BE49-F238E27FC236}">
+                <a16:creationId xmlns:a16="http://schemas.microsoft.com/office/drawing/2014/main" id="{E8537F2D-14E5-B513-7778-CC7BFFBBA4D8}"/>
+              </a:ext>
+            </a:extLst>
+          </p:cNvPr>
+          <p:cNvCxnSpPr>
+            <a:cxnSpLocks/>
+          </p:cNvCxnSpPr>
+          <p:nvPr/>
+        </p:nvCxnSpPr>
+        <p:spPr>
+          <a:xfrm>
+            <a:off x="3789733" y="3148433"/>
+            <a:ext cx="1887696" cy="0"/>
+          </a:xfrm>
+          <a:prstGeom prst="line">
+            <a:avLst/>
+          </a:prstGeom>
+        </p:spPr>
+        <p:style>
+          <a:lnRef idx="2">
+            <a:schemeClr val="accent1"/>
+          </a:lnRef>
+          <a:fillRef idx="0">
+            <a:schemeClr val="accent1"/>
+          </a:fillRef>
+          <a:effectRef idx="1">
+            <a:schemeClr val="accent1"/>
+          </a:effectRef>
+          <a:fontRef idx="minor">
+            <a:schemeClr val="tx1"/>
+          </a:fontRef>
+        </p:style>
+      </p:cxnSp>
+      <p:cxnSp>
+        <p:nvCxnSpPr>
+          <p:cNvPr id="34" name="Straight Arrow Connector 33">
+            <a:extLst>
+              <a:ext uri="{FF2B5EF4-FFF2-40B4-BE49-F238E27FC236}">
+                <a16:creationId xmlns:a16="http://schemas.microsoft.com/office/drawing/2014/main" id="{8BC619C4-3F2F-F941-5F13-620732C8EF3F}"/>
+              </a:ext>
+            </a:extLst>
+          </p:cNvPr>
+          <p:cNvCxnSpPr>
+            <a:cxnSpLocks/>
+          </p:cNvCxnSpPr>
+          <p:nvPr/>
+        </p:nvCxnSpPr>
+        <p:spPr>
+          <a:xfrm>
+            <a:off x="2438401" y="2820853"/>
+            <a:ext cx="0" cy="503783"/>
+          </a:xfrm>
+          <a:prstGeom prst="straightConnector1">
+            <a:avLst/>
+          </a:prstGeom>
+          <a:ln>
+            <a:solidFill>
+              <a:schemeClr val="accent2"/>
+            </a:solidFill>
+            <a:tailEnd type="triangle"/>
+          </a:ln>
+        </p:spPr>
+        <p:style>
+          <a:lnRef idx="2">
+            <a:schemeClr val="accent1"/>
+          </a:lnRef>
+          <a:fillRef idx="0">
+            <a:schemeClr val="accent1"/>
+          </a:fillRef>
+          <a:effectRef idx="1">
+            <a:schemeClr val="accent1"/>
+          </a:effectRef>
+          <a:fontRef idx="minor">
+            <a:schemeClr val="tx1"/>
+          </a:fontRef>
+        </p:style>
+      </p:cxnSp>
+      <p:cxnSp>
+        <p:nvCxnSpPr>
+          <p:cNvPr id="36" name="Connector: Elbow 35">
+            <a:extLst>
+              <a:ext uri="{FF2B5EF4-FFF2-40B4-BE49-F238E27FC236}">
+                <a16:creationId xmlns:a16="http://schemas.microsoft.com/office/drawing/2014/main" id="{F04FAC26-A872-3F52-21CB-33F20035B4BC}"/>
+              </a:ext>
+            </a:extLst>
+          </p:cNvPr>
+          <p:cNvCxnSpPr>
+            <a:cxnSpLocks/>
+            <a:endCxn id="45" idx="1"/>
+          </p:cNvCxnSpPr>
+          <p:nvPr/>
+        </p:nvCxnSpPr>
+        <p:spPr>
+          <a:xfrm rot="5400000" flipH="1" flipV="1">
+            <a:off x="5512667" y="2094847"/>
+            <a:ext cx="1215516" cy="885992"/>
+          </a:xfrm>
+          <a:prstGeom prst="bentConnector2">
+            <a:avLst/>
+          </a:prstGeom>
+          <a:ln>
+            <a:tailEnd type="triangle"/>
+          </a:ln>
+        </p:spPr>
+        <p:style>
+          <a:lnRef idx="2">
+            <a:schemeClr val="accent1"/>
+          </a:lnRef>
+          <a:fillRef idx="0">
+            <a:schemeClr val="accent1"/>
+          </a:fillRef>
+          <a:effectRef idx="1">
+            <a:schemeClr val="accent1"/>
+          </a:effectRef>
+          <a:fontRef idx="minor">
+            <a:schemeClr val="tx1"/>
+          </a:fontRef>
+        </p:style>
+      </p:cxnSp>
+      <p:pic>
+        <p:nvPicPr>
+          <p:cNvPr id="45" name="Graphic 44" descr="Vlog with solid fill">
+            <a:extLst>
+              <a:ext uri="{FF2B5EF4-FFF2-40B4-BE49-F238E27FC236}">
+                <a16:creationId xmlns:a16="http://schemas.microsoft.com/office/drawing/2014/main" id="{BA6E210E-CDDE-9518-DF24-B4697E730776}"/>
+              </a:ext>
+            </a:extLst>
+          </p:cNvPr>
+          <p:cNvPicPr>
+            <a:picLocks noChangeAspect="1"/>
+          </p:cNvPicPr>
+          <p:nvPr/>
+        </p:nvPicPr>
+        <p:blipFill>
+          <a:blip r:embed="rId17">
+            <a:extLst>
+              <a:ext uri="{96DAC541-7B7A-43D3-8B79-37D633B846F1}">
+                <asvg:svgBlip xmlns:asvg="http://schemas.microsoft.com/office/drawing/2016/SVG/main" r:embed="rId18"/>
+              </a:ext>
+            </a:extLst>
+          </a:blip>
+          <a:stretch>
+            <a:fillRect/>
+          </a:stretch>
+        </p:blipFill>
+        <p:spPr>
+          <a:xfrm>
+            <a:off x="6563421" y="1472885"/>
+            <a:ext cx="914400" cy="914400"/>
+          </a:xfrm>
+          <a:prstGeom prst="rect">
+            <a:avLst/>
+          </a:prstGeom>
+        </p:spPr>
+      </p:pic>
+      <p:sp>
+        <p:nvSpPr>
+          <p:cNvPr id="54" name="TextBox 53">
+            <a:extLst>
+              <a:ext uri="{FF2B5EF4-FFF2-40B4-BE49-F238E27FC236}">
+                <a16:creationId xmlns:a16="http://schemas.microsoft.com/office/drawing/2014/main" id="{478A0010-40C6-3748-E241-E9BB8BC15695}"/>
+              </a:ext>
+            </a:extLst>
+          </p:cNvPr>
+          <p:cNvSpPr txBox="1"/>
+          <p:nvPr/>
+        </p:nvSpPr>
+        <p:spPr>
+          <a:xfrm>
+            <a:off x="7968625" y="1456746"/>
+            <a:ext cx="2180354" cy="830997"/>
+          </a:xfrm>
+          <a:prstGeom prst="rect">
+            <a:avLst/>
+          </a:prstGeom>
+          <a:noFill/>
+        </p:spPr>
+        <p:txBody>
+          <a:bodyPr wrap="square">
+            <a:spAutoFit/>
+          </a:bodyPr>
+          <a:lstStyle/>
+          <a:p>
+            <a:r>
+              <a:rPr lang="en-US" sz="1600" b="1" dirty="0"/>
+              <a:t>Other Programs want to integrated with the </a:t>
+            </a:r>
+            <a:r>
+              <a:rPr lang="en-US" sz="1600" b="1" dirty="0" err="1"/>
+              <a:t>DeepSeek</a:t>
+            </a:r>
+            <a:r>
+              <a:rPr lang="en-US" sz="1600" b="1" dirty="0"/>
+              <a:t> model</a:t>
+            </a:r>
+            <a:endParaRPr lang="en-SG" sz="1600" b="1" dirty="0"/>
+          </a:p>
+        </p:txBody>
+      </p:sp>
+      <p:pic>
+        <p:nvPicPr>
+          <p:cNvPr id="11" name="Graphic 10" descr="Vlog with solid fill">
+            <a:extLst>
+              <a:ext uri="{FF2B5EF4-FFF2-40B4-BE49-F238E27FC236}">
+                <a16:creationId xmlns:a16="http://schemas.microsoft.com/office/drawing/2014/main" id="{A6EF6AF6-409C-1E29-2581-3EE589F9B73A}"/>
+              </a:ext>
+            </a:extLst>
+          </p:cNvPr>
+          <p:cNvPicPr>
+            <a:picLocks noChangeAspect="1"/>
+          </p:cNvPicPr>
+          <p:nvPr/>
+        </p:nvPicPr>
+        <p:blipFill>
+          <a:blip r:embed="rId17">
+            <a:extLst>
+              <a:ext uri="{96DAC541-7B7A-43D3-8B79-37D633B846F1}">
+                <asvg:svgBlip xmlns:asvg="http://schemas.microsoft.com/office/drawing/2016/SVG/main" r:embed="rId18"/>
+              </a:ext>
+            </a:extLst>
+          </a:blip>
+          <a:stretch>
+            <a:fillRect/>
+          </a:stretch>
+        </p:blipFill>
+        <p:spPr>
+          <a:xfrm>
+            <a:off x="7020621" y="1284422"/>
+            <a:ext cx="914400" cy="914400"/>
+          </a:xfrm>
+          <a:prstGeom prst="rect">
+            <a:avLst/>
+          </a:prstGeom>
+        </p:spPr>
+      </p:pic>
+    </p:spTree>
+    <p:extLst>
+      <p:ext uri="{BB962C8B-B14F-4D97-AF65-F5344CB8AC3E}">
+        <p14:creationId xmlns:p14="http://schemas.microsoft.com/office/powerpoint/2010/main" val="1220728401"/>
+      </p:ext>
+    </p:extLst>
+  </p:cSld>
+  <p:clrMapOvr>
+    <a:masterClrMapping/>
+  </p:clrMapOvr>
+</p:sld>
+</file>
+
+<file path=ppt/slides/slide3.xml><?xml version="1.0" encoding="utf-8"?>
+<p:sld xmlns:a="http://schemas.openxmlformats.org/drawingml/2006/main" xmlns:r="http://schemas.openxmlformats.org/officeDocument/2006/relationships" xmlns:p="http://schemas.openxmlformats.org/presentationml/2006/main">
+  <p:cSld>
+    <p:spTree>
+      <p:nvGrpSpPr>
+        <p:cNvPr id="1" name=""/>
+        <p:cNvGrpSpPr/>
+        <p:nvPr/>
+      </p:nvGrpSpPr>
+      <p:grpSpPr>
+        <a:xfrm>
+          <a:off x="0" y="0"/>
+          <a:ext cx="0" cy="0"/>
+          <a:chOff x="0" y="0"/>
+          <a:chExt cx="0" cy="0"/>
+        </a:xfrm>
+      </p:grpSpPr>
+      <p:sp>
+        <p:nvSpPr>
           <p:cNvPr id="4" name="Rectangle 3">
             <a:extLst>
               <a:ext uri="{FF2B5EF4-FFF2-40B4-BE49-F238E27FC236}">
@@ -7233,7 +10220,7 @@
 </p:sld>
 </file>
 
-<file path=ppt/slides/slide3.xml><?xml version="1.0" encoding="utf-8"?>
+<file path=ppt/slides/slide4.xml><?xml version="1.0" encoding="utf-8"?>
 <p:sld xmlns:a="http://schemas.openxmlformats.org/drawingml/2006/main" xmlns:r="http://schemas.openxmlformats.org/officeDocument/2006/relationships" xmlns:p="http://schemas.openxmlformats.org/presentationml/2006/main">
   <p:cSld>
     <p:spTree>
